--- a/Presentazione/Presentazione Progetto.pptx
+++ b/Presentazione/Presentazione Progetto.pptx
@@ -15,8 +15,17 @@
     <p:sldId id="265" r:id="rId9"/>
     <p:sldId id="264" r:id="rId10"/>
     <p:sldId id="263" r:id="rId11"/>
-    <p:sldId id="266" r:id="rId12"/>
-    <p:sldId id="267" r:id="rId13"/>
+    <p:sldId id="268" r:id="rId12"/>
+    <p:sldId id="269" r:id="rId13"/>
+    <p:sldId id="266" r:id="rId14"/>
+    <p:sldId id="267" r:id="rId15"/>
+    <p:sldId id="270" r:id="rId16"/>
+    <p:sldId id="271" r:id="rId17"/>
+    <p:sldId id="272" r:id="rId18"/>
+    <p:sldId id="273" r:id="rId19"/>
+    <p:sldId id="274" r:id="rId20"/>
+    <p:sldId id="275" r:id="rId21"/>
+    <p:sldId id="276" r:id="rId22"/>
   </p:sldIdLst>
   <p:sldSz cx="12192000" cy="6858000"/>
   <p:notesSz cx="6858000" cy="9144000"/>
@@ -130,8 +139,17 @@
             <p14:sldId id="265"/>
             <p14:sldId id="264"/>
             <p14:sldId id="263"/>
+            <p14:sldId id="268"/>
+            <p14:sldId id="269"/>
             <p14:sldId id="266"/>
             <p14:sldId id="267"/>
+            <p14:sldId id="270"/>
+            <p14:sldId id="271"/>
+            <p14:sldId id="272"/>
+            <p14:sldId id="273"/>
+            <p14:sldId id="274"/>
+            <p14:sldId id="275"/>
+            <p14:sldId id="276"/>
           </p14:sldIdLst>
         </p14:section>
       </p14:sectionLst>
@@ -3614,33 +3632,7 @@
                 <a:effectLst/>
                 <a:latin typeface="Calibri" panose="020F0502020204030204" pitchFamily="34" charset="0"/>
               </a:rPr>
-              <a:t>   </a:t>
-            </a:r>
-            <a:r>
-              <a:rPr kumimoji="0" lang="it-IT" altLang="it-IT" sz="1600" b="0" i="0" u="none" strike="noStrike" cap="none" normalizeH="0" baseline="0" dirty="0" err="1">
-                <a:ln>
-                  <a:noFill/>
-                </a:ln>
-                <a:solidFill>
-                  <a:schemeClr val="bg1"/>
-                </a:solidFill>
-                <a:effectLst/>
-                <a:latin typeface="Calibri" panose="020F0502020204030204" pitchFamily="34" charset="0"/>
-              </a:rPr>
-              <a:t>Reccia</a:t>
-            </a:r>
-            <a:r>
-              <a:rPr kumimoji="0" lang="it-IT" altLang="it-IT" sz="1600" b="0" i="0" u="none" strike="noStrike" cap="none" normalizeH="0" baseline="0" dirty="0">
-                <a:ln>
-                  <a:noFill/>
-                </a:ln>
-                <a:solidFill>
-                  <a:schemeClr val="bg1"/>
-                </a:solidFill>
-                <a:effectLst/>
-                <a:latin typeface="Calibri" panose="020F0502020204030204" pitchFamily="34" charset="0"/>
-              </a:rPr>
-              <a:t> Luca	</a:t>
+              <a:t>   Reccia Luca	</a:t>
             </a:r>
             <a:r>
               <a:rPr lang="it-IT" altLang="it-IT" sz="1600" dirty="0">
@@ -3984,7 +3976,7 @@
           <p:cNvPr id="2" name="Titolo 1">
             <a:extLst>
               <a:ext uri="{FF2B5EF4-FFF2-40B4-BE49-F238E27FC236}">
-                <a16:creationId xmlns:a16="http://schemas.microsoft.com/office/drawing/2014/main" id="{AB17C366-35F5-4281-B1E3-9AC2CF3E1DBD}"/>
+                <a16:creationId xmlns:a16="http://schemas.microsoft.com/office/drawing/2014/main" id="{6983FC1C-0167-4434-9AC6-DCAC6D1ACB8E}"/>
               </a:ext>
             </a:extLst>
           </p:cNvPr>
@@ -3997,7 +3989,7 @@
         </p:nvSpPr>
         <p:spPr>
           <a:xfrm>
-            <a:off x="3867726" y="2471015"/>
+            <a:off x="3442855" y="2415598"/>
             <a:ext cx="10515600" cy="1325563"/>
           </a:xfrm>
         </p:spPr>
@@ -4013,7 +4005,7 @@
                   <a:schemeClr val="bg1"/>
                 </a:solidFill>
               </a:rPr>
-              <a:t>SCHEMA ER</a:t>
+              <a:t>LAYOUT E TEMI</a:t>
             </a:r>
           </a:p>
         </p:txBody>
@@ -4021,7 +4013,7 @@
     </p:spTree>
     <p:extLst>
       <p:ext uri="{BB962C8B-B14F-4D97-AF65-F5344CB8AC3E}">
-        <p14:creationId xmlns:p14="http://schemas.microsoft.com/office/powerpoint/2010/main" val="2227206741"/>
+        <p14:creationId xmlns:p14="http://schemas.microsoft.com/office/powerpoint/2010/main" val="705345086"/>
       </p:ext>
     </p:extLst>
   </p:cSld>
@@ -4048,6 +4040,169 @@
           <a:chExt cx="0" cy="0"/>
         </a:xfrm>
       </p:grpSpPr>
+      <p:sp>
+        <p:nvSpPr>
+          <p:cNvPr id="2" name="Titolo 1">
+            <a:extLst>
+              <a:ext uri="{FF2B5EF4-FFF2-40B4-BE49-F238E27FC236}">
+                <a16:creationId xmlns:a16="http://schemas.microsoft.com/office/drawing/2014/main" id="{D9783726-1593-4249-A2AB-361C214CEB1F}"/>
+              </a:ext>
+            </a:extLst>
+          </p:cNvPr>
+          <p:cNvSpPr>
+            <a:spLocks noGrp="1"/>
+          </p:cNvSpPr>
+          <p:nvPr>
+            <p:ph type="title"/>
+          </p:nvPr>
+        </p:nvSpPr>
+        <p:spPr/>
+        <p:txBody>
+          <a:bodyPr/>
+          <a:lstStyle/>
+          <a:p>
+            <a:r>
+              <a:rPr lang="it-IT" dirty="0"/>
+              <a:t>DA AGGIUNGERE LAYOUT E TEMI</a:t>
+            </a:r>
+          </a:p>
+        </p:txBody>
+      </p:sp>
+      <p:sp>
+        <p:nvSpPr>
+          <p:cNvPr id="3" name="Segnaposto contenuto 2">
+            <a:extLst>
+              <a:ext uri="{FF2B5EF4-FFF2-40B4-BE49-F238E27FC236}">
+                <a16:creationId xmlns:a16="http://schemas.microsoft.com/office/drawing/2014/main" id="{2532CA64-5D22-4936-97B9-FC8BB812B239}"/>
+              </a:ext>
+            </a:extLst>
+          </p:cNvPr>
+          <p:cNvSpPr>
+            <a:spLocks noGrp="1"/>
+          </p:cNvSpPr>
+          <p:nvPr>
+            <p:ph idx="1"/>
+          </p:nvPr>
+        </p:nvSpPr>
+        <p:spPr/>
+        <p:txBody>
+          <a:bodyPr/>
+          <a:lstStyle/>
+          <a:p>
+            <a:r>
+              <a:rPr lang="it-IT" dirty="0"/>
+              <a:t>IMMAGINI</a:t>
+            </a:r>
+          </a:p>
+        </p:txBody>
+      </p:sp>
+    </p:spTree>
+    <p:extLst>
+      <p:ext uri="{BB962C8B-B14F-4D97-AF65-F5344CB8AC3E}">
+        <p14:creationId xmlns:p14="http://schemas.microsoft.com/office/powerpoint/2010/main" val="2121497358"/>
+      </p:ext>
+    </p:extLst>
+  </p:cSld>
+  <p:clrMapOvr>
+    <a:masterClrMapping/>
+  </p:clrMapOvr>
+</p:sld>
+</file>
+
+<file path=ppt/slides/slide13.xml><?xml version="1.0" encoding="utf-8"?>
+<p:sld xmlns:a="http://schemas.openxmlformats.org/drawingml/2006/main" xmlns:r="http://schemas.openxmlformats.org/officeDocument/2006/relationships" xmlns:p="http://schemas.openxmlformats.org/presentationml/2006/main">
+  <p:cSld>
+    <p:bg>
+      <p:bgPr>
+        <a:solidFill>
+          <a:schemeClr val="tx1"/>
+        </a:solidFill>
+        <a:effectLst/>
+      </p:bgPr>
+    </p:bg>
+    <p:spTree>
+      <p:nvGrpSpPr>
+        <p:cNvPr id="1" name=""/>
+        <p:cNvGrpSpPr/>
+        <p:nvPr/>
+      </p:nvGrpSpPr>
+      <p:grpSpPr>
+        <a:xfrm>
+          <a:off x="0" y="0"/>
+          <a:ext cx="0" cy="0"/>
+          <a:chOff x="0" y="0"/>
+          <a:chExt cx="0" cy="0"/>
+        </a:xfrm>
+      </p:grpSpPr>
+      <p:sp>
+        <p:nvSpPr>
+          <p:cNvPr id="2" name="Titolo 1">
+            <a:extLst>
+              <a:ext uri="{FF2B5EF4-FFF2-40B4-BE49-F238E27FC236}">
+                <a16:creationId xmlns:a16="http://schemas.microsoft.com/office/drawing/2014/main" id="{AB17C366-35F5-4281-B1E3-9AC2CF3E1DBD}"/>
+              </a:ext>
+            </a:extLst>
+          </p:cNvPr>
+          <p:cNvSpPr>
+            <a:spLocks noGrp="1"/>
+          </p:cNvSpPr>
+          <p:nvPr>
+            <p:ph type="title"/>
+          </p:nvPr>
+        </p:nvSpPr>
+        <p:spPr>
+          <a:xfrm>
+            <a:off x="3867726" y="2471015"/>
+            <a:ext cx="10515600" cy="1325563"/>
+          </a:xfrm>
+        </p:spPr>
+        <p:txBody>
+          <a:bodyPr>
+            <a:normAutofit/>
+          </a:bodyPr>
+          <a:lstStyle/>
+          <a:p>
+            <a:r>
+              <a:rPr lang="it-IT" sz="6000" dirty="0">
+                <a:solidFill>
+                  <a:schemeClr val="bg1"/>
+                </a:solidFill>
+              </a:rPr>
+              <a:t>SCHEMA ER</a:t>
+            </a:r>
+          </a:p>
+        </p:txBody>
+      </p:sp>
+    </p:spTree>
+    <p:extLst>
+      <p:ext uri="{BB962C8B-B14F-4D97-AF65-F5344CB8AC3E}">
+        <p14:creationId xmlns:p14="http://schemas.microsoft.com/office/powerpoint/2010/main" val="2227206741"/>
+      </p:ext>
+    </p:extLst>
+  </p:cSld>
+  <p:clrMapOvr>
+    <a:masterClrMapping/>
+  </p:clrMapOvr>
+</p:sld>
+</file>
+
+<file path=ppt/slides/slide14.xml><?xml version="1.0" encoding="utf-8"?>
+<p:sld xmlns:a="http://schemas.openxmlformats.org/drawingml/2006/main" xmlns:r="http://schemas.openxmlformats.org/officeDocument/2006/relationships" xmlns:p="http://schemas.openxmlformats.org/presentationml/2006/main">
+  <p:cSld>
+    <p:spTree>
+      <p:nvGrpSpPr>
+        <p:cNvPr id="1" name=""/>
+        <p:cNvGrpSpPr/>
+        <p:nvPr/>
+      </p:nvGrpSpPr>
+      <p:grpSpPr>
+        <a:xfrm>
+          <a:off x="0" y="0"/>
+          <a:ext cx="0" cy="0"/>
+          <a:chOff x="0" y="0"/>
+          <a:chExt cx="0" cy="0"/>
+        </a:xfrm>
+      </p:grpSpPr>
       <p:pic>
         <p:nvPicPr>
           <p:cNvPr id="5" name="Immagine 4">
@@ -4088,6 +4243,1115 @@
     <p:extLst>
       <p:ext uri="{BB962C8B-B14F-4D97-AF65-F5344CB8AC3E}">
         <p14:creationId xmlns:p14="http://schemas.microsoft.com/office/powerpoint/2010/main" val="2794500397"/>
+      </p:ext>
+    </p:extLst>
+  </p:cSld>
+  <p:clrMapOvr>
+    <a:masterClrMapping/>
+  </p:clrMapOvr>
+</p:sld>
+</file>
+
+<file path=ppt/slides/slide15.xml><?xml version="1.0" encoding="utf-8"?>
+<p:sld xmlns:a="http://schemas.openxmlformats.org/drawingml/2006/main" xmlns:r="http://schemas.openxmlformats.org/officeDocument/2006/relationships" xmlns:p="http://schemas.openxmlformats.org/presentationml/2006/main">
+  <p:cSld>
+    <p:bg>
+      <p:bgPr>
+        <a:solidFill>
+          <a:schemeClr val="tx1"/>
+        </a:solidFill>
+        <a:effectLst/>
+      </p:bgPr>
+    </p:bg>
+    <p:spTree>
+      <p:nvGrpSpPr>
+        <p:cNvPr id="1" name=""/>
+        <p:cNvGrpSpPr/>
+        <p:nvPr/>
+      </p:nvGrpSpPr>
+      <p:grpSpPr>
+        <a:xfrm>
+          <a:off x="0" y="0"/>
+          <a:ext cx="0" cy="0"/>
+          <a:chOff x="0" y="0"/>
+          <a:chExt cx="0" cy="0"/>
+        </a:xfrm>
+      </p:grpSpPr>
+      <p:sp>
+        <p:nvSpPr>
+          <p:cNvPr id="2" name="Titolo 1">
+            <a:extLst>
+              <a:ext uri="{FF2B5EF4-FFF2-40B4-BE49-F238E27FC236}">
+                <a16:creationId xmlns:a16="http://schemas.microsoft.com/office/drawing/2014/main" id="{833CBE6A-8F11-47AE-8A9D-A76A8FC0DFE1}"/>
+              </a:ext>
+            </a:extLst>
+          </p:cNvPr>
+          <p:cNvSpPr>
+            <a:spLocks noGrp="1"/>
+          </p:cNvSpPr>
+          <p:nvPr>
+            <p:ph type="title"/>
+          </p:nvPr>
+        </p:nvSpPr>
+        <p:spPr>
+          <a:xfrm>
+            <a:off x="1787236" y="2184689"/>
+            <a:ext cx="10515600" cy="1325563"/>
+          </a:xfrm>
+        </p:spPr>
+        <p:txBody>
+          <a:bodyPr>
+            <a:normAutofit/>
+          </a:bodyPr>
+          <a:lstStyle/>
+          <a:p>
+            <a:r>
+              <a:rPr lang="it-IT" sz="6000" dirty="0">
+                <a:solidFill>
+                  <a:schemeClr val="bg1"/>
+                </a:solidFill>
+              </a:rPr>
+              <a:t>ARCHITETTURA SOFTWARE</a:t>
+            </a:r>
+          </a:p>
+        </p:txBody>
+      </p:sp>
+    </p:spTree>
+    <p:extLst>
+      <p:ext uri="{BB962C8B-B14F-4D97-AF65-F5344CB8AC3E}">
+        <p14:creationId xmlns:p14="http://schemas.microsoft.com/office/powerpoint/2010/main" val="3425339582"/>
+      </p:ext>
+    </p:extLst>
+  </p:cSld>
+  <p:clrMapOvr>
+    <a:masterClrMapping/>
+  </p:clrMapOvr>
+</p:sld>
+</file>
+
+<file path=ppt/slides/slide16.xml><?xml version="1.0" encoding="utf-8"?>
+<p:sld xmlns:a="http://schemas.openxmlformats.org/drawingml/2006/main" xmlns:r="http://schemas.openxmlformats.org/officeDocument/2006/relationships" xmlns:p="http://schemas.openxmlformats.org/presentationml/2006/main">
+  <p:cSld>
+    <p:bg>
+      <p:bgPr>
+        <a:solidFill>
+          <a:schemeClr val="tx1"/>
+        </a:solidFill>
+        <a:effectLst/>
+      </p:bgPr>
+    </p:bg>
+    <p:spTree>
+      <p:nvGrpSpPr>
+        <p:cNvPr id="1" name=""/>
+        <p:cNvGrpSpPr/>
+        <p:nvPr/>
+      </p:nvGrpSpPr>
+      <p:grpSpPr>
+        <a:xfrm>
+          <a:off x="0" y="0"/>
+          <a:ext cx="0" cy="0"/>
+          <a:chOff x="0" y="0"/>
+          <a:chExt cx="0" cy="0"/>
+        </a:xfrm>
+      </p:grpSpPr>
+      <p:sp>
+        <p:nvSpPr>
+          <p:cNvPr id="4" name="CasellaDiTesto 3">
+            <a:extLst>
+              <a:ext uri="{FF2B5EF4-FFF2-40B4-BE49-F238E27FC236}">
+                <a16:creationId xmlns:a16="http://schemas.microsoft.com/office/drawing/2014/main" id="{0A75E91D-8DE3-4A1B-97A8-DBD62CF39FB0}"/>
+              </a:ext>
+            </a:extLst>
+          </p:cNvPr>
+          <p:cNvSpPr txBox="1"/>
+          <p:nvPr/>
+        </p:nvSpPr>
+        <p:spPr>
+          <a:xfrm>
+            <a:off x="508000" y="424873"/>
+            <a:ext cx="3580674" cy="2893100"/>
+          </a:xfrm>
+          <a:prstGeom prst="rect">
+            <a:avLst/>
+          </a:prstGeom>
+          <a:noFill/>
+        </p:spPr>
+        <p:txBody>
+          <a:bodyPr wrap="square" rtlCol="0">
+            <a:spAutoFit/>
+          </a:bodyPr>
+          <a:lstStyle/>
+          <a:p>
+            <a:r>
+              <a:rPr lang="it-IT" sz="2800" dirty="0">
+                <a:solidFill>
+                  <a:schemeClr val="bg1"/>
+                </a:solidFill>
+              </a:rPr>
+              <a:t>	Model:</a:t>
+            </a:r>
+            <a:endParaRPr lang="it-IT" sz="1400" dirty="0">
+              <a:solidFill>
+                <a:schemeClr val="bg1"/>
+              </a:solidFill>
+            </a:endParaRPr>
+          </a:p>
+          <a:p>
+            <a:endParaRPr lang="it-IT" sz="2800" dirty="0">
+              <a:solidFill>
+                <a:schemeClr val="bg1"/>
+              </a:solidFill>
+            </a:endParaRPr>
+          </a:p>
+          <a:p>
+            <a:pPr marL="285750" indent="-285750">
+              <a:buFont typeface="Arial" panose="020B0604020202020204" pitchFamily="34" charset="0"/>
+              <a:buChar char="•"/>
+            </a:pPr>
+            <a:r>
+              <a:rPr lang="it-IT" dirty="0">
+                <a:solidFill>
+                  <a:schemeClr val="bg1"/>
+                </a:solidFill>
+              </a:rPr>
+              <a:t>ArticleModel;</a:t>
+            </a:r>
+          </a:p>
+          <a:p>
+            <a:pPr marL="285750" indent="-285750">
+              <a:buFont typeface="Arial" panose="020B0604020202020204" pitchFamily="34" charset="0"/>
+              <a:buChar char="•"/>
+            </a:pPr>
+            <a:r>
+              <a:rPr lang="it-IT" dirty="0">
+                <a:solidFill>
+                  <a:schemeClr val="bg1"/>
+                </a:solidFill>
+              </a:rPr>
+              <a:t>CreditCardModel;</a:t>
+            </a:r>
+          </a:p>
+          <a:p>
+            <a:pPr marL="285750" indent="-285750">
+              <a:buFont typeface="Arial" panose="020B0604020202020204" pitchFamily="34" charset="0"/>
+              <a:buChar char="•"/>
+            </a:pPr>
+            <a:r>
+              <a:rPr lang="it-IT" dirty="0">
+                <a:solidFill>
+                  <a:schemeClr val="bg1"/>
+                </a:solidFill>
+              </a:rPr>
+              <a:t>OrderModel;</a:t>
+            </a:r>
+          </a:p>
+          <a:p>
+            <a:pPr marL="285750" indent="-285750">
+              <a:buFont typeface="Arial" panose="020B0604020202020204" pitchFamily="34" charset="0"/>
+              <a:buChar char="•"/>
+            </a:pPr>
+            <a:r>
+              <a:rPr lang="it-IT" dirty="0">
+                <a:solidFill>
+                  <a:schemeClr val="bg1"/>
+                </a:solidFill>
+              </a:rPr>
+              <a:t>PrescriptionModel;</a:t>
+            </a:r>
+          </a:p>
+          <a:p>
+            <a:pPr marL="285750" indent="-285750">
+              <a:buFont typeface="Arial" panose="020B0604020202020204" pitchFamily="34" charset="0"/>
+              <a:buChar char="•"/>
+            </a:pPr>
+            <a:r>
+              <a:rPr lang="it-IT" dirty="0">
+                <a:solidFill>
+                  <a:schemeClr val="bg1"/>
+                </a:solidFill>
+              </a:rPr>
+              <a:t>PromotionModel;</a:t>
+            </a:r>
+          </a:p>
+          <a:p>
+            <a:pPr marL="285750" indent="-285750">
+              <a:buFont typeface="Arial" panose="020B0604020202020204" pitchFamily="34" charset="0"/>
+              <a:buChar char="•"/>
+            </a:pPr>
+            <a:r>
+              <a:rPr lang="it-IT" dirty="0">
+                <a:solidFill>
+                  <a:schemeClr val="bg1"/>
+                </a:solidFill>
+              </a:rPr>
+              <a:t>UserModel;</a:t>
+            </a:r>
+          </a:p>
+          <a:p>
+            <a:pPr marL="285750" indent="-285750">
+              <a:buFont typeface="Arial" panose="020B0604020202020204" pitchFamily="34" charset="0"/>
+              <a:buChar char="•"/>
+            </a:pPr>
+            <a:r>
+              <a:rPr lang="it-IT" dirty="0">
+                <a:solidFill>
+                  <a:schemeClr val="bg1"/>
+                </a:solidFill>
+              </a:rPr>
+              <a:t>DriverManagerConnectionPool.</a:t>
+            </a:r>
+          </a:p>
+        </p:txBody>
+      </p:sp>
+      <p:sp>
+        <p:nvSpPr>
+          <p:cNvPr id="5" name="CasellaDiTesto 4">
+            <a:extLst>
+              <a:ext uri="{FF2B5EF4-FFF2-40B4-BE49-F238E27FC236}">
+                <a16:creationId xmlns:a16="http://schemas.microsoft.com/office/drawing/2014/main" id="{88ACAAB2-359C-468F-A0DA-07FECDD11114}"/>
+              </a:ext>
+            </a:extLst>
+          </p:cNvPr>
+          <p:cNvSpPr txBox="1"/>
+          <p:nvPr/>
+        </p:nvSpPr>
+        <p:spPr>
+          <a:xfrm>
+            <a:off x="9138194" y="424873"/>
+            <a:ext cx="3580674" cy="2616101"/>
+          </a:xfrm>
+          <a:prstGeom prst="rect">
+            <a:avLst/>
+          </a:prstGeom>
+          <a:noFill/>
+        </p:spPr>
+        <p:txBody>
+          <a:bodyPr wrap="square" rtlCol="0">
+            <a:spAutoFit/>
+          </a:bodyPr>
+          <a:lstStyle/>
+          <a:p>
+            <a:r>
+              <a:rPr lang="it-IT" sz="2800" dirty="0">
+                <a:solidFill>
+                  <a:schemeClr val="bg1"/>
+                </a:solidFill>
+              </a:rPr>
+              <a:t>	Control:</a:t>
+            </a:r>
+          </a:p>
+          <a:p>
+            <a:endParaRPr lang="it-IT" sz="2800" dirty="0">
+              <a:solidFill>
+                <a:schemeClr val="bg1"/>
+              </a:solidFill>
+            </a:endParaRPr>
+          </a:p>
+          <a:p>
+            <a:pPr marL="285750" indent="-285750">
+              <a:buFont typeface="Arial" panose="020B0604020202020204" pitchFamily="34" charset="0"/>
+              <a:buChar char="•"/>
+            </a:pPr>
+            <a:r>
+              <a:rPr lang="it-IT" dirty="0">
+                <a:solidFill>
+                  <a:schemeClr val="bg1"/>
+                </a:solidFill>
+              </a:rPr>
+              <a:t>AccessControl;</a:t>
+            </a:r>
+          </a:p>
+          <a:p>
+            <a:pPr marL="285750" indent="-285750">
+              <a:buFont typeface="Arial" panose="020B0604020202020204" pitchFamily="34" charset="0"/>
+              <a:buChar char="•"/>
+            </a:pPr>
+            <a:r>
+              <a:rPr lang="it-IT" dirty="0">
+                <a:solidFill>
+                  <a:schemeClr val="bg1"/>
+                </a:solidFill>
+              </a:rPr>
+              <a:t>ArticleControl;</a:t>
+            </a:r>
+          </a:p>
+          <a:p>
+            <a:pPr marL="285750" indent="-285750">
+              <a:buFont typeface="Arial" panose="020B0604020202020204" pitchFamily="34" charset="0"/>
+              <a:buChar char="•"/>
+            </a:pPr>
+            <a:r>
+              <a:rPr lang="it-IT" dirty="0">
+                <a:solidFill>
+                  <a:schemeClr val="bg1"/>
+                </a:solidFill>
+              </a:rPr>
+              <a:t>ArticlePageControl;</a:t>
+            </a:r>
+          </a:p>
+          <a:p>
+            <a:pPr marL="285750" indent="-285750">
+              <a:buFont typeface="Arial" panose="020B0604020202020204" pitchFamily="34" charset="0"/>
+              <a:buChar char="•"/>
+            </a:pPr>
+            <a:r>
+              <a:rPr lang="it-IT" dirty="0">
+                <a:solidFill>
+                  <a:schemeClr val="bg1"/>
+                </a:solidFill>
+              </a:rPr>
+              <a:t>CheckoutControl;</a:t>
+            </a:r>
+          </a:p>
+          <a:p>
+            <a:pPr marL="285750" indent="-285750">
+              <a:buFont typeface="Arial" panose="020B0604020202020204" pitchFamily="34" charset="0"/>
+              <a:buChar char="•"/>
+            </a:pPr>
+            <a:r>
+              <a:rPr lang="it-IT" dirty="0">
+                <a:solidFill>
+                  <a:schemeClr val="bg1"/>
+                </a:solidFill>
+              </a:rPr>
+              <a:t>PromotionControl;</a:t>
+            </a:r>
+          </a:p>
+          <a:p>
+            <a:pPr marL="285750" indent="-285750">
+              <a:buFont typeface="Arial" panose="020B0604020202020204" pitchFamily="34" charset="0"/>
+              <a:buChar char="•"/>
+            </a:pPr>
+            <a:r>
+              <a:rPr lang="it-IT" dirty="0">
+                <a:solidFill>
+                  <a:schemeClr val="bg1"/>
+                </a:solidFill>
+              </a:rPr>
+              <a:t>UserControl.</a:t>
+            </a:r>
+          </a:p>
+        </p:txBody>
+      </p:sp>
+      <p:sp>
+        <p:nvSpPr>
+          <p:cNvPr id="6" name="CasellaDiTesto 5">
+            <a:extLst>
+              <a:ext uri="{FF2B5EF4-FFF2-40B4-BE49-F238E27FC236}">
+                <a16:creationId xmlns:a16="http://schemas.microsoft.com/office/drawing/2014/main" id="{0605F48C-9163-441E-AD79-C4DCEC397A34}"/>
+              </a:ext>
+            </a:extLst>
+          </p:cNvPr>
+          <p:cNvSpPr txBox="1"/>
+          <p:nvPr/>
+        </p:nvSpPr>
+        <p:spPr>
+          <a:xfrm>
+            <a:off x="5230949" y="2733197"/>
+            <a:ext cx="3580674" cy="4001095"/>
+          </a:xfrm>
+          <a:prstGeom prst="rect">
+            <a:avLst/>
+          </a:prstGeom>
+          <a:noFill/>
+        </p:spPr>
+        <p:txBody>
+          <a:bodyPr wrap="square" rtlCol="0">
+            <a:spAutoFit/>
+          </a:bodyPr>
+          <a:lstStyle/>
+          <a:p>
+            <a:r>
+              <a:rPr lang="it-IT" dirty="0">
+                <a:solidFill>
+                  <a:schemeClr val="bg1"/>
+                </a:solidFill>
+              </a:rPr>
+              <a:t>	</a:t>
+            </a:r>
+            <a:r>
+              <a:rPr lang="it-IT" sz="2800" dirty="0">
+                <a:solidFill>
+                  <a:schemeClr val="bg1"/>
+                </a:solidFill>
+              </a:rPr>
+              <a:t>Support:</a:t>
+            </a:r>
+          </a:p>
+          <a:p>
+            <a:endParaRPr lang="it-IT" sz="2800" dirty="0">
+              <a:solidFill>
+                <a:schemeClr val="bg1"/>
+              </a:solidFill>
+            </a:endParaRPr>
+          </a:p>
+          <a:p>
+            <a:pPr marL="285750" indent="-285750">
+              <a:buFont typeface="Arial" panose="020B0604020202020204" pitchFamily="34" charset="0"/>
+              <a:buChar char="•"/>
+            </a:pPr>
+            <a:r>
+              <a:rPr lang="it-IT" dirty="0">
+                <a:solidFill>
+                  <a:schemeClr val="bg1"/>
+                </a:solidFill>
+              </a:rPr>
+              <a:t>AdminBean;</a:t>
+            </a:r>
+          </a:p>
+          <a:p>
+            <a:pPr marL="285750" indent="-285750">
+              <a:buFont typeface="Arial" panose="020B0604020202020204" pitchFamily="34" charset="0"/>
+              <a:buChar char="•"/>
+            </a:pPr>
+            <a:r>
+              <a:rPr lang="it-IT" dirty="0">
+                <a:solidFill>
+                  <a:schemeClr val="bg1"/>
+                </a:solidFill>
+              </a:rPr>
+              <a:t>ArticleBean;</a:t>
+            </a:r>
+          </a:p>
+          <a:p>
+            <a:pPr marL="285750" indent="-285750">
+              <a:buFont typeface="Arial" panose="020B0604020202020204" pitchFamily="34" charset="0"/>
+              <a:buChar char="•"/>
+            </a:pPr>
+            <a:r>
+              <a:rPr lang="it-IT" dirty="0">
+                <a:solidFill>
+                  <a:schemeClr val="bg1"/>
+                </a:solidFill>
+              </a:rPr>
+              <a:t>Cart;</a:t>
+            </a:r>
+          </a:p>
+          <a:p>
+            <a:pPr marL="285750" indent="-285750">
+              <a:buFont typeface="Arial" panose="020B0604020202020204" pitchFamily="34" charset="0"/>
+              <a:buChar char="•"/>
+            </a:pPr>
+            <a:r>
+              <a:rPr lang="it-IT" dirty="0">
+                <a:solidFill>
+                  <a:schemeClr val="bg1"/>
+                </a:solidFill>
+              </a:rPr>
+              <a:t>CartArticle;</a:t>
+            </a:r>
+          </a:p>
+          <a:p>
+            <a:pPr marL="285750" indent="-285750">
+              <a:buFont typeface="Arial" panose="020B0604020202020204" pitchFamily="34" charset="0"/>
+              <a:buChar char="•"/>
+            </a:pPr>
+            <a:r>
+              <a:rPr lang="it-IT" dirty="0">
+                <a:solidFill>
+                  <a:schemeClr val="bg1"/>
+                </a:solidFill>
+              </a:rPr>
+              <a:t>ContactLensesBean;</a:t>
+            </a:r>
+          </a:p>
+          <a:p>
+            <a:pPr marL="285750" indent="-285750">
+              <a:buFont typeface="Arial" panose="020B0604020202020204" pitchFamily="34" charset="0"/>
+              <a:buChar char="•"/>
+            </a:pPr>
+            <a:r>
+              <a:rPr lang="it-IT" dirty="0">
+                <a:solidFill>
+                  <a:schemeClr val="bg1"/>
+                </a:solidFill>
+              </a:rPr>
+              <a:t>CreditCardBean;</a:t>
+            </a:r>
+          </a:p>
+          <a:p>
+            <a:pPr marL="285750" indent="-285750">
+              <a:buFont typeface="Arial" panose="020B0604020202020204" pitchFamily="34" charset="0"/>
+              <a:buChar char="•"/>
+            </a:pPr>
+            <a:r>
+              <a:rPr lang="it-IT" dirty="0">
+                <a:solidFill>
+                  <a:schemeClr val="bg1"/>
+                </a:solidFill>
+              </a:rPr>
+              <a:t>GlassesBean;</a:t>
+            </a:r>
+          </a:p>
+          <a:p>
+            <a:pPr marL="285750" indent="-285750">
+              <a:buFont typeface="Arial" panose="020B0604020202020204" pitchFamily="34" charset="0"/>
+              <a:buChar char="•"/>
+            </a:pPr>
+            <a:r>
+              <a:rPr lang="it-IT" dirty="0">
+                <a:solidFill>
+                  <a:schemeClr val="bg1"/>
+                </a:solidFill>
+              </a:rPr>
+              <a:t>OrderBean;</a:t>
+            </a:r>
+          </a:p>
+          <a:p>
+            <a:pPr marL="285750" indent="-285750">
+              <a:buFont typeface="Arial" panose="020B0604020202020204" pitchFamily="34" charset="0"/>
+              <a:buChar char="•"/>
+            </a:pPr>
+            <a:r>
+              <a:rPr lang="it-IT" dirty="0">
+                <a:solidFill>
+                  <a:schemeClr val="bg1"/>
+                </a:solidFill>
+              </a:rPr>
+              <a:t>PrescriptionBean;</a:t>
+            </a:r>
+          </a:p>
+          <a:p>
+            <a:pPr marL="285750" indent="-285750">
+              <a:buFont typeface="Arial" panose="020B0604020202020204" pitchFamily="34" charset="0"/>
+              <a:buChar char="•"/>
+            </a:pPr>
+            <a:r>
+              <a:rPr lang="it-IT" dirty="0">
+                <a:solidFill>
+                  <a:schemeClr val="bg1"/>
+                </a:solidFill>
+              </a:rPr>
+              <a:t>PromotionBean;</a:t>
+            </a:r>
+          </a:p>
+          <a:p>
+            <a:pPr marL="285750" indent="-285750">
+              <a:buFont typeface="Arial" panose="020B0604020202020204" pitchFamily="34" charset="0"/>
+              <a:buChar char="•"/>
+            </a:pPr>
+            <a:r>
+              <a:rPr lang="it-IT" dirty="0">
+                <a:solidFill>
+                  <a:schemeClr val="bg1"/>
+                </a:solidFill>
+              </a:rPr>
+              <a:t>UserBean.</a:t>
+            </a:r>
+          </a:p>
+        </p:txBody>
+      </p:sp>
+    </p:spTree>
+    <p:extLst>
+      <p:ext uri="{BB962C8B-B14F-4D97-AF65-F5344CB8AC3E}">
+        <p14:creationId xmlns:p14="http://schemas.microsoft.com/office/powerpoint/2010/main" val="301205180"/>
+      </p:ext>
+    </p:extLst>
+  </p:cSld>
+  <p:clrMapOvr>
+    <a:masterClrMapping/>
+  </p:clrMapOvr>
+</p:sld>
+</file>
+
+<file path=ppt/slides/slide17.xml><?xml version="1.0" encoding="utf-8"?>
+<p:sld xmlns:a="http://schemas.openxmlformats.org/drawingml/2006/main" xmlns:r="http://schemas.openxmlformats.org/officeDocument/2006/relationships" xmlns:p="http://schemas.openxmlformats.org/presentationml/2006/main">
+  <p:cSld>
+    <p:bg>
+      <p:bgPr>
+        <a:solidFill>
+          <a:schemeClr val="tx1"/>
+        </a:solidFill>
+        <a:effectLst/>
+      </p:bgPr>
+    </p:bg>
+    <p:spTree>
+      <p:nvGrpSpPr>
+        <p:cNvPr id="1" name=""/>
+        <p:cNvGrpSpPr/>
+        <p:nvPr/>
+      </p:nvGrpSpPr>
+      <p:grpSpPr>
+        <a:xfrm>
+          <a:off x="0" y="0"/>
+          <a:ext cx="0" cy="0"/>
+          <a:chOff x="0" y="0"/>
+          <a:chExt cx="0" cy="0"/>
+        </a:xfrm>
+      </p:grpSpPr>
+      <p:sp>
+        <p:nvSpPr>
+          <p:cNvPr id="4" name="CasellaDiTesto 3">
+            <a:extLst>
+              <a:ext uri="{FF2B5EF4-FFF2-40B4-BE49-F238E27FC236}">
+                <a16:creationId xmlns:a16="http://schemas.microsoft.com/office/drawing/2014/main" id="{9DFF5DD3-C1A9-415E-8E05-4F311636ABED}"/>
+              </a:ext>
+            </a:extLst>
+          </p:cNvPr>
+          <p:cNvSpPr txBox="1"/>
+          <p:nvPr/>
+        </p:nvSpPr>
+        <p:spPr>
+          <a:xfrm>
+            <a:off x="2076994" y="1537063"/>
+            <a:ext cx="2625634" cy="2900794"/>
+          </a:xfrm>
+          <a:prstGeom prst="rect">
+            <a:avLst/>
+          </a:prstGeom>
+          <a:noFill/>
+        </p:spPr>
+        <p:txBody>
+          <a:bodyPr wrap="square" rtlCol="0">
+            <a:spAutoFit/>
+          </a:bodyPr>
+          <a:lstStyle/>
+          <a:p>
+            <a:r>
+              <a:rPr lang="it-IT" sz="2800" dirty="0">
+                <a:solidFill>
+                  <a:schemeClr val="bg1"/>
+                </a:solidFill>
+              </a:rPr>
+              <a:t>	JSP:</a:t>
+            </a:r>
+          </a:p>
+          <a:p>
+            <a:endParaRPr lang="it-IT" sz="1050" dirty="0">
+              <a:solidFill>
+                <a:schemeClr val="bg1"/>
+              </a:solidFill>
+            </a:endParaRPr>
+          </a:p>
+          <a:p>
+            <a:pPr marL="285750" indent="-285750">
+              <a:buFont typeface="Arial" panose="020B0604020202020204" pitchFamily="34" charset="0"/>
+              <a:buChar char="•"/>
+            </a:pPr>
+            <a:r>
+              <a:rPr lang="it-IT" dirty="0">
+                <a:solidFill>
+                  <a:schemeClr val="bg1"/>
+                </a:solidFill>
+              </a:rPr>
+              <a:t>AccessView;</a:t>
+            </a:r>
+          </a:p>
+          <a:p>
+            <a:pPr marL="285750" indent="-285750">
+              <a:buFont typeface="Arial" panose="020B0604020202020204" pitchFamily="34" charset="0"/>
+              <a:buChar char="•"/>
+            </a:pPr>
+            <a:r>
+              <a:rPr lang="it-IT" dirty="0">
+                <a:solidFill>
+                  <a:schemeClr val="bg1"/>
+                </a:solidFill>
+              </a:rPr>
+              <a:t>ArticlePageView;</a:t>
+            </a:r>
+          </a:p>
+          <a:p>
+            <a:pPr marL="285750" indent="-285750">
+              <a:buFont typeface="Arial" panose="020B0604020202020204" pitchFamily="34" charset="0"/>
+              <a:buChar char="•"/>
+            </a:pPr>
+            <a:r>
+              <a:rPr lang="it-IT" dirty="0">
+                <a:solidFill>
+                  <a:schemeClr val="bg1"/>
+                </a:solidFill>
+              </a:rPr>
+              <a:t>ArticleView;</a:t>
+            </a:r>
+          </a:p>
+          <a:p>
+            <a:pPr marL="285750" indent="-285750">
+              <a:buFont typeface="Arial" panose="020B0604020202020204" pitchFamily="34" charset="0"/>
+              <a:buChar char="•"/>
+            </a:pPr>
+            <a:r>
+              <a:rPr lang="it-IT" dirty="0">
+                <a:solidFill>
+                  <a:schemeClr val="bg1"/>
+                </a:solidFill>
+              </a:rPr>
+              <a:t>CheckoutView;</a:t>
+            </a:r>
+          </a:p>
+          <a:p>
+            <a:pPr marL="285750" indent="-285750">
+              <a:buFont typeface="Arial" panose="020B0604020202020204" pitchFamily="34" charset="0"/>
+              <a:buChar char="•"/>
+            </a:pPr>
+            <a:r>
+              <a:rPr lang="it-IT" dirty="0">
+                <a:solidFill>
+                  <a:schemeClr val="bg1"/>
+                </a:solidFill>
+              </a:rPr>
+              <a:t>Header;</a:t>
+            </a:r>
+          </a:p>
+          <a:p>
+            <a:pPr marL="285750" indent="-285750">
+              <a:buFont typeface="Arial" panose="020B0604020202020204" pitchFamily="34" charset="0"/>
+              <a:buChar char="•"/>
+            </a:pPr>
+            <a:r>
+              <a:rPr lang="it-IT" dirty="0">
+                <a:solidFill>
+                  <a:schemeClr val="bg1"/>
+                </a:solidFill>
+              </a:rPr>
+              <a:t>OrderView;</a:t>
+            </a:r>
+          </a:p>
+          <a:p>
+            <a:pPr marL="285750" indent="-285750">
+              <a:buFont typeface="Arial" panose="020B0604020202020204" pitchFamily="34" charset="0"/>
+              <a:buChar char="•"/>
+            </a:pPr>
+            <a:r>
+              <a:rPr lang="it-IT" dirty="0">
+                <a:solidFill>
+                  <a:schemeClr val="bg1"/>
+                </a:solidFill>
+              </a:rPr>
+              <a:t>PromotionView;</a:t>
+            </a:r>
+          </a:p>
+          <a:p>
+            <a:pPr marL="285750" indent="-285750">
+              <a:buFont typeface="Arial" panose="020B0604020202020204" pitchFamily="34" charset="0"/>
+              <a:buChar char="•"/>
+            </a:pPr>
+            <a:r>
+              <a:rPr lang="it-IT" dirty="0">
+                <a:solidFill>
+                  <a:schemeClr val="bg1"/>
+                </a:solidFill>
+              </a:rPr>
+              <a:t>UserView.</a:t>
+            </a:r>
+          </a:p>
+        </p:txBody>
+      </p:sp>
+      <p:sp>
+        <p:nvSpPr>
+          <p:cNvPr id="6" name="CasellaDiTesto 5">
+            <a:extLst>
+              <a:ext uri="{FF2B5EF4-FFF2-40B4-BE49-F238E27FC236}">
+                <a16:creationId xmlns:a16="http://schemas.microsoft.com/office/drawing/2014/main" id="{955C4468-E3EA-4621-B004-432C00BA0E92}"/>
+              </a:ext>
+            </a:extLst>
+          </p:cNvPr>
+          <p:cNvSpPr txBox="1"/>
+          <p:nvPr/>
+        </p:nvSpPr>
+        <p:spPr>
+          <a:xfrm>
+            <a:off x="7611291" y="1537063"/>
+            <a:ext cx="2625634" cy="2623795"/>
+          </a:xfrm>
+          <a:prstGeom prst="rect">
+            <a:avLst/>
+          </a:prstGeom>
+          <a:noFill/>
+        </p:spPr>
+        <p:txBody>
+          <a:bodyPr wrap="square" rtlCol="0">
+            <a:spAutoFit/>
+          </a:bodyPr>
+          <a:lstStyle/>
+          <a:p>
+            <a:r>
+              <a:rPr lang="it-IT" sz="2800" dirty="0">
+                <a:solidFill>
+                  <a:schemeClr val="bg1"/>
+                </a:solidFill>
+              </a:rPr>
+              <a:t>	JS:</a:t>
+            </a:r>
+          </a:p>
+          <a:p>
+            <a:endParaRPr lang="it-IT" sz="1050" dirty="0">
+              <a:solidFill>
+                <a:schemeClr val="bg1"/>
+              </a:solidFill>
+            </a:endParaRPr>
+          </a:p>
+          <a:p>
+            <a:pPr marL="285750" indent="-285750">
+              <a:buFont typeface="Arial" panose="020B0604020202020204" pitchFamily="34" charset="0"/>
+              <a:buChar char="•"/>
+            </a:pPr>
+            <a:r>
+              <a:rPr lang="it-IT" dirty="0">
+                <a:solidFill>
+                  <a:schemeClr val="bg1"/>
+                </a:solidFill>
+              </a:rPr>
+              <a:t>access-</a:t>
+            </a:r>
+            <a:r>
+              <a:rPr lang="it-IT" dirty="0" err="1">
+                <a:solidFill>
+                  <a:schemeClr val="bg1"/>
+                </a:solidFill>
+              </a:rPr>
+              <a:t>validation</a:t>
+            </a:r>
+            <a:r>
+              <a:rPr lang="it-IT" dirty="0">
+                <a:solidFill>
+                  <a:schemeClr val="bg1"/>
+                </a:solidFill>
+              </a:rPr>
+              <a:t>;</a:t>
+            </a:r>
+          </a:p>
+          <a:p>
+            <a:pPr marL="285750" indent="-285750">
+              <a:buFont typeface="Arial" panose="020B0604020202020204" pitchFamily="34" charset="0"/>
+              <a:buChar char="•"/>
+            </a:pPr>
+            <a:r>
+              <a:rPr lang="it-IT" dirty="0">
+                <a:solidFill>
+                  <a:schemeClr val="bg1"/>
+                </a:solidFill>
+              </a:rPr>
+              <a:t>article-page;</a:t>
+            </a:r>
+          </a:p>
+          <a:p>
+            <a:pPr marL="285750" indent="-285750">
+              <a:buFont typeface="Arial" panose="020B0604020202020204" pitchFamily="34" charset="0"/>
+              <a:buChar char="•"/>
+            </a:pPr>
+            <a:r>
+              <a:rPr lang="it-IT" dirty="0">
+                <a:solidFill>
+                  <a:schemeClr val="bg1"/>
+                </a:solidFill>
+              </a:rPr>
+              <a:t>article;</a:t>
+            </a:r>
+          </a:p>
+          <a:p>
+            <a:pPr marL="285750" indent="-285750">
+              <a:buFont typeface="Arial" panose="020B0604020202020204" pitchFamily="34" charset="0"/>
+              <a:buChar char="•"/>
+            </a:pPr>
+            <a:r>
+              <a:rPr lang="it-IT" dirty="0">
+                <a:solidFill>
+                  <a:schemeClr val="bg1"/>
+                </a:solidFill>
+              </a:rPr>
+              <a:t>bootstrap;</a:t>
+            </a:r>
+          </a:p>
+          <a:p>
+            <a:pPr marL="285750" indent="-285750">
+              <a:buFont typeface="Arial" panose="020B0604020202020204" pitchFamily="34" charset="0"/>
+              <a:buChar char="•"/>
+            </a:pPr>
+            <a:r>
+              <a:rPr lang="it-IT" dirty="0">
+                <a:solidFill>
+                  <a:schemeClr val="bg1"/>
+                </a:solidFill>
+              </a:rPr>
+              <a:t>promotion;</a:t>
+            </a:r>
+          </a:p>
+          <a:p>
+            <a:pPr marL="285750" indent="-285750">
+              <a:buFont typeface="Arial" panose="020B0604020202020204" pitchFamily="34" charset="0"/>
+              <a:buChar char="•"/>
+            </a:pPr>
+            <a:r>
+              <a:rPr lang="it-IT" dirty="0">
+                <a:solidFill>
+                  <a:schemeClr val="bg1"/>
+                </a:solidFill>
+              </a:rPr>
+              <a:t>user;</a:t>
+            </a:r>
+          </a:p>
+          <a:p>
+            <a:pPr marL="285750" indent="-285750">
+              <a:buFont typeface="Arial" panose="020B0604020202020204" pitchFamily="34" charset="0"/>
+              <a:buChar char="•"/>
+            </a:pPr>
+            <a:r>
+              <a:rPr lang="it-IT" dirty="0" err="1">
+                <a:solidFill>
+                  <a:schemeClr val="bg1"/>
+                </a:solidFill>
+              </a:rPr>
+              <a:t>util</a:t>
+            </a:r>
+            <a:r>
+              <a:rPr lang="it-IT" dirty="0">
+                <a:solidFill>
+                  <a:schemeClr val="bg1"/>
+                </a:solidFill>
+              </a:rPr>
+              <a:t>.</a:t>
+            </a:r>
+          </a:p>
+        </p:txBody>
+      </p:sp>
+    </p:spTree>
+    <p:extLst>
+      <p:ext uri="{BB962C8B-B14F-4D97-AF65-F5344CB8AC3E}">
+        <p14:creationId xmlns:p14="http://schemas.microsoft.com/office/powerpoint/2010/main" val="2082542765"/>
+      </p:ext>
+    </p:extLst>
+  </p:cSld>
+  <p:clrMapOvr>
+    <a:masterClrMapping/>
+  </p:clrMapOvr>
+</p:sld>
+</file>
+
+<file path=ppt/slides/slide18.xml><?xml version="1.0" encoding="utf-8"?>
+<p:sld xmlns:a="http://schemas.openxmlformats.org/drawingml/2006/main" xmlns:r="http://schemas.openxmlformats.org/officeDocument/2006/relationships" xmlns:p="http://schemas.openxmlformats.org/presentationml/2006/main">
+  <p:cSld>
+    <p:bg>
+      <p:bgPr>
+        <a:solidFill>
+          <a:schemeClr val="tx1"/>
+        </a:solidFill>
+        <a:effectLst/>
+      </p:bgPr>
+    </p:bg>
+    <p:spTree>
+      <p:nvGrpSpPr>
+        <p:cNvPr id="1" name=""/>
+        <p:cNvGrpSpPr/>
+        <p:nvPr/>
+      </p:nvGrpSpPr>
+      <p:grpSpPr>
+        <a:xfrm>
+          <a:off x="0" y="0"/>
+          <a:ext cx="0" cy="0"/>
+          <a:chOff x="0" y="0"/>
+          <a:chExt cx="0" cy="0"/>
+        </a:xfrm>
+      </p:grpSpPr>
+      <p:sp>
+        <p:nvSpPr>
+          <p:cNvPr id="2" name="Titolo 1">
+            <a:extLst>
+              <a:ext uri="{FF2B5EF4-FFF2-40B4-BE49-F238E27FC236}">
+                <a16:creationId xmlns:a16="http://schemas.microsoft.com/office/drawing/2014/main" id="{5374032D-0AD2-49C4-BD1A-734E57568EC3}"/>
+              </a:ext>
+            </a:extLst>
+          </p:cNvPr>
+          <p:cNvSpPr>
+            <a:spLocks noGrp="1"/>
+          </p:cNvSpPr>
+          <p:nvPr>
+            <p:ph type="title"/>
+          </p:nvPr>
+        </p:nvSpPr>
+        <p:spPr>
+          <a:xfrm>
+            <a:off x="1086394" y="2272302"/>
+            <a:ext cx="10515600" cy="1325563"/>
+          </a:xfrm>
+        </p:spPr>
+        <p:txBody>
+          <a:bodyPr>
+            <a:normAutofit/>
+          </a:bodyPr>
+          <a:lstStyle/>
+          <a:p>
+            <a:r>
+              <a:rPr lang="it-IT" sz="6000" dirty="0">
+                <a:solidFill>
+                  <a:schemeClr val="bg1"/>
+                </a:solidFill>
+              </a:rPr>
+              <a:t>MODELLO RELAZIONALE DEL DB</a:t>
+            </a:r>
+          </a:p>
+        </p:txBody>
+      </p:sp>
+    </p:spTree>
+    <p:extLst>
+      <p:ext uri="{BB962C8B-B14F-4D97-AF65-F5344CB8AC3E}">
+        <p14:creationId xmlns:p14="http://schemas.microsoft.com/office/powerpoint/2010/main" val="3547225006"/>
+      </p:ext>
+    </p:extLst>
+  </p:cSld>
+  <p:clrMapOvr>
+    <a:masterClrMapping/>
+  </p:clrMapOvr>
+</p:sld>
+</file>
+
+<file path=ppt/slides/slide19.xml><?xml version="1.0" encoding="utf-8"?>
+<p:sld xmlns:a="http://schemas.openxmlformats.org/drawingml/2006/main" xmlns:r="http://schemas.openxmlformats.org/officeDocument/2006/relationships" xmlns:p="http://schemas.openxmlformats.org/presentationml/2006/main">
+  <p:cSld>
+    <p:spTree>
+      <p:nvGrpSpPr>
+        <p:cNvPr id="1" name=""/>
+        <p:cNvGrpSpPr/>
+        <p:nvPr/>
+      </p:nvGrpSpPr>
+      <p:grpSpPr>
+        <a:xfrm>
+          <a:off x="0" y="0"/>
+          <a:ext cx="0" cy="0"/>
+          <a:chOff x="0" y="0"/>
+          <a:chExt cx="0" cy="0"/>
+        </a:xfrm>
+      </p:grpSpPr>
+      <p:pic>
+        <p:nvPicPr>
+          <p:cNvPr id="5" name="Immagine 4">
+            <a:extLst>
+              <a:ext uri="{FF2B5EF4-FFF2-40B4-BE49-F238E27FC236}">
+                <a16:creationId xmlns:a16="http://schemas.microsoft.com/office/drawing/2014/main" id="{0DB46387-598A-4622-9D89-9374E765361F}"/>
+              </a:ext>
+            </a:extLst>
+          </p:cNvPr>
+          <p:cNvPicPr>
+            <a:picLocks noChangeAspect="1"/>
+          </p:cNvPicPr>
+          <p:nvPr/>
+        </p:nvPicPr>
+        <p:blipFill>
+          <a:blip r:embed="rId2">
+            <a:extLst>
+              <a:ext uri="{28A0092B-C50C-407E-A947-70E740481C1C}">
+                <a14:useLocalDpi xmlns:a14="http://schemas.microsoft.com/office/drawing/2010/main" val="0"/>
+              </a:ext>
+            </a:extLst>
+          </a:blip>
+          <a:stretch>
+            <a:fillRect/>
+          </a:stretch>
+        </p:blipFill>
+        <p:spPr>
+          <a:xfrm>
+            <a:off x="179294" y="179293"/>
+            <a:ext cx="11887200" cy="6311153"/>
+          </a:xfrm>
+          <a:prstGeom prst="rect">
+            <a:avLst/>
+          </a:prstGeom>
+        </p:spPr>
+      </p:pic>
+    </p:spTree>
+    <p:extLst>
+      <p:ext uri="{BB962C8B-B14F-4D97-AF65-F5344CB8AC3E}">
+        <p14:creationId xmlns:p14="http://schemas.microsoft.com/office/powerpoint/2010/main" val="3975899420"/>
       </p:ext>
     </p:extLst>
   </p:cSld>
@@ -4233,6 +5497,277 @@
     <p:extLst>
       <p:ext uri="{BB962C8B-B14F-4D97-AF65-F5344CB8AC3E}">
         <p14:creationId xmlns:p14="http://schemas.microsoft.com/office/powerpoint/2010/main" val="725266362"/>
+      </p:ext>
+    </p:extLst>
+  </p:cSld>
+  <p:clrMapOvr>
+    <a:masterClrMapping/>
+  </p:clrMapOvr>
+</p:sld>
+</file>
+
+<file path=ppt/slides/slide20.xml><?xml version="1.0" encoding="utf-8"?>
+<p:sld xmlns:a="http://schemas.openxmlformats.org/drawingml/2006/main" xmlns:r="http://schemas.openxmlformats.org/officeDocument/2006/relationships" xmlns:p="http://schemas.openxmlformats.org/presentationml/2006/main">
+  <p:cSld>
+    <p:bg>
+      <p:bgPr>
+        <a:solidFill>
+          <a:schemeClr val="tx1"/>
+        </a:solidFill>
+        <a:effectLst/>
+      </p:bgPr>
+    </p:bg>
+    <p:spTree>
+      <p:nvGrpSpPr>
+        <p:cNvPr id="1" name=""/>
+        <p:cNvGrpSpPr/>
+        <p:nvPr/>
+      </p:nvGrpSpPr>
+      <p:grpSpPr>
+        <a:xfrm>
+          <a:off x="0" y="0"/>
+          <a:ext cx="0" cy="0"/>
+          <a:chOff x="0" y="0"/>
+          <a:chExt cx="0" cy="0"/>
+        </a:xfrm>
+      </p:grpSpPr>
+      <p:sp>
+        <p:nvSpPr>
+          <p:cNvPr id="2" name="Titolo 1">
+            <a:extLst>
+              <a:ext uri="{FF2B5EF4-FFF2-40B4-BE49-F238E27FC236}">
+                <a16:creationId xmlns:a16="http://schemas.microsoft.com/office/drawing/2014/main" id="{B0BD84F7-B60C-4730-8D61-886CBE08F08C}"/>
+              </a:ext>
+            </a:extLst>
+          </p:cNvPr>
+          <p:cNvSpPr>
+            <a:spLocks noGrp="1"/>
+          </p:cNvSpPr>
+          <p:nvPr>
+            <p:ph type="title"/>
+          </p:nvPr>
+        </p:nvSpPr>
+        <p:spPr>
+          <a:xfrm>
+            <a:off x="932872" y="2212398"/>
+            <a:ext cx="11896437" cy="1325563"/>
+          </a:xfrm>
+        </p:spPr>
+        <p:txBody>
+          <a:bodyPr>
+            <a:noAutofit/>
+          </a:bodyPr>
+          <a:lstStyle/>
+          <a:p>
+            <a:r>
+              <a:rPr lang="it-IT" sz="6000" dirty="0">
+                <a:solidFill>
+                  <a:schemeClr val="bg1"/>
+                </a:solidFill>
+              </a:rPr>
+              <a:t>SUDDIVISIONE LAVORO MEMBRI 					TEAM</a:t>
+            </a:r>
+          </a:p>
+        </p:txBody>
+      </p:sp>
+    </p:spTree>
+    <p:extLst>
+      <p:ext uri="{BB962C8B-B14F-4D97-AF65-F5344CB8AC3E}">
+        <p14:creationId xmlns:p14="http://schemas.microsoft.com/office/powerpoint/2010/main" val="1951132057"/>
+      </p:ext>
+    </p:extLst>
+  </p:cSld>
+  <p:clrMapOvr>
+    <a:masterClrMapping/>
+  </p:clrMapOvr>
+</p:sld>
+</file>
+
+<file path=ppt/slides/slide21.xml><?xml version="1.0" encoding="utf-8"?>
+<p:sld xmlns:a="http://schemas.openxmlformats.org/drawingml/2006/main" xmlns:r="http://schemas.openxmlformats.org/officeDocument/2006/relationships" xmlns:p="http://schemas.openxmlformats.org/presentationml/2006/main">
+  <p:cSld>
+    <p:bg>
+      <p:bgPr>
+        <a:solidFill>
+          <a:schemeClr val="tx1"/>
+        </a:solidFill>
+        <a:effectLst/>
+      </p:bgPr>
+    </p:bg>
+    <p:spTree>
+      <p:nvGrpSpPr>
+        <p:cNvPr id="1" name=""/>
+        <p:cNvGrpSpPr/>
+        <p:nvPr/>
+      </p:nvGrpSpPr>
+      <p:grpSpPr>
+        <a:xfrm>
+          <a:off x="0" y="0"/>
+          <a:ext cx="0" cy="0"/>
+          <a:chOff x="0" y="0"/>
+          <a:chExt cx="0" cy="0"/>
+        </a:xfrm>
+      </p:grpSpPr>
+      <p:sp>
+        <p:nvSpPr>
+          <p:cNvPr id="4" name="CasellaDiTesto 3">
+            <a:extLst>
+              <a:ext uri="{FF2B5EF4-FFF2-40B4-BE49-F238E27FC236}">
+                <a16:creationId xmlns:a16="http://schemas.microsoft.com/office/drawing/2014/main" id="{00C293AC-090C-4C84-93E8-660C24220D53}"/>
+              </a:ext>
+            </a:extLst>
+          </p:cNvPr>
+          <p:cNvSpPr txBox="1"/>
+          <p:nvPr/>
+        </p:nvSpPr>
+        <p:spPr>
+          <a:xfrm>
+            <a:off x="979055" y="674255"/>
+            <a:ext cx="3380509" cy="461665"/>
+          </a:xfrm>
+          <a:prstGeom prst="rect">
+            <a:avLst/>
+          </a:prstGeom>
+          <a:noFill/>
+        </p:spPr>
+        <p:txBody>
+          <a:bodyPr wrap="square" rtlCol="0">
+            <a:spAutoFit/>
+          </a:bodyPr>
+          <a:lstStyle/>
+          <a:p>
+            <a:r>
+              <a:rPr lang="it-IT" sz="2400" dirty="0">
+                <a:solidFill>
+                  <a:schemeClr val="bg1"/>
+                </a:solidFill>
+              </a:rPr>
+              <a:t>PALMIERO ALBERTO:</a:t>
+            </a:r>
+          </a:p>
+        </p:txBody>
+      </p:sp>
+      <p:sp>
+        <p:nvSpPr>
+          <p:cNvPr id="5" name="CasellaDiTesto 4">
+            <a:extLst>
+              <a:ext uri="{FF2B5EF4-FFF2-40B4-BE49-F238E27FC236}">
+                <a16:creationId xmlns:a16="http://schemas.microsoft.com/office/drawing/2014/main" id="{F3B1D928-E62B-4B55-8A9A-D6B58F5CA485}"/>
+              </a:ext>
+            </a:extLst>
+          </p:cNvPr>
+          <p:cNvSpPr txBox="1"/>
+          <p:nvPr/>
+        </p:nvSpPr>
+        <p:spPr>
+          <a:xfrm>
+            <a:off x="979055" y="2498437"/>
+            <a:ext cx="3380509" cy="461665"/>
+          </a:xfrm>
+          <a:prstGeom prst="rect">
+            <a:avLst/>
+          </a:prstGeom>
+          <a:noFill/>
+        </p:spPr>
+        <p:txBody>
+          <a:bodyPr wrap="square" rtlCol="0">
+            <a:spAutoFit/>
+          </a:bodyPr>
+          <a:lstStyle/>
+          <a:p>
+            <a:r>
+              <a:rPr lang="it-IT" sz="2400" dirty="0">
+                <a:solidFill>
+                  <a:schemeClr val="bg1"/>
+                </a:solidFill>
+              </a:rPr>
+              <a:t>RECCIA LUCA:</a:t>
+            </a:r>
+          </a:p>
+        </p:txBody>
+      </p:sp>
+      <p:sp>
+        <p:nvSpPr>
+          <p:cNvPr id="6" name="CasellaDiTesto 5">
+            <a:extLst>
+              <a:ext uri="{FF2B5EF4-FFF2-40B4-BE49-F238E27FC236}">
+                <a16:creationId xmlns:a16="http://schemas.microsoft.com/office/drawing/2014/main" id="{4EE8A749-D732-4334-966F-6A63A0BE7A4C}"/>
+              </a:ext>
+            </a:extLst>
+          </p:cNvPr>
+          <p:cNvSpPr txBox="1"/>
+          <p:nvPr/>
+        </p:nvSpPr>
+        <p:spPr>
+          <a:xfrm>
+            <a:off x="979054" y="4401128"/>
+            <a:ext cx="3380509" cy="461665"/>
+          </a:xfrm>
+          <a:prstGeom prst="rect">
+            <a:avLst/>
+          </a:prstGeom>
+          <a:noFill/>
+        </p:spPr>
+        <p:txBody>
+          <a:bodyPr wrap="square" rtlCol="0">
+            <a:spAutoFit/>
+          </a:bodyPr>
+          <a:lstStyle/>
+          <a:p>
+            <a:r>
+              <a:rPr lang="it-IT" sz="2400" dirty="0">
+                <a:solidFill>
+                  <a:schemeClr val="bg1"/>
+                </a:solidFill>
+              </a:rPr>
+              <a:t>VOLPE NICOLA:</a:t>
+            </a:r>
+          </a:p>
+        </p:txBody>
+      </p:sp>
+      <p:sp>
+        <p:nvSpPr>
+          <p:cNvPr id="7" name="CasellaDiTesto 6">
+            <a:extLst>
+              <a:ext uri="{FF2B5EF4-FFF2-40B4-BE49-F238E27FC236}">
+                <a16:creationId xmlns:a16="http://schemas.microsoft.com/office/drawing/2014/main" id="{A49BCDB8-2DEF-4015-912E-C9C6054D29E7}"/>
+              </a:ext>
+            </a:extLst>
+          </p:cNvPr>
+          <p:cNvSpPr txBox="1"/>
+          <p:nvPr/>
+        </p:nvSpPr>
+        <p:spPr>
+          <a:xfrm>
+            <a:off x="6437748" y="1911929"/>
+            <a:ext cx="4692070" cy="1938992"/>
+          </a:xfrm>
+          <a:prstGeom prst="rect">
+            <a:avLst/>
+          </a:prstGeom>
+          <a:noFill/>
+        </p:spPr>
+        <p:txBody>
+          <a:bodyPr wrap="square" rtlCol="0">
+            <a:spAutoFit/>
+          </a:bodyPr>
+          <a:lstStyle/>
+          <a:p>
+            <a:r>
+              <a:rPr lang="it-IT" sz="6000" dirty="0">
+                <a:solidFill>
+                  <a:schemeClr val="bg1"/>
+                </a:solidFill>
+              </a:rPr>
+              <a:t>DA COMPLETARE</a:t>
+            </a:r>
+          </a:p>
+        </p:txBody>
+      </p:sp>
+    </p:spTree>
+    <p:extLst>
+      <p:ext uri="{BB962C8B-B14F-4D97-AF65-F5344CB8AC3E}">
+        <p14:creationId xmlns:p14="http://schemas.microsoft.com/office/powerpoint/2010/main" val="3525432845"/>
       </p:ext>
     </p:extLst>
   </p:cSld>

--- a/Presentazione/Presentazione Progetto.pptx
+++ b/Presentazione/Presentazione Progetto.pptx
@@ -154,8 +154,15 @@
         </p14:section>
       </p14:sectionLst>
     </p:ext>
+    <p:ext uri="{EFAFB233-063F-42B5-8137-9DF3F51BA10A}">
+      <p15:sldGuideLst xmlns:p15="http://schemas.microsoft.com/office/powerpoint/2012/main"/>
+    </p:ext>
   </p:extLst>
 </p:presentation>
+</file>
+
+<file path=ppt/revisionInfo.xml><?xml version="1.0" encoding="utf-8"?>
+<p1510:revInfo xmlns:a="http://schemas.openxmlformats.org/drawingml/2006/main" xmlns:r="http://schemas.openxmlformats.org/officeDocument/2006/relationships" xmlns:p1510="http://schemas.microsoft.com/office/powerpoint/2015/10/main"/>
 </file>
 
 <file path=ppt/slideLayouts/slideLayout1.xml><?xml version="1.0" encoding="utf-8"?>
@@ -5314,10 +5321,10 @@
       </p:grpSpPr>
       <p:pic>
         <p:nvPicPr>
-          <p:cNvPr id="5" name="Immagine 4">
-            <a:extLst>
-              <a:ext uri="{FF2B5EF4-FFF2-40B4-BE49-F238E27FC236}">
-                <a16:creationId xmlns:a16="http://schemas.microsoft.com/office/drawing/2014/main" id="{0DB46387-598A-4622-9D89-9374E765361F}"/>
+          <p:cNvPr id="3" name="Immagine 2">
+            <a:extLst>
+              <a:ext uri="{FF2B5EF4-FFF2-40B4-BE49-F238E27FC236}">
+                <a16:creationId xmlns:a16="http://schemas.microsoft.com/office/drawing/2014/main" id="{28EBF6A9-865C-4379-B696-7DD5CC9F6239}"/>
               </a:ext>
             </a:extLst>
           </p:cNvPr>
@@ -5340,8 +5347,8 @@
         </p:blipFill>
         <p:spPr>
           <a:xfrm>
-            <a:off x="179294" y="179293"/>
-            <a:ext cx="11887200" cy="6311153"/>
+            <a:off x="193964" y="138545"/>
+            <a:ext cx="11998036" cy="6354619"/>
           </a:xfrm>
           <a:prstGeom prst="rect">
             <a:avLst/>

--- a/Presentazione/Presentazione Progetto.pptx
+++ b/Presentazione/Presentazione Progetto.pptx
@@ -312,7 +312,7 @@
           <a:p>
             <a:fld id="{9EB7ADAF-48A9-4576-BE55-6237458E02EA}" type="datetimeFigureOut">
               <a:rPr lang="it-IT" smtClean="0"/>
-              <a:t>05/07/2017</a:t>
+              <a:t>2017-07-05</a:t>
             </a:fld>
             <a:endParaRPr lang="it-IT"/>
           </a:p>
@@ -510,7 +510,7 @@
           <a:p>
             <a:fld id="{9EB7ADAF-48A9-4576-BE55-6237458E02EA}" type="datetimeFigureOut">
               <a:rPr lang="it-IT" smtClean="0"/>
-              <a:t>05/07/2017</a:t>
+              <a:t>2017-07-05</a:t>
             </a:fld>
             <a:endParaRPr lang="it-IT"/>
           </a:p>
@@ -718,7 +718,7 @@
           <a:p>
             <a:fld id="{9EB7ADAF-48A9-4576-BE55-6237458E02EA}" type="datetimeFigureOut">
               <a:rPr lang="it-IT" smtClean="0"/>
-              <a:t>05/07/2017</a:t>
+              <a:t>2017-07-05</a:t>
             </a:fld>
             <a:endParaRPr lang="it-IT"/>
           </a:p>
@@ -916,7 +916,7 @@
           <a:p>
             <a:fld id="{9EB7ADAF-48A9-4576-BE55-6237458E02EA}" type="datetimeFigureOut">
               <a:rPr lang="it-IT" smtClean="0"/>
-              <a:t>05/07/2017</a:t>
+              <a:t>2017-07-05</a:t>
             </a:fld>
             <a:endParaRPr lang="it-IT"/>
           </a:p>
@@ -1191,7 +1191,7 @@
           <a:p>
             <a:fld id="{9EB7ADAF-48A9-4576-BE55-6237458E02EA}" type="datetimeFigureOut">
               <a:rPr lang="it-IT" smtClean="0"/>
-              <a:t>05/07/2017</a:t>
+              <a:t>2017-07-05</a:t>
             </a:fld>
             <a:endParaRPr lang="it-IT"/>
           </a:p>
@@ -1456,7 +1456,7 @@
           <a:p>
             <a:fld id="{9EB7ADAF-48A9-4576-BE55-6237458E02EA}" type="datetimeFigureOut">
               <a:rPr lang="it-IT" smtClean="0"/>
-              <a:t>05/07/2017</a:t>
+              <a:t>2017-07-05</a:t>
             </a:fld>
             <a:endParaRPr lang="it-IT"/>
           </a:p>
@@ -1868,7 +1868,7 @@
           <a:p>
             <a:fld id="{9EB7ADAF-48A9-4576-BE55-6237458E02EA}" type="datetimeFigureOut">
               <a:rPr lang="it-IT" smtClean="0"/>
-              <a:t>05/07/2017</a:t>
+              <a:t>2017-07-05</a:t>
             </a:fld>
             <a:endParaRPr lang="it-IT"/>
           </a:p>
@@ -2009,7 +2009,7 @@
           <a:p>
             <a:fld id="{9EB7ADAF-48A9-4576-BE55-6237458E02EA}" type="datetimeFigureOut">
               <a:rPr lang="it-IT" smtClean="0"/>
-              <a:t>05/07/2017</a:t>
+              <a:t>2017-07-05</a:t>
             </a:fld>
             <a:endParaRPr lang="it-IT"/>
           </a:p>
@@ -2122,7 +2122,7 @@
           <a:p>
             <a:fld id="{9EB7ADAF-48A9-4576-BE55-6237458E02EA}" type="datetimeFigureOut">
               <a:rPr lang="it-IT" smtClean="0"/>
-              <a:t>05/07/2017</a:t>
+              <a:t>2017-07-05</a:t>
             </a:fld>
             <a:endParaRPr lang="it-IT"/>
           </a:p>
@@ -2433,7 +2433,7 @@
           <a:p>
             <a:fld id="{9EB7ADAF-48A9-4576-BE55-6237458E02EA}" type="datetimeFigureOut">
               <a:rPr lang="it-IT" smtClean="0"/>
-              <a:t>05/07/2017</a:t>
+              <a:t>2017-07-05</a:t>
             </a:fld>
             <a:endParaRPr lang="it-IT"/>
           </a:p>
@@ -2721,7 +2721,7 @@
           <a:p>
             <a:fld id="{9EB7ADAF-48A9-4576-BE55-6237458E02EA}" type="datetimeFigureOut">
               <a:rPr lang="it-IT" smtClean="0"/>
-              <a:t>05/07/2017</a:t>
+              <a:t>2017-07-05</a:t>
             </a:fld>
             <a:endParaRPr lang="it-IT"/>
           </a:p>
@@ -2962,7 +2962,7 @@
           <a:p>
             <a:fld id="{9EB7ADAF-48A9-4576-BE55-6237458E02EA}" type="datetimeFigureOut">
               <a:rPr lang="it-IT" smtClean="0"/>
-              <a:t>05/07/2017</a:t>
+              <a:t>2017-07-05</a:t>
             </a:fld>
             <a:endParaRPr lang="it-IT"/>
           </a:p>
@@ -4524,7 +4524,7 @@
         </p:nvSpPr>
         <p:spPr>
           <a:xfrm>
-            <a:off x="9138194" y="424873"/>
+            <a:off x="8735523" y="421907"/>
             <a:ext cx="3580674" cy="2616101"/>
           </a:xfrm>
           <a:prstGeom prst="rect">
@@ -4642,10 +4642,10 @@
       </p:sp>
       <p:sp>
         <p:nvSpPr>
-          <p:cNvPr id="6" name="CasellaDiTesto 5">
-            <a:extLst>
-              <a:ext uri="{FF2B5EF4-FFF2-40B4-BE49-F238E27FC236}">
-                <a16:creationId xmlns:a16="http://schemas.microsoft.com/office/drawing/2014/main" id="{0605F48C-9163-441E-AD79-C4DCEC397A34}"/>
+          <p:cNvPr id="7" name="CasellaDiTesto 6">
+            <a:extLst>
+              <a:ext uri="{FF2B5EF4-FFF2-40B4-BE49-F238E27FC236}">
+                <a16:creationId xmlns:a16="http://schemas.microsoft.com/office/drawing/2014/main" id="{17EE13B9-751D-4821-B030-7CF1DDBA6C57}"/>
               </a:ext>
             </a:extLst>
           </p:cNvPr>
@@ -4654,8 +4654,8 @@
         </p:nvSpPr>
         <p:spPr>
           <a:xfrm>
-            <a:off x="5230949" y="2733197"/>
-            <a:ext cx="3580674" cy="4001095"/>
+            <a:off x="4820193" y="3621500"/>
+            <a:ext cx="2625634" cy="2900794"/>
           </a:xfrm>
           <a:prstGeom prst="rect">
             <a:avLst/>
@@ -4669,24 +4669,16 @@
           <a:lstStyle/>
           <a:p>
             <a:r>
-              <a:rPr lang="it-IT" dirty="0">
-                <a:solidFill>
-                  <a:schemeClr val="bg1"/>
-                </a:solidFill>
-              </a:rPr>
-              <a:t>	</a:t>
-            </a:r>
-            <a:r>
               <a:rPr lang="it-IT" sz="2800" dirty="0">
                 <a:solidFill>
                   <a:schemeClr val="bg1"/>
                 </a:solidFill>
               </a:rPr>
-              <a:t>Support:</a:t>
-            </a:r>
-          </a:p>
-          <a:p>
-            <a:endParaRPr lang="it-IT" sz="2800" dirty="0">
+              <a:t>	JSP:</a:t>
+            </a:r>
+          </a:p>
+          <a:p>
+            <a:endParaRPr lang="it-IT" sz="1050" dirty="0">
               <a:solidFill>
                 <a:schemeClr val="bg1"/>
               </a:solidFill>
@@ -4703,7 +4695,7 @@
                   <a:schemeClr val="bg1"/>
                 </a:solidFill>
               </a:rPr>
-              <a:t>AdminBean;</a:t>
+              <a:t>AccessView;</a:t>
             </a:r>
           </a:p>
           <a:p>
@@ -4717,7 +4709,7 @@
                   <a:schemeClr val="bg1"/>
                 </a:solidFill>
               </a:rPr>
-              <a:t>ArticleBean;</a:t>
+              <a:t>ArticlePageView;</a:t>
             </a:r>
           </a:p>
           <a:p>
@@ -4731,7 +4723,7 @@
                   <a:schemeClr val="bg1"/>
                 </a:solidFill>
               </a:rPr>
-              <a:t>Cart;</a:t>
+              <a:t>ArticleView;</a:t>
             </a:r>
           </a:p>
           <a:p>
@@ -4745,7 +4737,7 @@
                   <a:schemeClr val="bg1"/>
                 </a:solidFill>
               </a:rPr>
-              <a:t>CartArticle;</a:t>
+              <a:t>CheckoutView;</a:t>
             </a:r>
           </a:p>
           <a:p>
@@ -4759,7 +4751,7 @@
                   <a:schemeClr val="bg1"/>
                 </a:solidFill>
               </a:rPr>
-              <a:t>ContactLensesBean;</a:t>
+              <a:t>Header;</a:t>
             </a:r>
           </a:p>
           <a:p>
@@ -4773,7 +4765,7 @@
                   <a:schemeClr val="bg1"/>
                 </a:solidFill>
               </a:rPr>
-              <a:t>CreditCardBean;</a:t>
+              <a:t>OrderView;</a:t>
             </a:r>
           </a:p>
           <a:p>
@@ -4787,7 +4779,7 @@
                   <a:schemeClr val="bg1"/>
                 </a:solidFill>
               </a:rPr>
-              <a:t>GlassesBean;</a:t>
+              <a:t>PromotionView;</a:t>
             </a:r>
           </a:p>
           <a:p>
@@ -4801,49 +4793,7 @@
                   <a:schemeClr val="bg1"/>
                 </a:solidFill>
               </a:rPr>
-              <a:t>OrderBean;</a:t>
-            </a:r>
-          </a:p>
-          <a:p>
-            <a:pPr marL="285750" indent="-285750">
-              <a:buFont typeface="Arial" panose="020B0604020202020204" pitchFamily="34" charset="0"/>
-              <a:buChar char="•"/>
-            </a:pPr>
-            <a:r>
-              <a:rPr lang="it-IT" dirty="0">
-                <a:solidFill>
-                  <a:schemeClr val="bg1"/>
-                </a:solidFill>
-              </a:rPr>
-              <a:t>PrescriptionBean;</a:t>
-            </a:r>
-          </a:p>
-          <a:p>
-            <a:pPr marL="285750" indent="-285750">
-              <a:buFont typeface="Arial" panose="020B0604020202020204" pitchFamily="34" charset="0"/>
-              <a:buChar char="•"/>
-            </a:pPr>
-            <a:r>
-              <a:rPr lang="it-IT" dirty="0">
-                <a:solidFill>
-                  <a:schemeClr val="bg1"/>
-                </a:solidFill>
-              </a:rPr>
-              <a:t>PromotionBean;</a:t>
-            </a:r>
-          </a:p>
-          <a:p>
-            <a:pPr marL="285750" indent="-285750">
-              <a:buFont typeface="Arial" panose="020B0604020202020204" pitchFamily="34" charset="0"/>
-              <a:buChar char="•"/>
-            </a:pPr>
-            <a:r>
-              <a:rPr lang="it-IT" dirty="0">
-                <a:solidFill>
-                  <a:schemeClr val="bg1"/>
-                </a:solidFill>
-              </a:rPr>
-              <a:t>UserBean.</a:t>
+              <a:t>UserView.</a:t>
             </a:r>
           </a:p>
         </p:txBody>
@@ -4888,164 +4838,6 @@
       </p:grpSpPr>
       <p:sp>
         <p:nvSpPr>
-          <p:cNvPr id="4" name="CasellaDiTesto 3">
-            <a:extLst>
-              <a:ext uri="{FF2B5EF4-FFF2-40B4-BE49-F238E27FC236}">
-                <a16:creationId xmlns:a16="http://schemas.microsoft.com/office/drawing/2014/main" id="{9DFF5DD3-C1A9-415E-8E05-4F311636ABED}"/>
-              </a:ext>
-            </a:extLst>
-          </p:cNvPr>
-          <p:cNvSpPr txBox="1"/>
-          <p:nvPr/>
-        </p:nvSpPr>
-        <p:spPr>
-          <a:xfrm>
-            <a:off x="2076994" y="1537063"/>
-            <a:ext cx="2625634" cy="2900794"/>
-          </a:xfrm>
-          <a:prstGeom prst="rect">
-            <a:avLst/>
-          </a:prstGeom>
-          <a:noFill/>
-        </p:spPr>
-        <p:txBody>
-          <a:bodyPr wrap="square" rtlCol="0">
-            <a:spAutoFit/>
-          </a:bodyPr>
-          <a:lstStyle/>
-          <a:p>
-            <a:r>
-              <a:rPr lang="it-IT" sz="2800" dirty="0">
-                <a:solidFill>
-                  <a:schemeClr val="bg1"/>
-                </a:solidFill>
-              </a:rPr>
-              <a:t>	JSP:</a:t>
-            </a:r>
-          </a:p>
-          <a:p>
-            <a:endParaRPr lang="it-IT" sz="1050" dirty="0">
-              <a:solidFill>
-                <a:schemeClr val="bg1"/>
-              </a:solidFill>
-            </a:endParaRPr>
-          </a:p>
-          <a:p>
-            <a:pPr marL="285750" indent="-285750">
-              <a:buFont typeface="Arial" panose="020B0604020202020204" pitchFamily="34" charset="0"/>
-              <a:buChar char="•"/>
-            </a:pPr>
-            <a:r>
-              <a:rPr lang="it-IT" dirty="0">
-                <a:solidFill>
-                  <a:schemeClr val="bg1"/>
-                </a:solidFill>
-              </a:rPr>
-              <a:t>AccessView;</a:t>
-            </a:r>
-          </a:p>
-          <a:p>
-            <a:pPr marL="285750" indent="-285750">
-              <a:buFont typeface="Arial" panose="020B0604020202020204" pitchFamily="34" charset="0"/>
-              <a:buChar char="•"/>
-            </a:pPr>
-            <a:r>
-              <a:rPr lang="it-IT" dirty="0">
-                <a:solidFill>
-                  <a:schemeClr val="bg1"/>
-                </a:solidFill>
-              </a:rPr>
-              <a:t>ArticlePageView;</a:t>
-            </a:r>
-          </a:p>
-          <a:p>
-            <a:pPr marL="285750" indent="-285750">
-              <a:buFont typeface="Arial" panose="020B0604020202020204" pitchFamily="34" charset="0"/>
-              <a:buChar char="•"/>
-            </a:pPr>
-            <a:r>
-              <a:rPr lang="it-IT" dirty="0">
-                <a:solidFill>
-                  <a:schemeClr val="bg1"/>
-                </a:solidFill>
-              </a:rPr>
-              <a:t>ArticleView;</a:t>
-            </a:r>
-          </a:p>
-          <a:p>
-            <a:pPr marL="285750" indent="-285750">
-              <a:buFont typeface="Arial" panose="020B0604020202020204" pitchFamily="34" charset="0"/>
-              <a:buChar char="•"/>
-            </a:pPr>
-            <a:r>
-              <a:rPr lang="it-IT" dirty="0">
-                <a:solidFill>
-                  <a:schemeClr val="bg1"/>
-                </a:solidFill>
-              </a:rPr>
-              <a:t>CheckoutView;</a:t>
-            </a:r>
-          </a:p>
-          <a:p>
-            <a:pPr marL="285750" indent="-285750">
-              <a:buFont typeface="Arial" panose="020B0604020202020204" pitchFamily="34" charset="0"/>
-              <a:buChar char="•"/>
-            </a:pPr>
-            <a:r>
-              <a:rPr lang="it-IT" dirty="0">
-                <a:solidFill>
-                  <a:schemeClr val="bg1"/>
-                </a:solidFill>
-              </a:rPr>
-              <a:t>Header;</a:t>
-            </a:r>
-          </a:p>
-          <a:p>
-            <a:pPr marL="285750" indent="-285750">
-              <a:buFont typeface="Arial" panose="020B0604020202020204" pitchFamily="34" charset="0"/>
-              <a:buChar char="•"/>
-            </a:pPr>
-            <a:r>
-              <a:rPr lang="it-IT" dirty="0">
-                <a:solidFill>
-                  <a:schemeClr val="bg1"/>
-                </a:solidFill>
-              </a:rPr>
-              <a:t>OrderView;</a:t>
-            </a:r>
-          </a:p>
-          <a:p>
-            <a:pPr marL="285750" indent="-285750">
-              <a:buFont typeface="Arial" panose="020B0604020202020204" pitchFamily="34" charset="0"/>
-              <a:buChar char="•"/>
-            </a:pPr>
-            <a:r>
-              <a:rPr lang="it-IT" dirty="0">
-                <a:solidFill>
-                  <a:schemeClr val="bg1"/>
-                </a:solidFill>
-              </a:rPr>
-              <a:t>PromotionView;</a:t>
-            </a:r>
-          </a:p>
-          <a:p>
-            <a:pPr marL="285750" indent="-285750">
-              <a:buFont typeface="Arial" panose="020B0604020202020204" pitchFamily="34" charset="0"/>
-              <a:buChar char="•"/>
-            </a:pPr>
-            <a:r>
-              <a:rPr lang="it-IT" dirty="0">
-                <a:solidFill>
-                  <a:schemeClr val="bg1"/>
-                </a:solidFill>
-              </a:rPr>
-              <a:t>UserView.</a:t>
-            </a:r>
-          </a:p>
-        </p:txBody>
-      </p:sp>
-      <p:sp>
-        <p:nvSpPr>
           <p:cNvPr id="6" name="CasellaDiTesto 5">
             <a:extLst>
               <a:ext uri="{FF2B5EF4-FFF2-40B4-BE49-F238E27FC236}">
@@ -5208,6 +5000,214 @@
                 </a:solidFill>
               </a:rPr>
               <a:t>.</a:t>
+            </a:r>
+          </a:p>
+        </p:txBody>
+      </p:sp>
+      <p:sp>
+        <p:nvSpPr>
+          <p:cNvPr id="7" name="CasellaDiTesto 6">
+            <a:extLst>
+              <a:ext uri="{FF2B5EF4-FFF2-40B4-BE49-F238E27FC236}">
+                <a16:creationId xmlns:a16="http://schemas.microsoft.com/office/drawing/2014/main" id="{33E2E6EF-F9AA-47A8-BE70-9ED9F4D1D847}"/>
+              </a:ext>
+            </a:extLst>
+          </p:cNvPr>
+          <p:cNvSpPr txBox="1"/>
+          <p:nvPr/>
+        </p:nvSpPr>
+        <p:spPr>
+          <a:xfrm>
+            <a:off x="2244468" y="1537063"/>
+            <a:ext cx="3580674" cy="4001095"/>
+          </a:xfrm>
+          <a:prstGeom prst="rect">
+            <a:avLst/>
+          </a:prstGeom>
+          <a:noFill/>
+        </p:spPr>
+        <p:txBody>
+          <a:bodyPr wrap="square" rtlCol="0">
+            <a:spAutoFit/>
+          </a:bodyPr>
+          <a:lstStyle/>
+          <a:p>
+            <a:r>
+              <a:rPr lang="it-IT" dirty="0">
+                <a:solidFill>
+                  <a:schemeClr val="bg1"/>
+                </a:solidFill>
+              </a:rPr>
+              <a:t>	</a:t>
+            </a:r>
+            <a:r>
+              <a:rPr lang="it-IT" sz="2800" dirty="0">
+                <a:solidFill>
+                  <a:schemeClr val="bg1"/>
+                </a:solidFill>
+              </a:rPr>
+              <a:t>Support:</a:t>
+            </a:r>
+          </a:p>
+          <a:p>
+            <a:endParaRPr lang="it-IT" sz="2800" dirty="0">
+              <a:solidFill>
+                <a:schemeClr val="bg1"/>
+              </a:solidFill>
+            </a:endParaRPr>
+          </a:p>
+          <a:p>
+            <a:pPr marL="285750" indent="-285750">
+              <a:buFont typeface="Arial" panose="020B0604020202020204" pitchFamily="34" charset="0"/>
+              <a:buChar char="•"/>
+            </a:pPr>
+            <a:r>
+              <a:rPr lang="it-IT" dirty="0">
+                <a:solidFill>
+                  <a:schemeClr val="bg1"/>
+                </a:solidFill>
+              </a:rPr>
+              <a:t>AdminBean;</a:t>
+            </a:r>
+          </a:p>
+          <a:p>
+            <a:pPr marL="285750" indent="-285750">
+              <a:buFont typeface="Arial" panose="020B0604020202020204" pitchFamily="34" charset="0"/>
+              <a:buChar char="•"/>
+            </a:pPr>
+            <a:r>
+              <a:rPr lang="it-IT" dirty="0">
+                <a:solidFill>
+                  <a:schemeClr val="bg1"/>
+                </a:solidFill>
+              </a:rPr>
+              <a:t>ArticleBean;</a:t>
+            </a:r>
+          </a:p>
+          <a:p>
+            <a:pPr marL="285750" indent="-285750">
+              <a:buFont typeface="Arial" panose="020B0604020202020204" pitchFamily="34" charset="0"/>
+              <a:buChar char="•"/>
+            </a:pPr>
+            <a:r>
+              <a:rPr lang="it-IT" dirty="0">
+                <a:solidFill>
+                  <a:schemeClr val="bg1"/>
+                </a:solidFill>
+              </a:rPr>
+              <a:t>Cart;</a:t>
+            </a:r>
+          </a:p>
+          <a:p>
+            <a:pPr marL="285750" indent="-285750">
+              <a:buFont typeface="Arial" panose="020B0604020202020204" pitchFamily="34" charset="0"/>
+              <a:buChar char="•"/>
+            </a:pPr>
+            <a:r>
+              <a:rPr lang="it-IT" dirty="0">
+                <a:solidFill>
+                  <a:schemeClr val="bg1"/>
+                </a:solidFill>
+              </a:rPr>
+              <a:t>CartArticle;</a:t>
+            </a:r>
+          </a:p>
+          <a:p>
+            <a:pPr marL="285750" indent="-285750">
+              <a:buFont typeface="Arial" panose="020B0604020202020204" pitchFamily="34" charset="0"/>
+              <a:buChar char="•"/>
+            </a:pPr>
+            <a:r>
+              <a:rPr lang="it-IT" dirty="0">
+                <a:solidFill>
+                  <a:schemeClr val="bg1"/>
+                </a:solidFill>
+              </a:rPr>
+              <a:t>ContactLensesBean;</a:t>
+            </a:r>
+          </a:p>
+          <a:p>
+            <a:pPr marL="285750" indent="-285750">
+              <a:buFont typeface="Arial" panose="020B0604020202020204" pitchFamily="34" charset="0"/>
+              <a:buChar char="•"/>
+            </a:pPr>
+            <a:r>
+              <a:rPr lang="it-IT" dirty="0">
+                <a:solidFill>
+                  <a:schemeClr val="bg1"/>
+                </a:solidFill>
+              </a:rPr>
+              <a:t>CreditCardBean;</a:t>
+            </a:r>
+          </a:p>
+          <a:p>
+            <a:pPr marL="285750" indent="-285750">
+              <a:buFont typeface="Arial" panose="020B0604020202020204" pitchFamily="34" charset="0"/>
+              <a:buChar char="•"/>
+            </a:pPr>
+            <a:r>
+              <a:rPr lang="it-IT" dirty="0">
+                <a:solidFill>
+                  <a:schemeClr val="bg1"/>
+                </a:solidFill>
+              </a:rPr>
+              <a:t>GlassesBean;</a:t>
+            </a:r>
+          </a:p>
+          <a:p>
+            <a:pPr marL="285750" indent="-285750">
+              <a:buFont typeface="Arial" panose="020B0604020202020204" pitchFamily="34" charset="0"/>
+              <a:buChar char="•"/>
+            </a:pPr>
+            <a:r>
+              <a:rPr lang="it-IT" dirty="0">
+                <a:solidFill>
+                  <a:schemeClr val="bg1"/>
+                </a:solidFill>
+              </a:rPr>
+              <a:t>OrderBean;</a:t>
+            </a:r>
+          </a:p>
+          <a:p>
+            <a:pPr marL="285750" indent="-285750">
+              <a:buFont typeface="Arial" panose="020B0604020202020204" pitchFamily="34" charset="0"/>
+              <a:buChar char="•"/>
+            </a:pPr>
+            <a:r>
+              <a:rPr lang="it-IT" dirty="0">
+                <a:solidFill>
+                  <a:schemeClr val="bg1"/>
+                </a:solidFill>
+              </a:rPr>
+              <a:t>PrescriptionBean;</a:t>
+            </a:r>
+          </a:p>
+          <a:p>
+            <a:pPr marL="285750" indent="-285750">
+              <a:buFont typeface="Arial" panose="020B0604020202020204" pitchFamily="34" charset="0"/>
+              <a:buChar char="•"/>
+            </a:pPr>
+            <a:r>
+              <a:rPr lang="it-IT" dirty="0">
+                <a:solidFill>
+                  <a:schemeClr val="bg1"/>
+                </a:solidFill>
+              </a:rPr>
+              <a:t>PromotionBean;</a:t>
+            </a:r>
+          </a:p>
+          <a:p>
+            <a:pPr marL="285750" indent="-285750">
+              <a:buFont typeface="Arial" panose="020B0604020202020204" pitchFamily="34" charset="0"/>
+              <a:buChar char="•"/>
+            </a:pPr>
+            <a:r>
+              <a:rPr lang="it-IT" dirty="0">
+                <a:solidFill>
+                  <a:schemeClr val="bg1"/>
+                </a:solidFill>
+              </a:rPr>
+              <a:t>UserBean.</a:t>
             </a:r>
           </a:p>
         </p:txBody>
@@ -5746,8 +5746,8 @@
         </p:nvSpPr>
         <p:spPr>
           <a:xfrm>
-            <a:off x="6437748" y="1911929"/>
-            <a:ext cx="4692070" cy="1938992"/>
+            <a:off x="6546805" y="674255"/>
+            <a:ext cx="4692070" cy="1077218"/>
           </a:xfrm>
           <a:prstGeom prst="rect">
             <a:avLst/>
@@ -5761,12 +5761,196 @@
           <a:lstStyle/>
           <a:p>
             <a:r>
-              <a:rPr lang="it-IT" sz="6000" dirty="0">
-                <a:solidFill>
-                  <a:schemeClr val="bg1"/>
-                </a:solidFill>
-              </a:rPr>
-              <a:t>DA COMPLETARE</a:t>
+              <a:rPr lang="it-IT" sz="1600" dirty="0">
+                <a:solidFill>
+                  <a:schemeClr val="bg1"/>
+                </a:solidFill>
+              </a:rPr>
+              <a:t>Progettazione del sito e del database</a:t>
+            </a:r>
+          </a:p>
+          <a:p>
+            <a:r>
+              <a:rPr lang="it-IT" sz="1600" dirty="0">
+                <a:solidFill>
+                  <a:schemeClr val="bg1"/>
+                </a:solidFill>
+              </a:rPr>
+              <a:t>Implementazione di funzionalità del sito</a:t>
+            </a:r>
+          </a:p>
+          <a:p>
+            <a:r>
+              <a:rPr lang="it-IT" sz="1600" dirty="0">
+                <a:solidFill>
+                  <a:schemeClr val="bg1"/>
+                </a:solidFill>
+              </a:rPr>
+              <a:t>Realizzazione della grafica e del layout</a:t>
+            </a:r>
+          </a:p>
+          <a:p>
+            <a:r>
+              <a:rPr lang="it-IT" sz="1600" dirty="0">
+                <a:solidFill>
+                  <a:schemeClr val="bg1"/>
+                </a:solidFill>
+              </a:rPr>
+              <a:t>Risoluzione problemi e fase di debug</a:t>
+            </a:r>
+          </a:p>
+        </p:txBody>
+      </p:sp>
+      <p:sp>
+        <p:nvSpPr>
+          <p:cNvPr id="8" name="CasellaDiTesto 7">
+            <a:extLst>
+              <a:ext uri="{FF2B5EF4-FFF2-40B4-BE49-F238E27FC236}">
+                <a16:creationId xmlns:a16="http://schemas.microsoft.com/office/drawing/2014/main" id="{876221E0-DDA5-41D6-A155-6337051D8B31}"/>
+              </a:ext>
+            </a:extLst>
+          </p:cNvPr>
+          <p:cNvSpPr txBox="1"/>
+          <p:nvPr/>
+        </p:nvSpPr>
+        <p:spPr>
+          <a:xfrm>
+            <a:off x="6546805" y="2498437"/>
+            <a:ext cx="4692070" cy="1077218"/>
+          </a:xfrm>
+          <a:prstGeom prst="rect">
+            <a:avLst/>
+          </a:prstGeom>
+          <a:noFill/>
+        </p:spPr>
+        <p:txBody>
+          <a:bodyPr wrap="square" rtlCol="0">
+            <a:spAutoFit/>
+          </a:bodyPr>
+          <a:lstStyle/>
+          <a:p>
+            <a:r>
+              <a:rPr lang="it-IT" sz="1600" dirty="0">
+                <a:solidFill>
+                  <a:schemeClr val="bg1"/>
+                </a:solidFill>
+              </a:rPr>
+              <a:t>Progettazione del sito e del database</a:t>
+            </a:r>
+          </a:p>
+          <a:p>
+            <a:r>
+              <a:rPr lang="it-IT" sz="1600" dirty="0">
+                <a:solidFill>
+                  <a:schemeClr val="bg1"/>
+                </a:solidFill>
+              </a:rPr>
+              <a:t>Implementazione di funzionalità del sito</a:t>
+            </a:r>
+          </a:p>
+          <a:p>
+            <a:r>
+              <a:rPr lang="it-IT" sz="1600" dirty="0">
+                <a:solidFill>
+                  <a:schemeClr val="bg1"/>
+                </a:solidFill>
+              </a:rPr>
+              <a:t>Realizzazione degli script </a:t>
+            </a:r>
+            <a:r>
+              <a:rPr lang="it-IT" sz="1600" dirty="0" err="1">
+                <a:solidFill>
+                  <a:schemeClr val="bg1"/>
+                </a:solidFill>
+              </a:rPr>
+              <a:t>js</a:t>
+            </a:r>
+            <a:r>
+              <a:rPr lang="it-IT" sz="1600" dirty="0">
+                <a:solidFill>
+                  <a:schemeClr val="bg1"/>
+                </a:solidFill>
+              </a:rPr>
+              <a:t> per Ajax</a:t>
+            </a:r>
+          </a:p>
+          <a:p>
+            <a:r>
+              <a:rPr lang="it-IT" sz="1600" dirty="0">
+                <a:solidFill>
+                  <a:schemeClr val="bg1"/>
+                </a:solidFill>
+              </a:rPr>
+              <a:t>Risoluzione problemi e fase di debug</a:t>
+            </a:r>
+          </a:p>
+        </p:txBody>
+      </p:sp>
+      <p:sp>
+        <p:nvSpPr>
+          <p:cNvPr id="9" name="CasellaDiTesto 8">
+            <a:extLst>
+              <a:ext uri="{FF2B5EF4-FFF2-40B4-BE49-F238E27FC236}">
+                <a16:creationId xmlns:a16="http://schemas.microsoft.com/office/drawing/2014/main" id="{016C32A6-3DCD-446A-9B33-BEB91CB34422}"/>
+              </a:ext>
+            </a:extLst>
+          </p:cNvPr>
+          <p:cNvSpPr txBox="1"/>
+          <p:nvPr/>
+        </p:nvSpPr>
+        <p:spPr>
+          <a:xfrm>
+            <a:off x="6546805" y="4401128"/>
+            <a:ext cx="4692070" cy="1077218"/>
+          </a:xfrm>
+          <a:prstGeom prst="rect">
+            <a:avLst/>
+          </a:prstGeom>
+          <a:noFill/>
+        </p:spPr>
+        <p:txBody>
+          <a:bodyPr wrap="square" rtlCol="0">
+            <a:spAutoFit/>
+          </a:bodyPr>
+          <a:lstStyle/>
+          <a:p>
+            <a:r>
+              <a:rPr lang="it-IT" sz="1600" dirty="0">
+                <a:solidFill>
+                  <a:schemeClr val="bg1"/>
+                </a:solidFill>
+              </a:rPr>
+              <a:t>Progettazione del sito e del database</a:t>
+            </a:r>
+          </a:p>
+          <a:p>
+            <a:r>
+              <a:rPr lang="it-IT" sz="1600" dirty="0">
+                <a:solidFill>
+                  <a:schemeClr val="bg1"/>
+                </a:solidFill>
+              </a:rPr>
+              <a:t>Implementazione di funzionalità del sito</a:t>
+            </a:r>
+          </a:p>
+          <a:p>
+            <a:r>
+              <a:rPr lang="it-IT" sz="1600" dirty="0">
+                <a:solidFill>
+                  <a:schemeClr val="bg1"/>
+                </a:solidFill>
+              </a:rPr>
+              <a:t>Realizzazione della presentazione</a:t>
+            </a:r>
+          </a:p>
+          <a:p>
+            <a:r>
+              <a:rPr lang="it-IT" sz="1600" dirty="0">
+                <a:solidFill>
+                  <a:schemeClr val="bg1"/>
+                </a:solidFill>
+              </a:rPr>
+              <a:t>Risoluzione problemi e fase di debug</a:t>
             </a:r>
           </a:p>
         </p:txBody>

--- a/Presentazione/Presentazione Progetto.pptx
+++ b/Presentazione/Presentazione Progetto.pptx
@@ -17,15 +17,17 @@
     <p:sldId id="263" r:id="rId11"/>
     <p:sldId id="268" r:id="rId12"/>
     <p:sldId id="269" r:id="rId13"/>
-    <p:sldId id="266" r:id="rId14"/>
-    <p:sldId id="267" r:id="rId15"/>
-    <p:sldId id="270" r:id="rId16"/>
-    <p:sldId id="271" r:id="rId17"/>
-    <p:sldId id="272" r:id="rId18"/>
-    <p:sldId id="273" r:id="rId19"/>
-    <p:sldId id="274" r:id="rId20"/>
-    <p:sldId id="275" r:id="rId21"/>
-    <p:sldId id="276" r:id="rId22"/>
+    <p:sldId id="278" r:id="rId14"/>
+    <p:sldId id="277" r:id="rId15"/>
+    <p:sldId id="266" r:id="rId16"/>
+    <p:sldId id="267" r:id="rId17"/>
+    <p:sldId id="270" r:id="rId18"/>
+    <p:sldId id="271" r:id="rId19"/>
+    <p:sldId id="272" r:id="rId20"/>
+    <p:sldId id="273" r:id="rId21"/>
+    <p:sldId id="274" r:id="rId22"/>
+    <p:sldId id="275" r:id="rId23"/>
+    <p:sldId id="276" r:id="rId24"/>
   </p:sldIdLst>
   <p:sldSz cx="12192000" cy="6858000"/>
   <p:notesSz cx="6858000" cy="9144000"/>
@@ -141,6 +143,8 @@
             <p14:sldId id="263"/>
             <p14:sldId id="268"/>
             <p14:sldId id="269"/>
+            <p14:sldId id="278"/>
+            <p14:sldId id="277"/>
             <p14:sldId id="266"/>
             <p14:sldId id="267"/>
             <p14:sldId id="270"/>
@@ -312,7 +316,7 @@
           <a:p>
             <a:fld id="{9EB7ADAF-48A9-4576-BE55-6237458E02EA}" type="datetimeFigureOut">
               <a:rPr lang="it-IT" smtClean="0"/>
-              <a:t>2017-07-05</a:t>
+              <a:t>06/07/2017</a:t>
             </a:fld>
             <a:endParaRPr lang="it-IT"/>
           </a:p>
@@ -510,7 +514,7 @@
           <a:p>
             <a:fld id="{9EB7ADAF-48A9-4576-BE55-6237458E02EA}" type="datetimeFigureOut">
               <a:rPr lang="it-IT" smtClean="0"/>
-              <a:t>2017-07-05</a:t>
+              <a:t>06/07/2017</a:t>
             </a:fld>
             <a:endParaRPr lang="it-IT"/>
           </a:p>
@@ -718,7 +722,7 @@
           <a:p>
             <a:fld id="{9EB7ADAF-48A9-4576-BE55-6237458E02EA}" type="datetimeFigureOut">
               <a:rPr lang="it-IT" smtClean="0"/>
-              <a:t>2017-07-05</a:t>
+              <a:t>06/07/2017</a:t>
             </a:fld>
             <a:endParaRPr lang="it-IT"/>
           </a:p>
@@ -916,7 +920,7 @@
           <a:p>
             <a:fld id="{9EB7ADAF-48A9-4576-BE55-6237458E02EA}" type="datetimeFigureOut">
               <a:rPr lang="it-IT" smtClean="0"/>
-              <a:t>2017-07-05</a:t>
+              <a:t>06/07/2017</a:t>
             </a:fld>
             <a:endParaRPr lang="it-IT"/>
           </a:p>
@@ -1191,7 +1195,7 @@
           <a:p>
             <a:fld id="{9EB7ADAF-48A9-4576-BE55-6237458E02EA}" type="datetimeFigureOut">
               <a:rPr lang="it-IT" smtClean="0"/>
-              <a:t>2017-07-05</a:t>
+              <a:t>06/07/2017</a:t>
             </a:fld>
             <a:endParaRPr lang="it-IT"/>
           </a:p>
@@ -1456,7 +1460,7 @@
           <a:p>
             <a:fld id="{9EB7ADAF-48A9-4576-BE55-6237458E02EA}" type="datetimeFigureOut">
               <a:rPr lang="it-IT" smtClean="0"/>
-              <a:t>2017-07-05</a:t>
+              <a:t>06/07/2017</a:t>
             </a:fld>
             <a:endParaRPr lang="it-IT"/>
           </a:p>
@@ -1868,7 +1872,7 @@
           <a:p>
             <a:fld id="{9EB7ADAF-48A9-4576-BE55-6237458E02EA}" type="datetimeFigureOut">
               <a:rPr lang="it-IT" smtClean="0"/>
-              <a:t>2017-07-05</a:t>
+              <a:t>06/07/2017</a:t>
             </a:fld>
             <a:endParaRPr lang="it-IT"/>
           </a:p>
@@ -2009,7 +2013,7 @@
           <a:p>
             <a:fld id="{9EB7ADAF-48A9-4576-BE55-6237458E02EA}" type="datetimeFigureOut">
               <a:rPr lang="it-IT" smtClean="0"/>
-              <a:t>2017-07-05</a:t>
+              <a:t>06/07/2017</a:t>
             </a:fld>
             <a:endParaRPr lang="it-IT"/>
           </a:p>
@@ -2122,7 +2126,7 @@
           <a:p>
             <a:fld id="{9EB7ADAF-48A9-4576-BE55-6237458E02EA}" type="datetimeFigureOut">
               <a:rPr lang="it-IT" smtClean="0"/>
-              <a:t>2017-07-05</a:t>
+              <a:t>06/07/2017</a:t>
             </a:fld>
             <a:endParaRPr lang="it-IT"/>
           </a:p>
@@ -2433,7 +2437,7 @@
           <a:p>
             <a:fld id="{9EB7ADAF-48A9-4576-BE55-6237458E02EA}" type="datetimeFigureOut">
               <a:rPr lang="it-IT" smtClean="0"/>
-              <a:t>2017-07-05</a:t>
+              <a:t>06/07/2017</a:t>
             </a:fld>
             <a:endParaRPr lang="it-IT"/>
           </a:p>
@@ -2721,7 +2725,7 @@
           <a:p>
             <a:fld id="{9EB7ADAF-48A9-4576-BE55-6237458E02EA}" type="datetimeFigureOut">
               <a:rPr lang="it-IT" smtClean="0"/>
-              <a:t>2017-07-05</a:t>
+              <a:t>06/07/2017</a:t>
             </a:fld>
             <a:endParaRPr lang="it-IT"/>
           </a:p>
@@ -2962,7 +2966,7 @@
           <a:p>
             <a:fld id="{9EB7ADAF-48A9-4576-BE55-6237458E02EA}" type="datetimeFigureOut">
               <a:rPr lang="it-IT" smtClean="0"/>
-              <a:t>2017-07-05</a:t>
+              <a:t>06/07/2017</a:t>
             </a:fld>
             <a:endParaRPr lang="it-IT"/>
           </a:p>
@@ -3869,41 +3873,6 @@
           <a:chExt cx="0" cy="0"/>
         </a:xfrm>
       </p:grpSpPr>
-      <p:sp>
-        <p:nvSpPr>
-          <p:cNvPr id="7" name="CasellaDiTesto 6">
-            <a:extLst>
-              <a:ext uri="{FF2B5EF4-FFF2-40B4-BE49-F238E27FC236}">
-                <a16:creationId xmlns:a16="http://schemas.microsoft.com/office/drawing/2014/main" id="{DDED11A4-D8CF-41D5-80F9-DFA5CCCA6B82}"/>
-              </a:ext>
-            </a:extLst>
-          </p:cNvPr>
-          <p:cNvSpPr txBox="1"/>
-          <p:nvPr/>
-        </p:nvSpPr>
-        <p:spPr>
-          <a:xfrm>
-            <a:off x="3724507" y="5887844"/>
-            <a:ext cx="4638908" cy="369332"/>
-          </a:xfrm>
-          <a:prstGeom prst="rect">
-            <a:avLst/>
-          </a:prstGeom>
-          <a:noFill/>
-        </p:spPr>
-        <p:txBody>
-          <a:bodyPr wrap="square" rtlCol="0">
-            <a:spAutoFit/>
-          </a:bodyPr>
-          <a:lstStyle/>
-          <a:p>
-            <a:r>
-              <a:rPr lang="it-IT" dirty="0"/>
-              <a:t>DA MODIFICARE</a:t>
-            </a:r>
-          </a:p>
-        </p:txBody>
-      </p:sp>
       <p:pic>
         <p:nvPicPr>
           <p:cNvPr id="9" name="Immagine 8">
@@ -4047,59 +4016,505 @@
           <a:chExt cx="0" cy="0"/>
         </a:xfrm>
       </p:grpSpPr>
-      <p:sp>
-        <p:nvSpPr>
-          <p:cNvPr id="2" name="Titolo 1">
-            <a:extLst>
-              <a:ext uri="{FF2B5EF4-FFF2-40B4-BE49-F238E27FC236}">
-                <a16:creationId xmlns:a16="http://schemas.microsoft.com/office/drawing/2014/main" id="{D9783726-1593-4249-A2AB-361C214CEB1F}"/>
+      <p:pic>
+        <p:nvPicPr>
+          <p:cNvPr id="1027" name="Immagine 20">
+            <a:extLst>
+              <a:ext uri="{FF2B5EF4-FFF2-40B4-BE49-F238E27FC236}">
+                <a16:creationId xmlns:a16="http://schemas.microsoft.com/office/drawing/2014/main" id="{1732F408-C183-40E2-9D80-F76BBC4D56B8}"/>
+              </a:ext>
+            </a:extLst>
+          </p:cNvPr>
+          <p:cNvPicPr>
+            <a:picLocks noChangeAspect="1" noChangeArrowheads="1"/>
+          </p:cNvPicPr>
+          <p:nvPr/>
+        </p:nvPicPr>
+        <p:blipFill>
+          <a:blip r:embed="rId2">
+            <a:extLst>
+              <a:ext uri="{28A0092B-C50C-407E-A947-70E740481C1C}">
+                <a14:useLocalDpi xmlns:a14="http://schemas.microsoft.com/office/drawing/2010/main" val="0"/>
+              </a:ext>
+            </a:extLst>
+          </a:blip>
+          <a:srcRect/>
+          <a:stretch>
+            <a:fillRect/>
+          </a:stretch>
+        </p:blipFill>
+        <p:spPr bwMode="auto">
+          <a:xfrm>
+            <a:off x="2041092" y="4068763"/>
+            <a:ext cx="2171700" cy="2276475"/>
+          </a:xfrm>
+          <a:prstGeom prst="rect">
+            <a:avLst/>
+          </a:prstGeom>
+          <a:noFill/>
+          <a:ln>
+            <a:noFill/>
+          </a:ln>
+          <a:extLst>
+            <a:ext uri="{909E8E84-426E-40DD-AFC4-6F175D3DCCD1}">
+              <a14:hiddenFill xmlns:a14="http://schemas.microsoft.com/office/drawing/2010/main">
+                <a:solidFill>
+                  <a:srgbClr val="FFFFFF"/>
+                </a:solidFill>
+              </a14:hiddenFill>
+            </a:ext>
+            <a:ext uri="{91240B29-F687-4F45-9708-019B960494DF}">
+              <a14:hiddenLine xmlns:a14="http://schemas.microsoft.com/office/drawing/2010/main" w="9525">
+                <a:solidFill>
+                  <a:srgbClr val="000000"/>
+                </a:solidFill>
+                <a:miter lim="800000"/>
+                <a:headEnd/>
+                <a:tailEnd/>
+              </a14:hiddenLine>
+            </a:ext>
+          </a:extLst>
+        </p:spPr>
+      </p:pic>
+      <p:pic>
+        <p:nvPicPr>
+          <p:cNvPr id="1028" name="Immagine 15" descr="C:\Users\Luca\AppData\Local\Microsoft\Windows\INetCache\Content.Word\blu#52b2b2.png">
+            <a:extLst>
+              <a:ext uri="{FF2B5EF4-FFF2-40B4-BE49-F238E27FC236}">
+                <a16:creationId xmlns:a16="http://schemas.microsoft.com/office/drawing/2014/main" id="{6C08EE62-1782-4E0E-9771-DCA5CF2EA60A}"/>
+              </a:ext>
+            </a:extLst>
+          </p:cNvPr>
+          <p:cNvPicPr>
+            <a:picLocks noChangeAspect="1" noChangeArrowheads="1"/>
+          </p:cNvPicPr>
+          <p:nvPr/>
+        </p:nvPicPr>
+        <p:blipFill>
+          <a:blip r:embed="rId3">
+            <a:extLst>
+              <a:ext uri="{28A0092B-C50C-407E-A947-70E740481C1C}">
+                <a14:useLocalDpi xmlns:a14="http://schemas.microsoft.com/office/drawing/2010/main" val="0"/>
+              </a:ext>
+            </a:extLst>
+          </a:blip>
+          <a:srcRect/>
+          <a:stretch>
+            <a:fillRect/>
+          </a:stretch>
+        </p:blipFill>
+        <p:spPr bwMode="auto">
+          <a:xfrm>
+            <a:off x="2041092" y="836035"/>
+            <a:ext cx="2171700" cy="2266950"/>
+          </a:xfrm>
+          <a:prstGeom prst="rect">
+            <a:avLst/>
+          </a:prstGeom>
+          <a:noFill/>
+          <a:ln>
+            <a:noFill/>
+          </a:ln>
+          <a:extLst>
+            <a:ext uri="{909E8E84-426E-40DD-AFC4-6F175D3DCCD1}">
+              <a14:hiddenFill xmlns:a14="http://schemas.microsoft.com/office/drawing/2010/main">
+                <a:solidFill>
+                  <a:srgbClr val="FFFFFF"/>
+                </a:solidFill>
+              </a14:hiddenFill>
+            </a:ext>
+            <a:ext uri="{91240B29-F687-4F45-9708-019B960494DF}">
+              <a14:hiddenLine xmlns:a14="http://schemas.microsoft.com/office/drawing/2010/main" w="9525">
+                <a:solidFill>
+                  <a:srgbClr val="000000"/>
+                </a:solidFill>
+                <a:miter lim="800000"/>
+                <a:headEnd/>
+                <a:tailEnd/>
+              </a14:hiddenLine>
+            </a:ext>
+          </a:extLst>
+        </p:spPr>
+      </p:pic>
+      <p:sp>
+        <p:nvSpPr>
+          <p:cNvPr id="8" name="Arco 7">
+            <a:extLst>
+              <a:ext uri="{FF2B5EF4-FFF2-40B4-BE49-F238E27FC236}">
+                <a16:creationId xmlns:a16="http://schemas.microsoft.com/office/drawing/2014/main" id="{F01AE28C-0187-457E-A6D4-5D265A54D8FE}"/>
               </a:ext>
             </a:extLst>
           </p:cNvPr>
           <p:cNvSpPr>
-            <a:spLocks noGrp="1"/>
-          </p:cNvSpPr>
-          <p:nvPr>
-            <p:ph type="title"/>
-          </p:nvPr>
-        </p:nvSpPr>
-        <p:spPr/>
-        <p:txBody>
-          <a:bodyPr/>
-          <a:lstStyle/>
-          <a:p>
-            <a:r>
-              <a:rPr lang="it-IT" dirty="0"/>
-              <a:t>DA AGGIUNGERE LAYOUT E TEMI</a:t>
-            </a:r>
-          </a:p>
-        </p:txBody>
-      </p:sp>
-      <p:sp>
-        <p:nvSpPr>
-          <p:cNvPr id="3" name="Segnaposto contenuto 2">
-            <a:extLst>
-              <a:ext uri="{FF2B5EF4-FFF2-40B4-BE49-F238E27FC236}">
-                <a16:creationId xmlns:a16="http://schemas.microsoft.com/office/drawing/2014/main" id="{2532CA64-5D22-4936-97B9-FC8BB812B239}"/>
+            <a:spLocks/>
+          </p:cNvSpPr>
+          <p:nvPr/>
+        </p:nvSpPr>
+        <p:spPr bwMode="auto">
+          <a:xfrm rot="-2386601">
+            <a:off x="3305608" y="1750457"/>
+            <a:ext cx="2633663" cy="2301876"/>
+          </a:xfrm>
+          <a:custGeom>
+            <a:avLst/>
+            <a:gdLst>
+              <a:gd name="T0" fmla="*/ 1316215 w 2632430"/>
+              <a:gd name="T1" fmla="*/ 0 h 2302029"/>
+              <a:gd name="T2" fmla="*/ 2632430 w 2632430"/>
+              <a:gd name="T3" fmla="*/ 1151015 h 2302029"/>
+              <a:gd name="T4" fmla="*/ 0 60000 65536"/>
+              <a:gd name="T5" fmla="*/ 0 60000 65536"/>
+            </a:gdLst>
+            <a:ahLst/>
+            <a:cxnLst>
+              <a:cxn ang="T4">
+                <a:pos x="T0" y="T1"/>
+              </a:cxn>
+              <a:cxn ang="T5">
+                <a:pos x="T2" y="T3"/>
+              </a:cxn>
+            </a:cxnLst>
+            <a:rect l="0" t="0" r="r" b="b"/>
+            <a:pathLst>
+              <a:path w="2632430" h="2302029" stroke="0">
+                <a:moveTo>
+                  <a:pt x="1316215" y="0"/>
+                </a:moveTo>
+                <a:cubicBezTo>
+                  <a:pt x="2043140" y="0"/>
+                  <a:pt x="2632430" y="515327"/>
+                  <a:pt x="2632430" y="1151015"/>
+                </a:cubicBezTo>
+                <a:lnTo>
+                  <a:pt x="1316215" y="1151015"/>
+                </a:lnTo>
+                <a:lnTo>
+                  <a:pt x="1316215" y="0"/>
+                </a:lnTo>
+                <a:close/>
+              </a:path>
+              <a:path w="2632430" h="2302029" fill="none">
+                <a:moveTo>
+                  <a:pt x="1316215" y="0"/>
+                </a:moveTo>
+                <a:cubicBezTo>
+                  <a:pt x="2043140" y="0"/>
+                  <a:pt x="2632430" y="515327"/>
+                  <a:pt x="2632430" y="1151015"/>
+                </a:cubicBezTo>
+              </a:path>
+            </a:pathLst>
+          </a:custGeom>
+          <a:noFill/>
+          <a:ln w="19050" cap="flat" cmpd="sng">
+            <a:solidFill>
+              <a:srgbClr val="52B2B2"/>
+            </a:solidFill>
+            <a:prstDash val="solid"/>
+            <a:miter lim="800000"/>
+            <a:headEnd type="none" w="med" len="med"/>
+            <a:tailEnd type="arrow" w="med" len="med"/>
+          </a:ln>
+          <a:effectLst>
+            <a:outerShdw blurRad="50800" dist="25400" dir="3599997" algn="ctr" rotWithShape="0">
+              <a:srgbClr val="000000"/>
+            </a:outerShdw>
+          </a:effectLst>
+          <a:extLst>
+            <a:ext uri="{909E8E84-426E-40DD-AFC4-6F175D3DCCD1}">
+              <a14:hiddenFill xmlns:a14="http://schemas.microsoft.com/office/drawing/2010/main">
+                <a:solidFill>
+                  <a:srgbClr val="FFFFFF"/>
+                </a:solidFill>
+              </a14:hiddenFill>
+            </a:ext>
+          </a:extLst>
+        </p:spPr>
+        <p:txBody>
+          <a:bodyPr vert="horz" wrap="square" lIns="91440" tIns="45720" rIns="91440" bIns="45720" numCol="1" anchor="ctr" anchorCtr="0" compatLnSpc="1">
+            <a:prstTxWarp prst="textNoShape">
+              <a:avLst/>
+            </a:prstTxWarp>
+          </a:bodyPr>
+          <a:lstStyle/>
+          <a:p>
+            <a:endParaRPr lang="it-IT"/>
+          </a:p>
+        </p:txBody>
+      </p:sp>
+      <p:sp>
+        <p:nvSpPr>
+          <p:cNvPr id="9" name="Arco 25">
+            <a:extLst>
+              <a:ext uri="{FF2B5EF4-FFF2-40B4-BE49-F238E27FC236}">
+                <a16:creationId xmlns:a16="http://schemas.microsoft.com/office/drawing/2014/main" id="{07B3AD18-0845-47BB-BCE8-C1CEAFFEBCB3}"/>
               </a:ext>
             </a:extLst>
           </p:cNvPr>
           <p:cNvSpPr>
-            <a:spLocks noGrp="1"/>
-          </p:cNvSpPr>
-          <p:nvPr>
-            <p:ph idx="1"/>
-          </p:nvPr>
-        </p:nvSpPr>
-        <p:spPr/>
-        <p:txBody>
-          <a:bodyPr/>
-          <a:lstStyle/>
-          <a:p>
-            <a:r>
-              <a:rPr lang="it-IT" dirty="0"/>
-              <a:t>IMMAGINI</a:t>
-            </a:r>
+            <a:spLocks/>
+          </p:cNvSpPr>
+          <p:nvPr/>
+        </p:nvSpPr>
+        <p:spPr bwMode="auto">
+          <a:xfrm rot="14191429" flipH="1">
+            <a:off x="4290872" y="3311614"/>
+            <a:ext cx="1509713" cy="2633663"/>
+          </a:xfrm>
+          <a:custGeom>
+            <a:avLst/>
+            <a:gdLst>
+              <a:gd name="T0" fmla="*/ 754741 w 1509483"/>
+              <a:gd name="T1" fmla="*/ 0 h 2633475"/>
+              <a:gd name="T2" fmla="*/ 1509483 w 1509483"/>
+              <a:gd name="T3" fmla="*/ 1316738 h 2633475"/>
+              <a:gd name="T4" fmla="*/ 0 60000 65536"/>
+              <a:gd name="T5" fmla="*/ 0 60000 65536"/>
+            </a:gdLst>
+            <a:ahLst/>
+            <a:cxnLst>
+              <a:cxn ang="T4">
+                <a:pos x="T0" y="T1"/>
+              </a:cxn>
+              <a:cxn ang="T5">
+                <a:pos x="T2" y="T3"/>
+              </a:cxn>
+            </a:cxnLst>
+            <a:rect l="0" t="0" r="r" b="b"/>
+            <a:pathLst>
+              <a:path w="1509483" h="2633475" stroke="0">
+                <a:moveTo>
+                  <a:pt x="754741" y="0"/>
+                </a:moveTo>
+                <a:cubicBezTo>
+                  <a:pt x="1171573" y="0"/>
+                  <a:pt x="1509483" y="589524"/>
+                  <a:pt x="1509483" y="1316738"/>
+                </a:cubicBezTo>
+                <a:lnTo>
+                  <a:pt x="754742" y="1316738"/>
+                </a:lnTo>
+                <a:cubicBezTo>
+                  <a:pt x="754742" y="877825"/>
+                  <a:pt x="754741" y="438913"/>
+                  <a:pt x="754741" y="0"/>
+                </a:cubicBezTo>
+                <a:close/>
+              </a:path>
+              <a:path w="1509483" h="2633475" fill="none">
+                <a:moveTo>
+                  <a:pt x="754741" y="0"/>
+                </a:moveTo>
+                <a:cubicBezTo>
+                  <a:pt x="1171573" y="0"/>
+                  <a:pt x="1509483" y="589524"/>
+                  <a:pt x="1509483" y="1316738"/>
+                </a:cubicBezTo>
+              </a:path>
+            </a:pathLst>
+          </a:custGeom>
+          <a:noFill/>
+          <a:ln w="19050" cap="flat" cmpd="sng">
+            <a:solidFill>
+              <a:srgbClr val="000000"/>
+            </a:solidFill>
+            <a:prstDash val="solid"/>
+            <a:miter lim="800000"/>
+            <a:headEnd type="none" w="med" len="med"/>
+            <a:tailEnd type="arrow" w="med" len="med"/>
+          </a:ln>
+          <a:effectLst>
+            <a:outerShdw blurRad="50800" dist="25400" dir="3599997" algn="ctr" rotWithShape="0">
+              <a:srgbClr val="000000"/>
+            </a:outerShdw>
+          </a:effectLst>
+          <a:extLst>
+            <a:ext uri="{909E8E84-426E-40DD-AFC4-6F175D3DCCD1}">
+              <a14:hiddenFill xmlns:a14="http://schemas.microsoft.com/office/drawing/2010/main">
+                <a:solidFill>
+                  <a:srgbClr val="FFFFFF"/>
+                </a:solidFill>
+              </a14:hiddenFill>
+            </a:ext>
+          </a:extLst>
+        </p:spPr>
+        <p:txBody>
+          <a:bodyPr vert="horz" wrap="square" lIns="91440" tIns="45720" rIns="91440" bIns="45720" numCol="1" anchor="ctr" anchorCtr="0" compatLnSpc="1">
+            <a:prstTxWarp prst="textNoShape">
+              <a:avLst/>
+            </a:prstTxWarp>
+          </a:bodyPr>
+          <a:lstStyle/>
+          <a:p>
+            <a:endParaRPr lang="it-IT"/>
+          </a:p>
+        </p:txBody>
+      </p:sp>
+      <p:sp>
+        <p:nvSpPr>
+          <p:cNvPr id="10" name="Casella di testo 26">
+            <a:extLst>
+              <a:ext uri="{FF2B5EF4-FFF2-40B4-BE49-F238E27FC236}">
+                <a16:creationId xmlns:a16="http://schemas.microsoft.com/office/drawing/2014/main" id="{E22049A0-9F7F-447B-81D1-D233E861175A}"/>
+              </a:ext>
+            </a:extLst>
+          </p:cNvPr>
+          <p:cNvSpPr txBox="1">
+            <a:spLocks noChangeArrowheads="1"/>
+          </p:cNvSpPr>
+          <p:nvPr/>
+        </p:nvSpPr>
+        <p:spPr bwMode="auto">
+          <a:xfrm>
+            <a:off x="6007753" y="4862955"/>
+            <a:ext cx="2419350" cy="1247775"/>
+          </a:xfrm>
+          <a:prstGeom prst="rect">
+            <a:avLst/>
+          </a:prstGeom>
+          <a:solidFill>
+            <a:srgbClr val="FFFFFF"/>
+          </a:solidFill>
+          <a:ln w="6350">
+            <a:solidFill>
+              <a:srgbClr val="FFFFFF"/>
+            </a:solidFill>
+            <a:miter lim="800000"/>
+            <a:headEnd/>
+            <a:tailEnd/>
+          </a:ln>
+        </p:spPr>
+        <p:txBody>
+          <a:bodyPr vert="horz" wrap="square" lIns="91440" tIns="45720" rIns="91440" bIns="45720" numCol="1" anchor="t" anchorCtr="0" compatLnSpc="1">
+            <a:prstTxWarp prst="textNoShape">
+              <a:avLst/>
+            </a:prstTxWarp>
+          </a:bodyPr>
+          <a:lstStyle/>
+          <a:p>
+            <a:pPr marL="0" marR="0" lvl="0" indent="0" algn="l" defTabSz="914400" rtl="0" eaLnBrk="0" fontAlgn="base" latinLnBrk="0" hangingPunct="0">
+              <a:lnSpc>
+                <a:spcPct val="100000"/>
+              </a:lnSpc>
+              <a:spcBef>
+                <a:spcPct val="0"/>
+              </a:spcBef>
+              <a:spcAft>
+                <a:spcPts val="800"/>
+              </a:spcAft>
+              <a:buClrTx/>
+              <a:buSzTx/>
+              <a:buFontTx/>
+              <a:buNone/>
+              <a:tabLst/>
+            </a:pPr>
+            <a:r>
+              <a:rPr kumimoji="0" lang="it-IT" altLang="it-IT" sz="1100" b="0" i="0" u="none" strike="noStrike" cap="none" normalizeH="0" baseline="0" dirty="0">
+                <a:ln>
+                  <a:noFill/>
+                </a:ln>
+                <a:solidFill>
+                  <a:srgbClr val="000000"/>
+                </a:solidFill>
+                <a:effectLst/>
+                <a:latin typeface="Comic Sans MS" panose="030F0702030302020204" pitchFamily="66" charset="0"/>
+              </a:rPr>
+              <a:t>Il bianco verrà usato come parte dello sfondo per non appesantire troppo il tema del sito e per evitare di renderlo stressante alla vista.</a:t>
+            </a:r>
+            <a:endParaRPr kumimoji="0" lang="it-IT" altLang="it-IT" sz="1800" b="0" i="0" u="none" strike="noStrike" cap="none" normalizeH="0" baseline="0" dirty="0">
+              <a:ln>
+                <a:noFill/>
+              </a:ln>
+              <a:solidFill>
+                <a:schemeClr val="tx1"/>
+              </a:solidFill>
+              <a:effectLst/>
+              <a:latin typeface="Arial" panose="020B0604020202020204" pitchFamily="34" charset="0"/>
+            </a:endParaRPr>
+          </a:p>
+        </p:txBody>
+      </p:sp>
+      <p:sp>
+        <p:nvSpPr>
+          <p:cNvPr id="11" name="Casella di testo 24">
+            <a:extLst>
+              <a:ext uri="{FF2B5EF4-FFF2-40B4-BE49-F238E27FC236}">
+                <a16:creationId xmlns:a16="http://schemas.microsoft.com/office/drawing/2014/main" id="{B48CFFBF-DD02-48E4-9D54-B8F95F4E1E78}"/>
+              </a:ext>
+            </a:extLst>
+          </p:cNvPr>
+          <p:cNvSpPr txBox="1">
+            <a:spLocks noChangeArrowheads="1"/>
+          </p:cNvSpPr>
+          <p:nvPr/>
+        </p:nvSpPr>
+        <p:spPr bwMode="auto">
+          <a:xfrm>
+            <a:off x="6184179" y="1653620"/>
+            <a:ext cx="2419350" cy="1247775"/>
+          </a:xfrm>
+          <a:prstGeom prst="rect">
+            <a:avLst/>
+          </a:prstGeom>
+          <a:solidFill>
+            <a:srgbClr val="FFFFFF"/>
+          </a:solidFill>
+          <a:ln w="6350">
+            <a:solidFill>
+              <a:srgbClr val="FFFFFF"/>
+            </a:solidFill>
+            <a:miter lim="800000"/>
+            <a:headEnd/>
+            <a:tailEnd/>
+          </a:ln>
+        </p:spPr>
+        <p:txBody>
+          <a:bodyPr vert="horz" wrap="square" lIns="91440" tIns="45720" rIns="91440" bIns="45720" numCol="1" anchor="t" anchorCtr="0" compatLnSpc="1">
+            <a:prstTxWarp prst="textNoShape">
+              <a:avLst/>
+            </a:prstTxWarp>
+          </a:bodyPr>
+          <a:lstStyle/>
+          <a:p>
+            <a:pPr marL="0" marR="0" lvl="0" indent="0" algn="l" defTabSz="914400" rtl="0" eaLnBrk="0" fontAlgn="base" latinLnBrk="0" hangingPunct="0">
+              <a:lnSpc>
+                <a:spcPct val="100000"/>
+              </a:lnSpc>
+              <a:spcBef>
+                <a:spcPct val="0"/>
+              </a:spcBef>
+              <a:spcAft>
+                <a:spcPts val="800"/>
+              </a:spcAft>
+              <a:buClrTx/>
+              <a:buSzTx/>
+              <a:buFontTx/>
+              <a:buNone/>
+              <a:tabLst/>
+            </a:pPr>
+            <a:r>
+              <a:rPr kumimoji="0" lang="it-IT" altLang="it-IT" sz="1100" b="0" i="0" u="none" strike="noStrike" cap="none" normalizeH="0" baseline="0">
+                <a:ln>
+                  <a:noFill/>
+                </a:ln>
+                <a:solidFill>
+                  <a:srgbClr val="000000"/>
+                </a:solidFill>
+                <a:effectLst/>
+                <a:latin typeface="Comic Sans MS" panose="030F0702030302020204" pitchFamily="66" charset="0"/>
+              </a:rPr>
+              <a:t>Questo blu leggero sarà il colore prevalente e verrà usato per molti dettagli, per i separatori, per il menu ed il profilo dell’utente.</a:t>
+            </a:r>
+            <a:endParaRPr kumimoji="0" lang="it-IT" altLang="it-IT" sz="1800" b="0" i="0" u="none" strike="noStrike" cap="none" normalizeH="0" baseline="0">
+              <a:ln>
+                <a:noFill/>
+              </a:ln>
+              <a:solidFill>
+                <a:schemeClr val="tx1"/>
+              </a:solidFill>
+              <a:effectLst/>
+              <a:latin typeface="Arial" panose="020B0604020202020204" pitchFamily="34" charset="0"/>
+            </a:endParaRPr>
           </a:p>
         </p:txBody>
       </p:sp>
@@ -4119,14 +4534,6 @@
 <file path=ppt/slides/slide13.xml><?xml version="1.0" encoding="utf-8"?>
 <p:sld xmlns:a="http://schemas.openxmlformats.org/drawingml/2006/main" xmlns:r="http://schemas.openxmlformats.org/officeDocument/2006/relationships" xmlns:p="http://schemas.openxmlformats.org/presentationml/2006/main">
   <p:cSld>
-    <p:bg>
-      <p:bgPr>
-        <a:solidFill>
-          <a:schemeClr val="tx1"/>
-        </a:solidFill>
-        <a:effectLst/>
-      </p:bgPr>
-    </p:bg>
     <p:spTree>
       <p:nvGrpSpPr>
         <p:cNvPr id="1" name=""/>
@@ -4146,7 +4553,7 @@
           <p:cNvPr id="2" name="Titolo 1">
             <a:extLst>
               <a:ext uri="{FF2B5EF4-FFF2-40B4-BE49-F238E27FC236}">
-                <a16:creationId xmlns:a16="http://schemas.microsoft.com/office/drawing/2014/main" id="{AB17C366-35F5-4281-B1E3-9AC2CF3E1DBD}"/>
+                <a16:creationId xmlns:a16="http://schemas.microsoft.com/office/drawing/2014/main" id="{460979A2-F839-42FE-A986-FB0D519C0C58}"/>
               </a:ext>
             </a:extLst>
           </p:cNvPr>
@@ -4157,33 +4564,75 @@
             <p:ph type="title"/>
           </p:nvPr>
         </p:nvSpPr>
+        <p:spPr/>
+        <p:txBody>
+          <a:bodyPr/>
+          <a:lstStyle/>
+          <a:p>
+            <a:endParaRPr lang="it-IT"/>
+          </a:p>
+        </p:txBody>
+      </p:sp>
+      <p:sp>
+        <p:nvSpPr>
+          <p:cNvPr id="3" name="Segnaposto contenuto 2">
+            <a:extLst>
+              <a:ext uri="{FF2B5EF4-FFF2-40B4-BE49-F238E27FC236}">
+                <a16:creationId xmlns:a16="http://schemas.microsoft.com/office/drawing/2014/main" id="{983FC0C2-9D07-48F1-882F-97682874DC58}"/>
+              </a:ext>
+            </a:extLst>
+          </p:cNvPr>
+          <p:cNvSpPr>
+            <a:spLocks noGrp="1"/>
+          </p:cNvSpPr>
+          <p:nvPr>
+            <p:ph idx="1"/>
+          </p:nvPr>
+        </p:nvSpPr>
+        <p:spPr/>
+        <p:txBody>
+          <a:bodyPr/>
+          <a:lstStyle/>
+          <a:p>
+            <a:endParaRPr lang="it-IT"/>
+          </a:p>
+        </p:txBody>
+      </p:sp>
+      <p:pic>
+        <p:nvPicPr>
+          <p:cNvPr id="4" name="Immagine 3">
+            <a:extLst>
+              <a:ext uri="{FF2B5EF4-FFF2-40B4-BE49-F238E27FC236}">
+                <a16:creationId xmlns:a16="http://schemas.microsoft.com/office/drawing/2014/main" id="{578C6889-7F98-4D2C-96D2-3BB958A8EF72}"/>
+              </a:ext>
+            </a:extLst>
+          </p:cNvPr>
+          <p:cNvPicPr>
+            <a:picLocks noChangeAspect="1"/>
+          </p:cNvPicPr>
+          <p:nvPr/>
+        </p:nvPicPr>
+        <p:blipFill>
+          <a:blip r:embed="rId2"/>
+          <a:stretch>
+            <a:fillRect/>
+          </a:stretch>
+        </p:blipFill>
         <p:spPr>
           <a:xfrm>
-            <a:off x="3867726" y="2471015"/>
-            <a:ext cx="10515600" cy="1325563"/>
+            <a:off x="0" y="368139"/>
+            <a:ext cx="12192000" cy="6121722"/>
           </a:xfrm>
+          <a:prstGeom prst="rect">
+            <a:avLst/>
+          </a:prstGeom>
+          <a:effectLst/>
         </p:spPr>
-        <p:txBody>
-          <a:bodyPr>
-            <a:normAutofit/>
-          </a:bodyPr>
-          <a:lstStyle/>
-          <a:p>
-            <a:r>
-              <a:rPr lang="it-IT" sz="6000" dirty="0">
-                <a:solidFill>
-                  <a:schemeClr val="bg1"/>
-                </a:solidFill>
-              </a:rPr>
-              <a:t>SCHEMA ER</a:t>
-            </a:r>
-          </a:p>
-        </p:txBody>
-      </p:sp>
+      </p:pic>
     </p:spTree>
     <p:extLst>
       <p:ext uri="{BB962C8B-B14F-4D97-AF65-F5344CB8AC3E}">
-        <p14:creationId xmlns:p14="http://schemas.microsoft.com/office/powerpoint/2010/main" val="2227206741"/>
+        <p14:creationId xmlns:p14="http://schemas.microsoft.com/office/powerpoint/2010/main" val="1314361640"/>
       </p:ext>
     </p:extLst>
   </p:cSld>
@@ -4212,10 +4661,10 @@
       </p:grpSpPr>
       <p:pic>
         <p:nvPicPr>
-          <p:cNvPr id="5" name="Immagine 4">
-            <a:extLst>
-              <a:ext uri="{FF2B5EF4-FFF2-40B4-BE49-F238E27FC236}">
-                <a16:creationId xmlns:a16="http://schemas.microsoft.com/office/drawing/2014/main" id="{EE06143D-AB9D-40A2-B64A-37EE2E1D1F77}"/>
+          <p:cNvPr id="4" name="Immagine 3">
+            <a:extLst>
+              <a:ext uri="{FF2B5EF4-FFF2-40B4-BE49-F238E27FC236}">
+                <a16:creationId xmlns:a16="http://schemas.microsoft.com/office/drawing/2014/main" id="{056DEA32-29DB-4FB7-918D-8F49354E52A6}"/>
               </a:ext>
             </a:extLst>
           </p:cNvPr>
@@ -4225,21 +4674,75 @@
           <p:nvPr/>
         </p:nvPicPr>
         <p:blipFill>
-          <a:blip r:embed="rId2">
-            <a:extLst>
-              <a:ext uri="{28A0092B-C50C-407E-A947-70E740481C1C}">
-                <a14:useLocalDpi xmlns:a14="http://schemas.microsoft.com/office/drawing/2010/main" val="0"/>
-              </a:ext>
-            </a:extLst>
-          </a:blip>
+          <a:blip r:embed="rId2"/>
           <a:stretch>
             <a:fillRect/>
           </a:stretch>
         </p:blipFill>
         <p:spPr>
           <a:xfrm>
-            <a:off x="836341" y="0"/>
-            <a:ext cx="10549054" cy="6858000"/>
+            <a:off x="0" y="0"/>
+            <a:ext cx="3851564" cy="6858000"/>
+          </a:xfrm>
+          <a:prstGeom prst="rect">
+            <a:avLst/>
+          </a:prstGeom>
+        </p:spPr>
+      </p:pic>
+      <p:pic>
+        <p:nvPicPr>
+          <p:cNvPr id="5" name="Immagine 4">
+            <a:extLst>
+              <a:ext uri="{FF2B5EF4-FFF2-40B4-BE49-F238E27FC236}">
+                <a16:creationId xmlns:a16="http://schemas.microsoft.com/office/drawing/2014/main" id="{864B2538-DB7D-424C-9468-2059DB3DDB2E}"/>
+              </a:ext>
+            </a:extLst>
+          </p:cNvPr>
+          <p:cNvPicPr>
+            <a:picLocks noChangeAspect="1"/>
+          </p:cNvPicPr>
+          <p:nvPr/>
+        </p:nvPicPr>
+        <p:blipFill>
+          <a:blip r:embed="rId3"/>
+          <a:stretch>
+            <a:fillRect/>
+          </a:stretch>
+        </p:blipFill>
+        <p:spPr>
+          <a:xfrm>
+            <a:off x="3851564" y="0"/>
+            <a:ext cx="4192241" cy="6858000"/>
+          </a:xfrm>
+          <a:prstGeom prst="rect">
+            <a:avLst/>
+          </a:prstGeom>
+        </p:spPr>
+      </p:pic>
+      <p:pic>
+        <p:nvPicPr>
+          <p:cNvPr id="6" name="Immagine 5">
+            <a:extLst>
+              <a:ext uri="{FF2B5EF4-FFF2-40B4-BE49-F238E27FC236}">
+                <a16:creationId xmlns:a16="http://schemas.microsoft.com/office/drawing/2014/main" id="{048384B8-8CC0-45D8-B6A7-5ED9DAFE9E77}"/>
+              </a:ext>
+            </a:extLst>
+          </p:cNvPr>
+          <p:cNvPicPr>
+            <a:picLocks noChangeAspect="1"/>
+          </p:cNvPicPr>
+          <p:nvPr/>
+        </p:nvPicPr>
+        <p:blipFill>
+          <a:blip r:embed="rId4"/>
+          <a:stretch>
+            <a:fillRect/>
+          </a:stretch>
+        </p:blipFill>
+        <p:spPr>
+          <a:xfrm>
+            <a:off x="8043806" y="0"/>
+            <a:ext cx="4148194" cy="6858000"/>
           </a:xfrm>
           <a:prstGeom prst="rect">
             <a:avLst/>
@@ -4249,7 +4752,7 @@
     </p:spTree>
     <p:extLst>
       <p:ext uri="{BB962C8B-B14F-4D97-AF65-F5344CB8AC3E}">
-        <p14:creationId xmlns:p14="http://schemas.microsoft.com/office/powerpoint/2010/main" val="2794500397"/>
+        <p14:creationId xmlns:p14="http://schemas.microsoft.com/office/powerpoint/2010/main" val="293523679"/>
       </p:ext>
     </p:extLst>
   </p:cSld>
@@ -4289,7 +4792,7 @@
           <p:cNvPr id="2" name="Titolo 1">
             <a:extLst>
               <a:ext uri="{FF2B5EF4-FFF2-40B4-BE49-F238E27FC236}">
-                <a16:creationId xmlns:a16="http://schemas.microsoft.com/office/drawing/2014/main" id="{833CBE6A-8F11-47AE-8A9D-A76A8FC0DFE1}"/>
+                <a16:creationId xmlns:a16="http://schemas.microsoft.com/office/drawing/2014/main" id="{AB17C366-35F5-4281-B1E3-9AC2CF3E1DBD}"/>
               </a:ext>
             </a:extLst>
           </p:cNvPr>
@@ -4302,7 +4805,7 @@
         </p:nvSpPr>
         <p:spPr>
           <a:xfrm>
-            <a:off x="1787236" y="2184689"/>
+            <a:off x="3867726" y="2471015"/>
             <a:ext cx="10515600" cy="1325563"/>
           </a:xfrm>
         </p:spPr>
@@ -4318,7 +4821,7 @@
                   <a:schemeClr val="bg1"/>
                 </a:solidFill>
               </a:rPr>
-              <a:t>ARCHITETTURA SOFTWARE</a:t>
+              <a:t>SCHEMA ER</a:t>
             </a:r>
           </a:p>
         </p:txBody>
@@ -4326,7 +4829,7 @@
     </p:spTree>
     <p:extLst>
       <p:ext uri="{BB962C8B-B14F-4D97-AF65-F5344CB8AC3E}">
-        <p14:creationId xmlns:p14="http://schemas.microsoft.com/office/powerpoint/2010/main" val="3425339582"/>
+        <p14:creationId xmlns:p14="http://schemas.microsoft.com/office/powerpoint/2010/main" val="2227206741"/>
       </p:ext>
     </p:extLst>
   </p:cSld>
@@ -4339,14 +4842,6 @@
 <file path=ppt/slides/slide16.xml><?xml version="1.0" encoding="utf-8"?>
 <p:sld xmlns:a="http://schemas.openxmlformats.org/drawingml/2006/main" xmlns:r="http://schemas.openxmlformats.org/officeDocument/2006/relationships" xmlns:p="http://schemas.openxmlformats.org/presentationml/2006/main">
   <p:cSld>
-    <p:bg>
-      <p:bgPr>
-        <a:solidFill>
-          <a:schemeClr val="tx1"/>
-        </a:solidFill>
-        <a:effectLst/>
-      </p:bgPr>
-    </p:bg>
     <p:spTree>
       <p:nvGrpSpPr>
         <p:cNvPr id="1" name=""/>
@@ -4361,447 +4856,46 @@
           <a:chExt cx="0" cy="0"/>
         </a:xfrm>
       </p:grpSpPr>
-      <p:sp>
-        <p:nvSpPr>
-          <p:cNvPr id="4" name="CasellaDiTesto 3">
-            <a:extLst>
-              <a:ext uri="{FF2B5EF4-FFF2-40B4-BE49-F238E27FC236}">
-                <a16:creationId xmlns:a16="http://schemas.microsoft.com/office/drawing/2014/main" id="{0A75E91D-8DE3-4A1B-97A8-DBD62CF39FB0}"/>
-              </a:ext>
-            </a:extLst>
-          </p:cNvPr>
-          <p:cNvSpPr txBox="1"/>
+      <p:pic>
+        <p:nvPicPr>
+          <p:cNvPr id="5" name="Immagine 4">
+            <a:extLst>
+              <a:ext uri="{FF2B5EF4-FFF2-40B4-BE49-F238E27FC236}">
+                <a16:creationId xmlns:a16="http://schemas.microsoft.com/office/drawing/2014/main" id="{EE06143D-AB9D-40A2-B64A-37EE2E1D1F77}"/>
+              </a:ext>
+            </a:extLst>
+          </p:cNvPr>
+          <p:cNvPicPr>
+            <a:picLocks noChangeAspect="1"/>
+          </p:cNvPicPr>
           <p:nvPr/>
-        </p:nvSpPr>
+        </p:nvPicPr>
+        <p:blipFill>
+          <a:blip r:embed="rId2">
+            <a:extLst>
+              <a:ext uri="{28A0092B-C50C-407E-A947-70E740481C1C}">
+                <a14:useLocalDpi xmlns:a14="http://schemas.microsoft.com/office/drawing/2010/main" val="0"/>
+              </a:ext>
+            </a:extLst>
+          </a:blip>
+          <a:stretch>
+            <a:fillRect/>
+          </a:stretch>
+        </p:blipFill>
         <p:spPr>
           <a:xfrm>
-            <a:off x="508000" y="424873"/>
-            <a:ext cx="3580674" cy="2893100"/>
+            <a:off x="836341" y="0"/>
+            <a:ext cx="10549054" cy="6858000"/>
           </a:xfrm>
           <a:prstGeom prst="rect">
             <a:avLst/>
           </a:prstGeom>
-          <a:noFill/>
         </p:spPr>
-        <p:txBody>
-          <a:bodyPr wrap="square" rtlCol="0">
-            <a:spAutoFit/>
-          </a:bodyPr>
-          <a:lstStyle/>
-          <a:p>
-            <a:r>
-              <a:rPr lang="it-IT" sz="2800" dirty="0">
-                <a:solidFill>
-                  <a:schemeClr val="bg1"/>
-                </a:solidFill>
-              </a:rPr>
-              <a:t>	Model:</a:t>
-            </a:r>
-            <a:endParaRPr lang="it-IT" sz="1400" dirty="0">
-              <a:solidFill>
-                <a:schemeClr val="bg1"/>
-              </a:solidFill>
-            </a:endParaRPr>
-          </a:p>
-          <a:p>
-            <a:endParaRPr lang="it-IT" sz="2800" dirty="0">
-              <a:solidFill>
-                <a:schemeClr val="bg1"/>
-              </a:solidFill>
-            </a:endParaRPr>
-          </a:p>
-          <a:p>
-            <a:pPr marL="285750" indent="-285750">
-              <a:buFont typeface="Arial" panose="020B0604020202020204" pitchFamily="34" charset="0"/>
-              <a:buChar char="•"/>
-            </a:pPr>
-            <a:r>
-              <a:rPr lang="it-IT" dirty="0">
-                <a:solidFill>
-                  <a:schemeClr val="bg1"/>
-                </a:solidFill>
-              </a:rPr>
-              <a:t>ArticleModel;</a:t>
-            </a:r>
-          </a:p>
-          <a:p>
-            <a:pPr marL="285750" indent="-285750">
-              <a:buFont typeface="Arial" panose="020B0604020202020204" pitchFamily="34" charset="0"/>
-              <a:buChar char="•"/>
-            </a:pPr>
-            <a:r>
-              <a:rPr lang="it-IT" dirty="0">
-                <a:solidFill>
-                  <a:schemeClr val="bg1"/>
-                </a:solidFill>
-              </a:rPr>
-              <a:t>CreditCardModel;</a:t>
-            </a:r>
-          </a:p>
-          <a:p>
-            <a:pPr marL="285750" indent="-285750">
-              <a:buFont typeface="Arial" panose="020B0604020202020204" pitchFamily="34" charset="0"/>
-              <a:buChar char="•"/>
-            </a:pPr>
-            <a:r>
-              <a:rPr lang="it-IT" dirty="0">
-                <a:solidFill>
-                  <a:schemeClr val="bg1"/>
-                </a:solidFill>
-              </a:rPr>
-              <a:t>OrderModel;</a:t>
-            </a:r>
-          </a:p>
-          <a:p>
-            <a:pPr marL="285750" indent="-285750">
-              <a:buFont typeface="Arial" panose="020B0604020202020204" pitchFamily="34" charset="0"/>
-              <a:buChar char="•"/>
-            </a:pPr>
-            <a:r>
-              <a:rPr lang="it-IT" dirty="0">
-                <a:solidFill>
-                  <a:schemeClr val="bg1"/>
-                </a:solidFill>
-              </a:rPr>
-              <a:t>PrescriptionModel;</a:t>
-            </a:r>
-          </a:p>
-          <a:p>
-            <a:pPr marL="285750" indent="-285750">
-              <a:buFont typeface="Arial" panose="020B0604020202020204" pitchFamily="34" charset="0"/>
-              <a:buChar char="•"/>
-            </a:pPr>
-            <a:r>
-              <a:rPr lang="it-IT" dirty="0">
-                <a:solidFill>
-                  <a:schemeClr val="bg1"/>
-                </a:solidFill>
-              </a:rPr>
-              <a:t>PromotionModel;</a:t>
-            </a:r>
-          </a:p>
-          <a:p>
-            <a:pPr marL="285750" indent="-285750">
-              <a:buFont typeface="Arial" panose="020B0604020202020204" pitchFamily="34" charset="0"/>
-              <a:buChar char="•"/>
-            </a:pPr>
-            <a:r>
-              <a:rPr lang="it-IT" dirty="0">
-                <a:solidFill>
-                  <a:schemeClr val="bg1"/>
-                </a:solidFill>
-              </a:rPr>
-              <a:t>UserModel;</a:t>
-            </a:r>
-          </a:p>
-          <a:p>
-            <a:pPr marL="285750" indent="-285750">
-              <a:buFont typeface="Arial" panose="020B0604020202020204" pitchFamily="34" charset="0"/>
-              <a:buChar char="•"/>
-            </a:pPr>
-            <a:r>
-              <a:rPr lang="it-IT" dirty="0">
-                <a:solidFill>
-                  <a:schemeClr val="bg1"/>
-                </a:solidFill>
-              </a:rPr>
-              <a:t>DriverManagerConnectionPool.</a:t>
-            </a:r>
-          </a:p>
-        </p:txBody>
-      </p:sp>
-      <p:sp>
-        <p:nvSpPr>
-          <p:cNvPr id="5" name="CasellaDiTesto 4">
-            <a:extLst>
-              <a:ext uri="{FF2B5EF4-FFF2-40B4-BE49-F238E27FC236}">
-                <a16:creationId xmlns:a16="http://schemas.microsoft.com/office/drawing/2014/main" id="{88ACAAB2-359C-468F-A0DA-07FECDD11114}"/>
-              </a:ext>
-            </a:extLst>
-          </p:cNvPr>
-          <p:cNvSpPr txBox="1"/>
-          <p:nvPr/>
-        </p:nvSpPr>
-        <p:spPr>
-          <a:xfrm>
-            <a:off x="8735523" y="421907"/>
-            <a:ext cx="3580674" cy="2616101"/>
-          </a:xfrm>
-          <a:prstGeom prst="rect">
-            <a:avLst/>
-          </a:prstGeom>
-          <a:noFill/>
-        </p:spPr>
-        <p:txBody>
-          <a:bodyPr wrap="square" rtlCol="0">
-            <a:spAutoFit/>
-          </a:bodyPr>
-          <a:lstStyle/>
-          <a:p>
-            <a:r>
-              <a:rPr lang="it-IT" sz="2800" dirty="0">
-                <a:solidFill>
-                  <a:schemeClr val="bg1"/>
-                </a:solidFill>
-              </a:rPr>
-              <a:t>	Control:</a:t>
-            </a:r>
-          </a:p>
-          <a:p>
-            <a:endParaRPr lang="it-IT" sz="2800" dirty="0">
-              <a:solidFill>
-                <a:schemeClr val="bg1"/>
-              </a:solidFill>
-            </a:endParaRPr>
-          </a:p>
-          <a:p>
-            <a:pPr marL="285750" indent="-285750">
-              <a:buFont typeface="Arial" panose="020B0604020202020204" pitchFamily="34" charset="0"/>
-              <a:buChar char="•"/>
-            </a:pPr>
-            <a:r>
-              <a:rPr lang="it-IT" dirty="0">
-                <a:solidFill>
-                  <a:schemeClr val="bg1"/>
-                </a:solidFill>
-              </a:rPr>
-              <a:t>AccessControl;</a:t>
-            </a:r>
-          </a:p>
-          <a:p>
-            <a:pPr marL="285750" indent="-285750">
-              <a:buFont typeface="Arial" panose="020B0604020202020204" pitchFamily="34" charset="0"/>
-              <a:buChar char="•"/>
-            </a:pPr>
-            <a:r>
-              <a:rPr lang="it-IT" dirty="0">
-                <a:solidFill>
-                  <a:schemeClr val="bg1"/>
-                </a:solidFill>
-              </a:rPr>
-              <a:t>ArticleControl;</a:t>
-            </a:r>
-          </a:p>
-          <a:p>
-            <a:pPr marL="285750" indent="-285750">
-              <a:buFont typeface="Arial" panose="020B0604020202020204" pitchFamily="34" charset="0"/>
-              <a:buChar char="•"/>
-            </a:pPr>
-            <a:r>
-              <a:rPr lang="it-IT" dirty="0">
-                <a:solidFill>
-                  <a:schemeClr val="bg1"/>
-                </a:solidFill>
-              </a:rPr>
-              <a:t>ArticlePageControl;</a:t>
-            </a:r>
-          </a:p>
-          <a:p>
-            <a:pPr marL="285750" indent="-285750">
-              <a:buFont typeface="Arial" panose="020B0604020202020204" pitchFamily="34" charset="0"/>
-              <a:buChar char="•"/>
-            </a:pPr>
-            <a:r>
-              <a:rPr lang="it-IT" dirty="0">
-                <a:solidFill>
-                  <a:schemeClr val="bg1"/>
-                </a:solidFill>
-              </a:rPr>
-              <a:t>CheckoutControl;</a:t>
-            </a:r>
-          </a:p>
-          <a:p>
-            <a:pPr marL="285750" indent="-285750">
-              <a:buFont typeface="Arial" panose="020B0604020202020204" pitchFamily="34" charset="0"/>
-              <a:buChar char="•"/>
-            </a:pPr>
-            <a:r>
-              <a:rPr lang="it-IT" dirty="0">
-                <a:solidFill>
-                  <a:schemeClr val="bg1"/>
-                </a:solidFill>
-              </a:rPr>
-              <a:t>PromotionControl;</a:t>
-            </a:r>
-          </a:p>
-          <a:p>
-            <a:pPr marL="285750" indent="-285750">
-              <a:buFont typeface="Arial" panose="020B0604020202020204" pitchFamily="34" charset="0"/>
-              <a:buChar char="•"/>
-            </a:pPr>
-            <a:r>
-              <a:rPr lang="it-IT" dirty="0">
-                <a:solidFill>
-                  <a:schemeClr val="bg1"/>
-                </a:solidFill>
-              </a:rPr>
-              <a:t>UserControl.</a:t>
-            </a:r>
-          </a:p>
-        </p:txBody>
-      </p:sp>
-      <p:sp>
-        <p:nvSpPr>
-          <p:cNvPr id="7" name="CasellaDiTesto 6">
-            <a:extLst>
-              <a:ext uri="{FF2B5EF4-FFF2-40B4-BE49-F238E27FC236}">
-                <a16:creationId xmlns:a16="http://schemas.microsoft.com/office/drawing/2014/main" id="{17EE13B9-751D-4821-B030-7CF1DDBA6C57}"/>
-              </a:ext>
-            </a:extLst>
-          </p:cNvPr>
-          <p:cNvSpPr txBox="1"/>
-          <p:nvPr/>
-        </p:nvSpPr>
-        <p:spPr>
-          <a:xfrm>
-            <a:off x="4820193" y="3621500"/>
-            <a:ext cx="2625634" cy="2900794"/>
-          </a:xfrm>
-          <a:prstGeom prst="rect">
-            <a:avLst/>
-          </a:prstGeom>
-          <a:noFill/>
-        </p:spPr>
-        <p:txBody>
-          <a:bodyPr wrap="square" rtlCol="0">
-            <a:spAutoFit/>
-          </a:bodyPr>
-          <a:lstStyle/>
-          <a:p>
-            <a:r>
-              <a:rPr lang="it-IT" sz="2800" dirty="0">
-                <a:solidFill>
-                  <a:schemeClr val="bg1"/>
-                </a:solidFill>
-              </a:rPr>
-              <a:t>	JSP:</a:t>
-            </a:r>
-          </a:p>
-          <a:p>
-            <a:endParaRPr lang="it-IT" sz="1050" dirty="0">
-              <a:solidFill>
-                <a:schemeClr val="bg1"/>
-              </a:solidFill>
-            </a:endParaRPr>
-          </a:p>
-          <a:p>
-            <a:pPr marL="285750" indent="-285750">
-              <a:buFont typeface="Arial" panose="020B0604020202020204" pitchFamily="34" charset="0"/>
-              <a:buChar char="•"/>
-            </a:pPr>
-            <a:r>
-              <a:rPr lang="it-IT" dirty="0">
-                <a:solidFill>
-                  <a:schemeClr val="bg1"/>
-                </a:solidFill>
-              </a:rPr>
-              <a:t>AccessView;</a:t>
-            </a:r>
-          </a:p>
-          <a:p>
-            <a:pPr marL="285750" indent="-285750">
-              <a:buFont typeface="Arial" panose="020B0604020202020204" pitchFamily="34" charset="0"/>
-              <a:buChar char="•"/>
-            </a:pPr>
-            <a:r>
-              <a:rPr lang="it-IT" dirty="0">
-                <a:solidFill>
-                  <a:schemeClr val="bg1"/>
-                </a:solidFill>
-              </a:rPr>
-              <a:t>ArticlePageView;</a:t>
-            </a:r>
-          </a:p>
-          <a:p>
-            <a:pPr marL="285750" indent="-285750">
-              <a:buFont typeface="Arial" panose="020B0604020202020204" pitchFamily="34" charset="0"/>
-              <a:buChar char="•"/>
-            </a:pPr>
-            <a:r>
-              <a:rPr lang="it-IT" dirty="0">
-                <a:solidFill>
-                  <a:schemeClr val="bg1"/>
-                </a:solidFill>
-              </a:rPr>
-              <a:t>ArticleView;</a:t>
-            </a:r>
-          </a:p>
-          <a:p>
-            <a:pPr marL="285750" indent="-285750">
-              <a:buFont typeface="Arial" panose="020B0604020202020204" pitchFamily="34" charset="0"/>
-              <a:buChar char="•"/>
-            </a:pPr>
-            <a:r>
-              <a:rPr lang="it-IT" dirty="0">
-                <a:solidFill>
-                  <a:schemeClr val="bg1"/>
-                </a:solidFill>
-              </a:rPr>
-              <a:t>CheckoutView;</a:t>
-            </a:r>
-          </a:p>
-          <a:p>
-            <a:pPr marL="285750" indent="-285750">
-              <a:buFont typeface="Arial" panose="020B0604020202020204" pitchFamily="34" charset="0"/>
-              <a:buChar char="•"/>
-            </a:pPr>
-            <a:r>
-              <a:rPr lang="it-IT" dirty="0">
-                <a:solidFill>
-                  <a:schemeClr val="bg1"/>
-                </a:solidFill>
-              </a:rPr>
-              <a:t>Header;</a:t>
-            </a:r>
-          </a:p>
-          <a:p>
-            <a:pPr marL="285750" indent="-285750">
-              <a:buFont typeface="Arial" panose="020B0604020202020204" pitchFamily="34" charset="0"/>
-              <a:buChar char="•"/>
-            </a:pPr>
-            <a:r>
-              <a:rPr lang="it-IT" dirty="0">
-                <a:solidFill>
-                  <a:schemeClr val="bg1"/>
-                </a:solidFill>
-              </a:rPr>
-              <a:t>OrderView;</a:t>
-            </a:r>
-          </a:p>
-          <a:p>
-            <a:pPr marL="285750" indent="-285750">
-              <a:buFont typeface="Arial" panose="020B0604020202020204" pitchFamily="34" charset="0"/>
-              <a:buChar char="•"/>
-            </a:pPr>
-            <a:r>
-              <a:rPr lang="it-IT" dirty="0">
-                <a:solidFill>
-                  <a:schemeClr val="bg1"/>
-                </a:solidFill>
-              </a:rPr>
-              <a:t>PromotionView;</a:t>
-            </a:r>
-          </a:p>
-          <a:p>
-            <a:pPr marL="285750" indent="-285750">
-              <a:buFont typeface="Arial" panose="020B0604020202020204" pitchFamily="34" charset="0"/>
-              <a:buChar char="•"/>
-            </a:pPr>
-            <a:r>
-              <a:rPr lang="it-IT" dirty="0">
-                <a:solidFill>
-                  <a:schemeClr val="bg1"/>
-                </a:solidFill>
-              </a:rPr>
-              <a:t>UserView.</a:t>
-            </a:r>
-          </a:p>
-        </p:txBody>
-      </p:sp>
+      </p:pic>
     </p:spTree>
     <p:extLst>
       <p:ext uri="{BB962C8B-B14F-4D97-AF65-F5344CB8AC3E}">
-        <p14:creationId xmlns:p14="http://schemas.microsoft.com/office/powerpoint/2010/main" val="301205180"/>
+        <p14:creationId xmlns:p14="http://schemas.microsoft.com/office/powerpoint/2010/main" val="2794500397"/>
       </p:ext>
     </p:extLst>
   </p:cSld>
@@ -4838,376 +4932,39 @@
       </p:grpSpPr>
       <p:sp>
         <p:nvSpPr>
-          <p:cNvPr id="6" name="CasellaDiTesto 5">
-            <a:extLst>
-              <a:ext uri="{FF2B5EF4-FFF2-40B4-BE49-F238E27FC236}">
-                <a16:creationId xmlns:a16="http://schemas.microsoft.com/office/drawing/2014/main" id="{955C4468-E3EA-4621-B004-432C00BA0E92}"/>
-              </a:ext>
-            </a:extLst>
-          </p:cNvPr>
-          <p:cNvSpPr txBox="1"/>
-          <p:nvPr/>
+          <p:cNvPr id="2" name="Titolo 1">
+            <a:extLst>
+              <a:ext uri="{FF2B5EF4-FFF2-40B4-BE49-F238E27FC236}">
+                <a16:creationId xmlns:a16="http://schemas.microsoft.com/office/drawing/2014/main" id="{833CBE6A-8F11-47AE-8A9D-A76A8FC0DFE1}"/>
+              </a:ext>
+            </a:extLst>
+          </p:cNvPr>
+          <p:cNvSpPr>
+            <a:spLocks noGrp="1"/>
+          </p:cNvSpPr>
+          <p:nvPr>
+            <p:ph type="title"/>
+          </p:nvPr>
         </p:nvSpPr>
         <p:spPr>
           <a:xfrm>
-            <a:off x="7611291" y="1537063"/>
-            <a:ext cx="2625634" cy="2623795"/>
+            <a:off x="1787236" y="2184689"/>
+            <a:ext cx="10515600" cy="1325563"/>
           </a:xfrm>
-          <a:prstGeom prst="rect">
-            <a:avLst/>
-          </a:prstGeom>
-          <a:noFill/>
         </p:spPr>
         <p:txBody>
-          <a:bodyPr wrap="square" rtlCol="0">
-            <a:spAutoFit/>
+          <a:bodyPr>
+            <a:normAutofit/>
           </a:bodyPr>
           <a:lstStyle/>
           <a:p>
             <a:r>
-              <a:rPr lang="it-IT" sz="2800" dirty="0">
-                <a:solidFill>
-                  <a:schemeClr val="bg1"/>
-                </a:solidFill>
-              </a:rPr>
-              <a:t>	JS:</a:t>
-            </a:r>
-          </a:p>
-          <a:p>
-            <a:endParaRPr lang="it-IT" sz="1050" dirty="0">
-              <a:solidFill>
-                <a:schemeClr val="bg1"/>
-              </a:solidFill>
-            </a:endParaRPr>
-          </a:p>
-          <a:p>
-            <a:pPr marL="285750" indent="-285750">
-              <a:buFont typeface="Arial" panose="020B0604020202020204" pitchFamily="34" charset="0"/>
-              <a:buChar char="•"/>
-            </a:pPr>
-            <a:r>
-              <a:rPr lang="it-IT" dirty="0">
-                <a:solidFill>
-                  <a:schemeClr val="bg1"/>
-                </a:solidFill>
-              </a:rPr>
-              <a:t>access-</a:t>
-            </a:r>
-            <a:r>
-              <a:rPr lang="it-IT" dirty="0" err="1">
-                <a:solidFill>
-                  <a:schemeClr val="bg1"/>
-                </a:solidFill>
-              </a:rPr>
-              <a:t>validation</a:t>
-            </a:r>
-            <a:r>
-              <a:rPr lang="it-IT" dirty="0">
-                <a:solidFill>
-                  <a:schemeClr val="bg1"/>
-                </a:solidFill>
-              </a:rPr>
-              <a:t>;</a:t>
-            </a:r>
-          </a:p>
-          <a:p>
-            <a:pPr marL="285750" indent="-285750">
-              <a:buFont typeface="Arial" panose="020B0604020202020204" pitchFamily="34" charset="0"/>
-              <a:buChar char="•"/>
-            </a:pPr>
-            <a:r>
-              <a:rPr lang="it-IT" dirty="0">
-                <a:solidFill>
-                  <a:schemeClr val="bg1"/>
-                </a:solidFill>
-              </a:rPr>
-              <a:t>article-page;</a:t>
-            </a:r>
-          </a:p>
-          <a:p>
-            <a:pPr marL="285750" indent="-285750">
-              <a:buFont typeface="Arial" panose="020B0604020202020204" pitchFamily="34" charset="0"/>
-              <a:buChar char="•"/>
-            </a:pPr>
-            <a:r>
-              <a:rPr lang="it-IT" dirty="0">
-                <a:solidFill>
-                  <a:schemeClr val="bg1"/>
-                </a:solidFill>
-              </a:rPr>
-              <a:t>article;</a:t>
-            </a:r>
-          </a:p>
-          <a:p>
-            <a:pPr marL="285750" indent="-285750">
-              <a:buFont typeface="Arial" panose="020B0604020202020204" pitchFamily="34" charset="0"/>
-              <a:buChar char="•"/>
-            </a:pPr>
-            <a:r>
-              <a:rPr lang="it-IT" dirty="0">
-                <a:solidFill>
-                  <a:schemeClr val="bg1"/>
-                </a:solidFill>
-              </a:rPr>
-              <a:t>bootstrap;</a:t>
-            </a:r>
-          </a:p>
-          <a:p>
-            <a:pPr marL="285750" indent="-285750">
-              <a:buFont typeface="Arial" panose="020B0604020202020204" pitchFamily="34" charset="0"/>
-              <a:buChar char="•"/>
-            </a:pPr>
-            <a:r>
-              <a:rPr lang="it-IT" dirty="0">
-                <a:solidFill>
-                  <a:schemeClr val="bg1"/>
-                </a:solidFill>
-              </a:rPr>
-              <a:t>promotion;</a:t>
-            </a:r>
-          </a:p>
-          <a:p>
-            <a:pPr marL="285750" indent="-285750">
-              <a:buFont typeface="Arial" panose="020B0604020202020204" pitchFamily="34" charset="0"/>
-              <a:buChar char="•"/>
-            </a:pPr>
-            <a:r>
-              <a:rPr lang="it-IT" dirty="0">
-                <a:solidFill>
-                  <a:schemeClr val="bg1"/>
-                </a:solidFill>
-              </a:rPr>
-              <a:t>user;</a:t>
-            </a:r>
-          </a:p>
-          <a:p>
-            <a:pPr marL="285750" indent="-285750">
-              <a:buFont typeface="Arial" panose="020B0604020202020204" pitchFamily="34" charset="0"/>
-              <a:buChar char="•"/>
-            </a:pPr>
-            <a:r>
-              <a:rPr lang="it-IT" dirty="0" err="1">
-                <a:solidFill>
-                  <a:schemeClr val="bg1"/>
-                </a:solidFill>
-              </a:rPr>
-              <a:t>util</a:t>
-            </a:r>
-            <a:r>
-              <a:rPr lang="it-IT" dirty="0">
-                <a:solidFill>
-                  <a:schemeClr val="bg1"/>
-                </a:solidFill>
-              </a:rPr>
-              <a:t>.</a:t>
-            </a:r>
-          </a:p>
-        </p:txBody>
-      </p:sp>
-      <p:sp>
-        <p:nvSpPr>
-          <p:cNvPr id="7" name="CasellaDiTesto 6">
-            <a:extLst>
-              <a:ext uri="{FF2B5EF4-FFF2-40B4-BE49-F238E27FC236}">
-                <a16:creationId xmlns:a16="http://schemas.microsoft.com/office/drawing/2014/main" id="{33E2E6EF-F9AA-47A8-BE70-9ED9F4D1D847}"/>
-              </a:ext>
-            </a:extLst>
-          </p:cNvPr>
-          <p:cNvSpPr txBox="1"/>
-          <p:nvPr/>
-        </p:nvSpPr>
-        <p:spPr>
-          <a:xfrm>
-            <a:off x="2244468" y="1537063"/>
-            <a:ext cx="3580674" cy="4001095"/>
-          </a:xfrm>
-          <a:prstGeom prst="rect">
-            <a:avLst/>
-          </a:prstGeom>
-          <a:noFill/>
-        </p:spPr>
-        <p:txBody>
-          <a:bodyPr wrap="square" rtlCol="0">
-            <a:spAutoFit/>
-          </a:bodyPr>
-          <a:lstStyle/>
-          <a:p>
-            <a:r>
-              <a:rPr lang="it-IT" dirty="0">
-                <a:solidFill>
-                  <a:schemeClr val="bg1"/>
-                </a:solidFill>
-              </a:rPr>
-              <a:t>	</a:t>
-            </a:r>
-            <a:r>
-              <a:rPr lang="it-IT" sz="2800" dirty="0">
-                <a:solidFill>
-                  <a:schemeClr val="bg1"/>
-                </a:solidFill>
-              </a:rPr>
-              <a:t>Support:</a:t>
-            </a:r>
-          </a:p>
-          <a:p>
-            <a:endParaRPr lang="it-IT" sz="2800" dirty="0">
-              <a:solidFill>
-                <a:schemeClr val="bg1"/>
-              </a:solidFill>
-            </a:endParaRPr>
-          </a:p>
-          <a:p>
-            <a:pPr marL="285750" indent="-285750">
-              <a:buFont typeface="Arial" panose="020B0604020202020204" pitchFamily="34" charset="0"/>
-              <a:buChar char="•"/>
-            </a:pPr>
-            <a:r>
-              <a:rPr lang="it-IT" dirty="0">
-                <a:solidFill>
-                  <a:schemeClr val="bg1"/>
-                </a:solidFill>
-              </a:rPr>
-              <a:t>AdminBean;</a:t>
-            </a:r>
-          </a:p>
-          <a:p>
-            <a:pPr marL="285750" indent="-285750">
-              <a:buFont typeface="Arial" panose="020B0604020202020204" pitchFamily="34" charset="0"/>
-              <a:buChar char="•"/>
-            </a:pPr>
-            <a:r>
-              <a:rPr lang="it-IT" dirty="0">
-                <a:solidFill>
-                  <a:schemeClr val="bg1"/>
-                </a:solidFill>
-              </a:rPr>
-              <a:t>ArticleBean;</a:t>
-            </a:r>
-          </a:p>
-          <a:p>
-            <a:pPr marL="285750" indent="-285750">
-              <a:buFont typeface="Arial" panose="020B0604020202020204" pitchFamily="34" charset="0"/>
-              <a:buChar char="•"/>
-            </a:pPr>
-            <a:r>
-              <a:rPr lang="it-IT" dirty="0">
-                <a:solidFill>
-                  <a:schemeClr val="bg1"/>
-                </a:solidFill>
-              </a:rPr>
-              <a:t>Cart;</a:t>
-            </a:r>
-          </a:p>
-          <a:p>
-            <a:pPr marL="285750" indent="-285750">
-              <a:buFont typeface="Arial" panose="020B0604020202020204" pitchFamily="34" charset="0"/>
-              <a:buChar char="•"/>
-            </a:pPr>
-            <a:r>
-              <a:rPr lang="it-IT" dirty="0">
-                <a:solidFill>
-                  <a:schemeClr val="bg1"/>
-                </a:solidFill>
-              </a:rPr>
-              <a:t>CartArticle;</a:t>
-            </a:r>
-          </a:p>
-          <a:p>
-            <a:pPr marL="285750" indent="-285750">
-              <a:buFont typeface="Arial" panose="020B0604020202020204" pitchFamily="34" charset="0"/>
-              <a:buChar char="•"/>
-            </a:pPr>
-            <a:r>
-              <a:rPr lang="it-IT" dirty="0">
-                <a:solidFill>
-                  <a:schemeClr val="bg1"/>
-                </a:solidFill>
-              </a:rPr>
-              <a:t>ContactLensesBean;</a:t>
-            </a:r>
-          </a:p>
-          <a:p>
-            <a:pPr marL="285750" indent="-285750">
-              <a:buFont typeface="Arial" panose="020B0604020202020204" pitchFamily="34" charset="0"/>
-              <a:buChar char="•"/>
-            </a:pPr>
-            <a:r>
-              <a:rPr lang="it-IT" dirty="0">
-                <a:solidFill>
-                  <a:schemeClr val="bg1"/>
-                </a:solidFill>
-              </a:rPr>
-              <a:t>CreditCardBean;</a:t>
-            </a:r>
-          </a:p>
-          <a:p>
-            <a:pPr marL="285750" indent="-285750">
-              <a:buFont typeface="Arial" panose="020B0604020202020204" pitchFamily="34" charset="0"/>
-              <a:buChar char="•"/>
-            </a:pPr>
-            <a:r>
-              <a:rPr lang="it-IT" dirty="0">
-                <a:solidFill>
-                  <a:schemeClr val="bg1"/>
-                </a:solidFill>
-              </a:rPr>
-              <a:t>GlassesBean;</a:t>
-            </a:r>
-          </a:p>
-          <a:p>
-            <a:pPr marL="285750" indent="-285750">
-              <a:buFont typeface="Arial" panose="020B0604020202020204" pitchFamily="34" charset="0"/>
-              <a:buChar char="•"/>
-            </a:pPr>
-            <a:r>
-              <a:rPr lang="it-IT" dirty="0">
-                <a:solidFill>
-                  <a:schemeClr val="bg1"/>
-                </a:solidFill>
-              </a:rPr>
-              <a:t>OrderBean;</a:t>
-            </a:r>
-          </a:p>
-          <a:p>
-            <a:pPr marL="285750" indent="-285750">
-              <a:buFont typeface="Arial" panose="020B0604020202020204" pitchFamily="34" charset="0"/>
-              <a:buChar char="•"/>
-            </a:pPr>
-            <a:r>
-              <a:rPr lang="it-IT" dirty="0">
-                <a:solidFill>
-                  <a:schemeClr val="bg1"/>
-                </a:solidFill>
-              </a:rPr>
-              <a:t>PrescriptionBean;</a:t>
-            </a:r>
-          </a:p>
-          <a:p>
-            <a:pPr marL="285750" indent="-285750">
-              <a:buFont typeface="Arial" panose="020B0604020202020204" pitchFamily="34" charset="0"/>
-              <a:buChar char="•"/>
-            </a:pPr>
-            <a:r>
-              <a:rPr lang="it-IT" dirty="0">
-                <a:solidFill>
-                  <a:schemeClr val="bg1"/>
-                </a:solidFill>
-              </a:rPr>
-              <a:t>PromotionBean;</a:t>
-            </a:r>
-          </a:p>
-          <a:p>
-            <a:pPr marL="285750" indent="-285750">
-              <a:buFont typeface="Arial" panose="020B0604020202020204" pitchFamily="34" charset="0"/>
-              <a:buChar char="•"/>
-            </a:pPr>
-            <a:r>
-              <a:rPr lang="it-IT" dirty="0">
-                <a:solidFill>
-                  <a:schemeClr val="bg1"/>
-                </a:solidFill>
-              </a:rPr>
-              <a:t>UserBean.</a:t>
+              <a:rPr lang="it-IT" sz="6000" dirty="0">
+                <a:solidFill>
+                  <a:schemeClr val="bg1"/>
+                </a:solidFill>
+              </a:rPr>
+              <a:t>ARCHITETTURA SOFTWARE</a:t>
             </a:r>
           </a:p>
         </p:txBody>
@@ -5215,7 +4972,7 @@
     </p:spTree>
     <p:extLst>
       <p:ext uri="{BB962C8B-B14F-4D97-AF65-F5344CB8AC3E}">
-        <p14:creationId xmlns:p14="http://schemas.microsoft.com/office/powerpoint/2010/main" val="2082542765"/>
+        <p14:creationId xmlns:p14="http://schemas.microsoft.com/office/powerpoint/2010/main" val="3425339582"/>
       </p:ext>
     </p:extLst>
   </p:cSld>
@@ -5252,39 +5009,437 @@
       </p:grpSpPr>
       <p:sp>
         <p:nvSpPr>
-          <p:cNvPr id="2" name="Titolo 1">
-            <a:extLst>
-              <a:ext uri="{FF2B5EF4-FFF2-40B4-BE49-F238E27FC236}">
-                <a16:creationId xmlns:a16="http://schemas.microsoft.com/office/drawing/2014/main" id="{5374032D-0AD2-49C4-BD1A-734E57568EC3}"/>
-              </a:ext>
-            </a:extLst>
-          </p:cNvPr>
-          <p:cNvSpPr>
-            <a:spLocks noGrp="1"/>
-          </p:cNvSpPr>
-          <p:nvPr>
-            <p:ph type="title"/>
-          </p:nvPr>
+          <p:cNvPr id="4" name="CasellaDiTesto 3">
+            <a:extLst>
+              <a:ext uri="{FF2B5EF4-FFF2-40B4-BE49-F238E27FC236}">
+                <a16:creationId xmlns:a16="http://schemas.microsoft.com/office/drawing/2014/main" id="{0A75E91D-8DE3-4A1B-97A8-DBD62CF39FB0}"/>
+              </a:ext>
+            </a:extLst>
+          </p:cNvPr>
+          <p:cNvSpPr txBox="1"/>
+          <p:nvPr/>
         </p:nvSpPr>
         <p:spPr>
           <a:xfrm>
-            <a:off x="1086394" y="2272302"/>
-            <a:ext cx="10515600" cy="1325563"/>
+            <a:off x="508000" y="424873"/>
+            <a:ext cx="3580674" cy="2893100"/>
           </a:xfrm>
+          <a:prstGeom prst="rect">
+            <a:avLst/>
+          </a:prstGeom>
+          <a:noFill/>
         </p:spPr>
         <p:txBody>
-          <a:bodyPr>
-            <a:normAutofit/>
+          <a:bodyPr wrap="square" rtlCol="0">
+            <a:spAutoFit/>
           </a:bodyPr>
           <a:lstStyle/>
           <a:p>
             <a:r>
-              <a:rPr lang="it-IT" sz="6000" dirty="0">
-                <a:solidFill>
-                  <a:schemeClr val="bg1"/>
-                </a:solidFill>
-              </a:rPr>
-              <a:t>MODELLO RELAZIONALE DEL DB</a:t>
+              <a:rPr lang="it-IT" sz="2800" dirty="0">
+                <a:solidFill>
+                  <a:schemeClr val="bg1"/>
+                </a:solidFill>
+              </a:rPr>
+              <a:t>	Model:</a:t>
+            </a:r>
+            <a:endParaRPr lang="it-IT" sz="1400" dirty="0">
+              <a:solidFill>
+                <a:schemeClr val="bg1"/>
+              </a:solidFill>
+            </a:endParaRPr>
+          </a:p>
+          <a:p>
+            <a:endParaRPr lang="it-IT" sz="2800" dirty="0">
+              <a:solidFill>
+                <a:schemeClr val="bg1"/>
+              </a:solidFill>
+            </a:endParaRPr>
+          </a:p>
+          <a:p>
+            <a:pPr marL="285750" indent="-285750">
+              <a:buFont typeface="Arial" panose="020B0604020202020204" pitchFamily="34" charset="0"/>
+              <a:buChar char="•"/>
+            </a:pPr>
+            <a:r>
+              <a:rPr lang="it-IT" dirty="0">
+                <a:solidFill>
+                  <a:schemeClr val="bg1"/>
+                </a:solidFill>
+              </a:rPr>
+              <a:t>ArticleModel;</a:t>
+            </a:r>
+          </a:p>
+          <a:p>
+            <a:pPr marL="285750" indent="-285750">
+              <a:buFont typeface="Arial" panose="020B0604020202020204" pitchFamily="34" charset="0"/>
+              <a:buChar char="•"/>
+            </a:pPr>
+            <a:r>
+              <a:rPr lang="it-IT" dirty="0">
+                <a:solidFill>
+                  <a:schemeClr val="bg1"/>
+                </a:solidFill>
+              </a:rPr>
+              <a:t>CreditCardModel;</a:t>
+            </a:r>
+          </a:p>
+          <a:p>
+            <a:pPr marL="285750" indent="-285750">
+              <a:buFont typeface="Arial" panose="020B0604020202020204" pitchFamily="34" charset="0"/>
+              <a:buChar char="•"/>
+            </a:pPr>
+            <a:r>
+              <a:rPr lang="it-IT" dirty="0">
+                <a:solidFill>
+                  <a:schemeClr val="bg1"/>
+                </a:solidFill>
+              </a:rPr>
+              <a:t>OrderModel;</a:t>
+            </a:r>
+          </a:p>
+          <a:p>
+            <a:pPr marL="285750" indent="-285750">
+              <a:buFont typeface="Arial" panose="020B0604020202020204" pitchFamily="34" charset="0"/>
+              <a:buChar char="•"/>
+            </a:pPr>
+            <a:r>
+              <a:rPr lang="it-IT" dirty="0">
+                <a:solidFill>
+                  <a:schemeClr val="bg1"/>
+                </a:solidFill>
+              </a:rPr>
+              <a:t>PrescriptionModel;</a:t>
+            </a:r>
+          </a:p>
+          <a:p>
+            <a:pPr marL="285750" indent="-285750">
+              <a:buFont typeface="Arial" panose="020B0604020202020204" pitchFamily="34" charset="0"/>
+              <a:buChar char="•"/>
+            </a:pPr>
+            <a:r>
+              <a:rPr lang="it-IT" dirty="0">
+                <a:solidFill>
+                  <a:schemeClr val="bg1"/>
+                </a:solidFill>
+              </a:rPr>
+              <a:t>PromotionModel;</a:t>
+            </a:r>
+          </a:p>
+          <a:p>
+            <a:pPr marL="285750" indent="-285750">
+              <a:buFont typeface="Arial" panose="020B0604020202020204" pitchFamily="34" charset="0"/>
+              <a:buChar char="•"/>
+            </a:pPr>
+            <a:r>
+              <a:rPr lang="it-IT" dirty="0">
+                <a:solidFill>
+                  <a:schemeClr val="bg1"/>
+                </a:solidFill>
+              </a:rPr>
+              <a:t>UserModel;</a:t>
+            </a:r>
+          </a:p>
+          <a:p>
+            <a:pPr marL="285750" indent="-285750">
+              <a:buFont typeface="Arial" panose="020B0604020202020204" pitchFamily="34" charset="0"/>
+              <a:buChar char="•"/>
+            </a:pPr>
+            <a:r>
+              <a:rPr lang="it-IT" dirty="0">
+                <a:solidFill>
+                  <a:schemeClr val="bg1"/>
+                </a:solidFill>
+              </a:rPr>
+              <a:t>DriverManagerConnectionPool.</a:t>
+            </a:r>
+          </a:p>
+        </p:txBody>
+      </p:sp>
+      <p:sp>
+        <p:nvSpPr>
+          <p:cNvPr id="5" name="CasellaDiTesto 4">
+            <a:extLst>
+              <a:ext uri="{FF2B5EF4-FFF2-40B4-BE49-F238E27FC236}">
+                <a16:creationId xmlns:a16="http://schemas.microsoft.com/office/drawing/2014/main" id="{88ACAAB2-359C-468F-A0DA-07FECDD11114}"/>
+              </a:ext>
+            </a:extLst>
+          </p:cNvPr>
+          <p:cNvSpPr txBox="1"/>
+          <p:nvPr/>
+        </p:nvSpPr>
+        <p:spPr>
+          <a:xfrm>
+            <a:off x="8735523" y="421907"/>
+            <a:ext cx="3580674" cy="2616101"/>
+          </a:xfrm>
+          <a:prstGeom prst="rect">
+            <a:avLst/>
+          </a:prstGeom>
+          <a:noFill/>
+        </p:spPr>
+        <p:txBody>
+          <a:bodyPr wrap="square" rtlCol="0">
+            <a:spAutoFit/>
+          </a:bodyPr>
+          <a:lstStyle/>
+          <a:p>
+            <a:r>
+              <a:rPr lang="it-IT" sz="2800" dirty="0">
+                <a:solidFill>
+                  <a:schemeClr val="bg1"/>
+                </a:solidFill>
+              </a:rPr>
+              <a:t>	Control:</a:t>
+            </a:r>
+          </a:p>
+          <a:p>
+            <a:endParaRPr lang="it-IT" sz="2800" dirty="0">
+              <a:solidFill>
+                <a:schemeClr val="bg1"/>
+              </a:solidFill>
+            </a:endParaRPr>
+          </a:p>
+          <a:p>
+            <a:pPr marL="285750" indent="-285750">
+              <a:buFont typeface="Arial" panose="020B0604020202020204" pitchFamily="34" charset="0"/>
+              <a:buChar char="•"/>
+            </a:pPr>
+            <a:r>
+              <a:rPr lang="it-IT" dirty="0">
+                <a:solidFill>
+                  <a:schemeClr val="bg1"/>
+                </a:solidFill>
+              </a:rPr>
+              <a:t>AccessControl;</a:t>
+            </a:r>
+          </a:p>
+          <a:p>
+            <a:pPr marL="285750" indent="-285750">
+              <a:buFont typeface="Arial" panose="020B0604020202020204" pitchFamily="34" charset="0"/>
+              <a:buChar char="•"/>
+            </a:pPr>
+            <a:r>
+              <a:rPr lang="it-IT" dirty="0">
+                <a:solidFill>
+                  <a:schemeClr val="bg1"/>
+                </a:solidFill>
+              </a:rPr>
+              <a:t>ArticleControl;</a:t>
+            </a:r>
+          </a:p>
+          <a:p>
+            <a:pPr marL="285750" indent="-285750">
+              <a:buFont typeface="Arial" panose="020B0604020202020204" pitchFamily="34" charset="0"/>
+              <a:buChar char="•"/>
+            </a:pPr>
+            <a:r>
+              <a:rPr lang="it-IT" dirty="0">
+                <a:solidFill>
+                  <a:schemeClr val="bg1"/>
+                </a:solidFill>
+              </a:rPr>
+              <a:t>ArticlePageControl;</a:t>
+            </a:r>
+          </a:p>
+          <a:p>
+            <a:pPr marL="285750" indent="-285750">
+              <a:buFont typeface="Arial" panose="020B0604020202020204" pitchFamily="34" charset="0"/>
+              <a:buChar char="•"/>
+            </a:pPr>
+            <a:r>
+              <a:rPr lang="it-IT" dirty="0">
+                <a:solidFill>
+                  <a:schemeClr val="bg1"/>
+                </a:solidFill>
+              </a:rPr>
+              <a:t>CheckoutControl;</a:t>
+            </a:r>
+          </a:p>
+          <a:p>
+            <a:pPr marL="285750" indent="-285750">
+              <a:buFont typeface="Arial" panose="020B0604020202020204" pitchFamily="34" charset="0"/>
+              <a:buChar char="•"/>
+            </a:pPr>
+            <a:r>
+              <a:rPr lang="it-IT" dirty="0">
+                <a:solidFill>
+                  <a:schemeClr val="bg1"/>
+                </a:solidFill>
+              </a:rPr>
+              <a:t>PromotionControl;</a:t>
+            </a:r>
+          </a:p>
+          <a:p>
+            <a:pPr marL="285750" indent="-285750">
+              <a:buFont typeface="Arial" panose="020B0604020202020204" pitchFamily="34" charset="0"/>
+              <a:buChar char="•"/>
+            </a:pPr>
+            <a:r>
+              <a:rPr lang="it-IT" dirty="0">
+                <a:solidFill>
+                  <a:schemeClr val="bg1"/>
+                </a:solidFill>
+              </a:rPr>
+              <a:t>UserControl.</a:t>
+            </a:r>
+          </a:p>
+        </p:txBody>
+      </p:sp>
+      <p:sp>
+        <p:nvSpPr>
+          <p:cNvPr id="7" name="CasellaDiTesto 6">
+            <a:extLst>
+              <a:ext uri="{FF2B5EF4-FFF2-40B4-BE49-F238E27FC236}">
+                <a16:creationId xmlns:a16="http://schemas.microsoft.com/office/drawing/2014/main" id="{17EE13B9-751D-4821-B030-7CF1DDBA6C57}"/>
+              </a:ext>
+            </a:extLst>
+          </p:cNvPr>
+          <p:cNvSpPr txBox="1"/>
+          <p:nvPr/>
+        </p:nvSpPr>
+        <p:spPr>
+          <a:xfrm>
+            <a:off x="4820193" y="3621500"/>
+            <a:ext cx="2625634" cy="2900794"/>
+          </a:xfrm>
+          <a:prstGeom prst="rect">
+            <a:avLst/>
+          </a:prstGeom>
+          <a:noFill/>
+        </p:spPr>
+        <p:txBody>
+          <a:bodyPr wrap="square" rtlCol="0">
+            <a:spAutoFit/>
+          </a:bodyPr>
+          <a:lstStyle/>
+          <a:p>
+            <a:r>
+              <a:rPr lang="it-IT" sz="2800" dirty="0">
+                <a:solidFill>
+                  <a:schemeClr val="bg1"/>
+                </a:solidFill>
+              </a:rPr>
+              <a:t>	JSP:</a:t>
+            </a:r>
+          </a:p>
+          <a:p>
+            <a:endParaRPr lang="it-IT" sz="1050" dirty="0">
+              <a:solidFill>
+                <a:schemeClr val="bg1"/>
+              </a:solidFill>
+            </a:endParaRPr>
+          </a:p>
+          <a:p>
+            <a:pPr marL="285750" indent="-285750">
+              <a:buFont typeface="Arial" panose="020B0604020202020204" pitchFamily="34" charset="0"/>
+              <a:buChar char="•"/>
+            </a:pPr>
+            <a:r>
+              <a:rPr lang="it-IT" dirty="0">
+                <a:solidFill>
+                  <a:schemeClr val="bg1"/>
+                </a:solidFill>
+              </a:rPr>
+              <a:t>AccessView;</a:t>
+            </a:r>
+          </a:p>
+          <a:p>
+            <a:pPr marL="285750" indent="-285750">
+              <a:buFont typeface="Arial" panose="020B0604020202020204" pitchFamily="34" charset="0"/>
+              <a:buChar char="•"/>
+            </a:pPr>
+            <a:r>
+              <a:rPr lang="it-IT" dirty="0">
+                <a:solidFill>
+                  <a:schemeClr val="bg1"/>
+                </a:solidFill>
+              </a:rPr>
+              <a:t>ArticlePageView;</a:t>
+            </a:r>
+          </a:p>
+          <a:p>
+            <a:pPr marL="285750" indent="-285750">
+              <a:buFont typeface="Arial" panose="020B0604020202020204" pitchFamily="34" charset="0"/>
+              <a:buChar char="•"/>
+            </a:pPr>
+            <a:r>
+              <a:rPr lang="it-IT" dirty="0">
+                <a:solidFill>
+                  <a:schemeClr val="bg1"/>
+                </a:solidFill>
+              </a:rPr>
+              <a:t>ArticleView;</a:t>
+            </a:r>
+          </a:p>
+          <a:p>
+            <a:pPr marL="285750" indent="-285750">
+              <a:buFont typeface="Arial" panose="020B0604020202020204" pitchFamily="34" charset="0"/>
+              <a:buChar char="•"/>
+            </a:pPr>
+            <a:r>
+              <a:rPr lang="it-IT" dirty="0">
+                <a:solidFill>
+                  <a:schemeClr val="bg1"/>
+                </a:solidFill>
+              </a:rPr>
+              <a:t>CheckoutView;</a:t>
+            </a:r>
+          </a:p>
+          <a:p>
+            <a:pPr marL="285750" indent="-285750">
+              <a:buFont typeface="Arial" panose="020B0604020202020204" pitchFamily="34" charset="0"/>
+              <a:buChar char="•"/>
+            </a:pPr>
+            <a:r>
+              <a:rPr lang="it-IT" dirty="0">
+                <a:solidFill>
+                  <a:schemeClr val="bg1"/>
+                </a:solidFill>
+              </a:rPr>
+              <a:t>Header;</a:t>
+            </a:r>
+          </a:p>
+          <a:p>
+            <a:pPr marL="285750" indent="-285750">
+              <a:buFont typeface="Arial" panose="020B0604020202020204" pitchFamily="34" charset="0"/>
+              <a:buChar char="•"/>
+            </a:pPr>
+            <a:r>
+              <a:rPr lang="it-IT" dirty="0">
+                <a:solidFill>
+                  <a:schemeClr val="bg1"/>
+                </a:solidFill>
+              </a:rPr>
+              <a:t>OrderView;</a:t>
+            </a:r>
+          </a:p>
+          <a:p>
+            <a:pPr marL="285750" indent="-285750">
+              <a:buFont typeface="Arial" panose="020B0604020202020204" pitchFamily="34" charset="0"/>
+              <a:buChar char="•"/>
+            </a:pPr>
+            <a:r>
+              <a:rPr lang="it-IT" dirty="0">
+                <a:solidFill>
+                  <a:schemeClr val="bg1"/>
+                </a:solidFill>
+              </a:rPr>
+              <a:t>PromotionView;</a:t>
+            </a:r>
+          </a:p>
+          <a:p>
+            <a:pPr marL="285750" indent="-285750">
+              <a:buFont typeface="Arial" panose="020B0604020202020204" pitchFamily="34" charset="0"/>
+              <a:buChar char="•"/>
+            </a:pPr>
+            <a:r>
+              <a:rPr lang="it-IT" dirty="0">
+                <a:solidFill>
+                  <a:schemeClr val="bg1"/>
+                </a:solidFill>
+              </a:rPr>
+              <a:t>UserView.</a:t>
             </a:r>
           </a:p>
         </p:txBody>
@@ -5292,7 +5447,7 @@
     </p:spTree>
     <p:extLst>
       <p:ext uri="{BB962C8B-B14F-4D97-AF65-F5344CB8AC3E}">
-        <p14:creationId xmlns:p14="http://schemas.microsoft.com/office/powerpoint/2010/main" val="3547225006"/>
+        <p14:creationId xmlns:p14="http://schemas.microsoft.com/office/powerpoint/2010/main" val="301205180"/>
       </p:ext>
     </p:extLst>
   </p:cSld>
@@ -5305,6 +5460,14 @@
 <file path=ppt/slides/slide19.xml><?xml version="1.0" encoding="utf-8"?>
 <p:sld xmlns:a="http://schemas.openxmlformats.org/drawingml/2006/main" xmlns:r="http://schemas.openxmlformats.org/officeDocument/2006/relationships" xmlns:p="http://schemas.openxmlformats.org/presentationml/2006/main">
   <p:cSld>
+    <p:bg>
+      <p:bgPr>
+        <a:solidFill>
+          <a:schemeClr val="tx1"/>
+        </a:solidFill>
+        <a:effectLst/>
+      </p:bgPr>
+    </p:bg>
     <p:spTree>
       <p:nvGrpSpPr>
         <p:cNvPr id="1" name=""/>
@@ -5319,46 +5482,386 @@
           <a:chExt cx="0" cy="0"/>
         </a:xfrm>
       </p:grpSpPr>
-      <p:pic>
-        <p:nvPicPr>
-          <p:cNvPr id="3" name="Immagine 2">
-            <a:extLst>
-              <a:ext uri="{FF2B5EF4-FFF2-40B4-BE49-F238E27FC236}">
-                <a16:creationId xmlns:a16="http://schemas.microsoft.com/office/drawing/2014/main" id="{28EBF6A9-865C-4379-B696-7DD5CC9F6239}"/>
-              </a:ext>
-            </a:extLst>
-          </p:cNvPr>
-          <p:cNvPicPr>
-            <a:picLocks noChangeAspect="1"/>
-          </p:cNvPicPr>
+      <p:sp>
+        <p:nvSpPr>
+          <p:cNvPr id="6" name="CasellaDiTesto 5">
+            <a:extLst>
+              <a:ext uri="{FF2B5EF4-FFF2-40B4-BE49-F238E27FC236}">
+                <a16:creationId xmlns:a16="http://schemas.microsoft.com/office/drawing/2014/main" id="{955C4468-E3EA-4621-B004-432C00BA0E92}"/>
+              </a:ext>
+            </a:extLst>
+          </p:cNvPr>
+          <p:cNvSpPr txBox="1"/>
           <p:nvPr/>
-        </p:nvPicPr>
-        <p:blipFill>
-          <a:blip r:embed="rId2">
-            <a:extLst>
-              <a:ext uri="{28A0092B-C50C-407E-A947-70E740481C1C}">
-                <a14:useLocalDpi xmlns:a14="http://schemas.microsoft.com/office/drawing/2010/main" val="0"/>
-              </a:ext>
-            </a:extLst>
-          </a:blip>
-          <a:stretch>
-            <a:fillRect/>
-          </a:stretch>
-        </p:blipFill>
+        </p:nvSpPr>
         <p:spPr>
           <a:xfrm>
-            <a:off x="193964" y="138545"/>
-            <a:ext cx="11998036" cy="6354619"/>
+            <a:off x="7611291" y="1537063"/>
+            <a:ext cx="2625634" cy="2623795"/>
           </a:xfrm>
           <a:prstGeom prst="rect">
             <a:avLst/>
           </a:prstGeom>
+          <a:noFill/>
         </p:spPr>
-      </p:pic>
+        <p:txBody>
+          <a:bodyPr wrap="square" rtlCol="0">
+            <a:spAutoFit/>
+          </a:bodyPr>
+          <a:lstStyle/>
+          <a:p>
+            <a:r>
+              <a:rPr lang="it-IT" sz="2800" dirty="0">
+                <a:solidFill>
+                  <a:schemeClr val="bg1"/>
+                </a:solidFill>
+              </a:rPr>
+              <a:t>	JS:</a:t>
+            </a:r>
+          </a:p>
+          <a:p>
+            <a:endParaRPr lang="it-IT" sz="1050" dirty="0">
+              <a:solidFill>
+                <a:schemeClr val="bg1"/>
+              </a:solidFill>
+            </a:endParaRPr>
+          </a:p>
+          <a:p>
+            <a:pPr marL="285750" indent="-285750">
+              <a:buFont typeface="Arial" panose="020B0604020202020204" pitchFamily="34" charset="0"/>
+              <a:buChar char="•"/>
+            </a:pPr>
+            <a:r>
+              <a:rPr lang="it-IT" dirty="0">
+                <a:solidFill>
+                  <a:schemeClr val="bg1"/>
+                </a:solidFill>
+              </a:rPr>
+              <a:t>access-</a:t>
+            </a:r>
+            <a:r>
+              <a:rPr lang="it-IT" dirty="0" err="1">
+                <a:solidFill>
+                  <a:schemeClr val="bg1"/>
+                </a:solidFill>
+              </a:rPr>
+              <a:t>validation</a:t>
+            </a:r>
+            <a:r>
+              <a:rPr lang="it-IT" dirty="0">
+                <a:solidFill>
+                  <a:schemeClr val="bg1"/>
+                </a:solidFill>
+              </a:rPr>
+              <a:t>;</a:t>
+            </a:r>
+          </a:p>
+          <a:p>
+            <a:pPr marL="285750" indent="-285750">
+              <a:buFont typeface="Arial" panose="020B0604020202020204" pitchFamily="34" charset="0"/>
+              <a:buChar char="•"/>
+            </a:pPr>
+            <a:r>
+              <a:rPr lang="it-IT" dirty="0">
+                <a:solidFill>
+                  <a:schemeClr val="bg1"/>
+                </a:solidFill>
+              </a:rPr>
+              <a:t>article-page;</a:t>
+            </a:r>
+          </a:p>
+          <a:p>
+            <a:pPr marL="285750" indent="-285750">
+              <a:buFont typeface="Arial" panose="020B0604020202020204" pitchFamily="34" charset="0"/>
+              <a:buChar char="•"/>
+            </a:pPr>
+            <a:r>
+              <a:rPr lang="it-IT" dirty="0">
+                <a:solidFill>
+                  <a:schemeClr val="bg1"/>
+                </a:solidFill>
+              </a:rPr>
+              <a:t>article;</a:t>
+            </a:r>
+          </a:p>
+          <a:p>
+            <a:pPr marL="285750" indent="-285750">
+              <a:buFont typeface="Arial" panose="020B0604020202020204" pitchFamily="34" charset="0"/>
+              <a:buChar char="•"/>
+            </a:pPr>
+            <a:r>
+              <a:rPr lang="it-IT" dirty="0">
+                <a:solidFill>
+                  <a:schemeClr val="bg1"/>
+                </a:solidFill>
+              </a:rPr>
+              <a:t>bootstrap;</a:t>
+            </a:r>
+          </a:p>
+          <a:p>
+            <a:pPr marL="285750" indent="-285750">
+              <a:buFont typeface="Arial" panose="020B0604020202020204" pitchFamily="34" charset="0"/>
+              <a:buChar char="•"/>
+            </a:pPr>
+            <a:r>
+              <a:rPr lang="it-IT" dirty="0">
+                <a:solidFill>
+                  <a:schemeClr val="bg1"/>
+                </a:solidFill>
+              </a:rPr>
+              <a:t>promotion;</a:t>
+            </a:r>
+          </a:p>
+          <a:p>
+            <a:pPr marL="285750" indent="-285750">
+              <a:buFont typeface="Arial" panose="020B0604020202020204" pitchFamily="34" charset="0"/>
+              <a:buChar char="•"/>
+            </a:pPr>
+            <a:r>
+              <a:rPr lang="it-IT" dirty="0">
+                <a:solidFill>
+                  <a:schemeClr val="bg1"/>
+                </a:solidFill>
+              </a:rPr>
+              <a:t>user;</a:t>
+            </a:r>
+          </a:p>
+          <a:p>
+            <a:pPr marL="285750" indent="-285750">
+              <a:buFont typeface="Arial" panose="020B0604020202020204" pitchFamily="34" charset="0"/>
+              <a:buChar char="•"/>
+            </a:pPr>
+            <a:r>
+              <a:rPr lang="it-IT" dirty="0" err="1">
+                <a:solidFill>
+                  <a:schemeClr val="bg1"/>
+                </a:solidFill>
+              </a:rPr>
+              <a:t>util</a:t>
+            </a:r>
+            <a:r>
+              <a:rPr lang="it-IT" dirty="0">
+                <a:solidFill>
+                  <a:schemeClr val="bg1"/>
+                </a:solidFill>
+              </a:rPr>
+              <a:t>.</a:t>
+            </a:r>
+          </a:p>
+        </p:txBody>
+      </p:sp>
+      <p:sp>
+        <p:nvSpPr>
+          <p:cNvPr id="7" name="CasellaDiTesto 6">
+            <a:extLst>
+              <a:ext uri="{FF2B5EF4-FFF2-40B4-BE49-F238E27FC236}">
+                <a16:creationId xmlns:a16="http://schemas.microsoft.com/office/drawing/2014/main" id="{33E2E6EF-F9AA-47A8-BE70-9ED9F4D1D847}"/>
+              </a:ext>
+            </a:extLst>
+          </p:cNvPr>
+          <p:cNvSpPr txBox="1"/>
+          <p:nvPr/>
+        </p:nvSpPr>
+        <p:spPr>
+          <a:xfrm>
+            <a:off x="2244468" y="1537063"/>
+            <a:ext cx="3580674" cy="4001095"/>
+          </a:xfrm>
+          <a:prstGeom prst="rect">
+            <a:avLst/>
+          </a:prstGeom>
+          <a:noFill/>
+        </p:spPr>
+        <p:txBody>
+          <a:bodyPr wrap="square" rtlCol="0">
+            <a:spAutoFit/>
+          </a:bodyPr>
+          <a:lstStyle/>
+          <a:p>
+            <a:r>
+              <a:rPr lang="it-IT" dirty="0">
+                <a:solidFill>
+                  <a:schemeClr val="bg1"/>
+                </a:solidFill>
+              </a:rPr>
+              <a:t>	</a:t>
+            </a:r>
+            <a:r>
+              <a:rPr lang="it-IT" sz="2800" dirty="0">
+                <a:solidFill>
+                  <a:schemeClr val="bg1"/>
+                </a:solidFill>
+              </a:rPr>
+              <a:t>Support:</a:t>
+            </a:r>
+          </a:p>
+          <a:p>
+            <a:endParaRPr lang="it-IT" sz="2800" dirty="0">
+              <a:solidFill>
+                <a:schemeClr val="bg1"/>
+              </a:solidFill>
+            </a:endParaRPr>
+          </a:p>
+          <a:p>
+            <a:pPr marL="285750" indent="-285750">
+              <a:buFont typeface="Arial" panose="020B0604020202020204" pitchFamily="34" charset="0"/>
+              <a:buChar char="•"/>
+            </a:pPr>
+            <a:r>
+              <a:rPr lang="it-IT" dirty="0">
+                <a:solidFill>
+                  <a:schemeClr val="bg1"/>
+                </a:solidFill>
+              </a:rPr>
+              <a:t>AdminBean;</a:t>
+            </a:r>
+          </a:p>
+          <a:p>
+            <a:pPr marL="285750" indent="-285750">
+              <a:buFont typeface="Arial" panose="020B0604020202020204" pitchFamily="34" charset="0"/>
+              <a:buChar char="•"/>
+            </a:pPr>
+            <a:r>
+              <a:rPr lang="it-IT" dirty="0">
+                <a:solidFill>
+                  <a:schemeClr val="bg1"/>
+                </a:solidFill>
+              </a:rPr>
+              <a:t>ArticleBean;</a:t>
+            </a:r>
+          </a:p>
+          <a:p>
+            <a:pPr marL="285750" indent="-285750">
+              <a:buFont typeface="Arial" panose="020B0604020202020204" pitchFamily="34" charset="0"/>
+              <a:buChar char="•"/>
+            </a:pPr>
+            <a:r>
+              <a:rPr lang="it-IT" dirty="0">
+                <a:solidFill>
+                  <a:schemeClr val="bg1"/>
+                </a:solidFill>
+              </a:rPr>
+              <a:t>Cart;</a:t>
+            </a:r>
+          </a:p>
+          <a:p>
+            <a:pPr marL="285750" indent="-285750">
+              <a:buFont typeface="Arial" panose="020B0604020202020204" pitchFamily="34" charset="0"/>
+              <a:buChar char="•"/>
+            </a:pPr>
+            <a:r>
+              <a:rPr lang="it-IT" dirty="0">
+                <a:solidFill>
+                  <a:schemeClr val="bg1"/>
+                </a:solidFill>
+              </a:rPr>
+              <a:t>CartArticle;</a:t>
+            </a:r>
+          </a:p>
+          <a:p>
+            <a:pPr marL="285750" indent="-285750">
+              <a:buFont typeface="Arial" panose="020B0604020202020204" pitchFamily="34" charset="0"/>
+              <a:buChar char="•"/>
+            </a:pPr>
+            <a:r>
+              <a:rPr lang="it-IT" dirty="0">
+                <a:solidFill>
+                  <a:schemeClr val="bg1"/>
+                </a:solidFill>
+              </a:rPr>
+              <a:t>ContactLensesBean;</a:t>
+            </a:r>
+          </a:p>
+          <a:p>
+            <a:pPr marL="285750" indent="-285750">
+              <a:buFont typeface="Arial" panose="020B0604020202020204" pitchFamily="34" charset="0"/>
+              <a:buChar char="•"/>
+            </a:pPr>
+            <a:r>
+              <a:rPr lang="it-IT" dirty="0">
+                <a:solidFill>
+                  <a:schemeClr val="bg1"/>
+                </a:solidFill>
+              </a:rPr>
+              <a:t>CreditCardBean;</a:t>
+            </a:r>
+          </a:p>
+          <a:p>
+            <a:pPr marL="285750" indent="-285750">
+              <a:buFont typeface="Arial" panose="020B0604020202020204" pitchFamily="34" charset="0"/>
+              <a:buChar char="•"/>
+            </a:pPr>
+            <a:r>
+              <a:rPr lang="it-IT" dirty="0">
+                <a:solidFill>
+                  <a:schemeClr val="bg1"/>
+                </a:solidFill>
+              </a:rPr>
+              <a:t>GlassesBean;</a:t>
+            </a:r>
+          </a:p>
+          <a:p>
+            <a:pPr marL="285750" indent="-285750">
+              <a:buFont typeface="Arial" panose="020B0604020202020204" pitchFamily="34" charset="0"/>
+              <a:buChar char="•"/>
+            </a:pPr>
+            <a:r>
+              <a:rPr lang="it-IT" dirty="0">
+                <a:solidFill>
+                  <a:schemeClr val="bg1"/>
+                </a:solidFill>
+              </a:rPr>
+              <a:t>OrderBean;</a:t>
+            </a:r>
+          </a:p>
+          <a:p>
+            <a:pPr marL="285750" indent="-285750">
+              <a:buFont typeface="Arial" panose="020B0604020202020204" pitchFamily="34" charset="0"/>
+              <a:buChar char="•"/>
+            </a:pPr>
+            <a:r>
+              <a:rPr lang="it-IT" dirty="0">
+                <a:solidFill>
+                  <a:schemeClr val="bg1"/>
+                </a:solidFill>
+              </a:rPr>
+              <a:t>PrescriptionBean;</a:t>
+            </a:r>
+          </a:p>
+          <a:p>
+            <a:pPr marL="285750" indent="-285750">
+              <a:buFont typeface="Arial" panose="020B0604020202020204" pitchFamily="34" charset="0"/>
+              <a:buChar char="•"/>
+            </a:pPr>
+            <a:r>
+              <a:rPr lang="it-IT" dirty="0">
+                <a:solidFill>
+                  <a:schemeClr val="bg1"/>
+                </a:solidFill>
+              </a:rPr>
+              <a:t>PromotionBean;</a:t>
+            </a:r>
+          </a:p>
+          <a:p>
+            <a:pPr marL="285750" indent="-285750">
+              <a:buFont typeface="Arial" panose="020B0604020202020204" pitchFamily="34" charset="0"/>
+              <a:buChar char="•"/>
+            </a:pPr>
+            <a:r>
+              <a:rPr lang="it-IT" dirty="0">
+                <a:solidFill>
+                  <a:schemeClr val="bg1"/>
+                </a:solidFill>
+              </a:rPr>
+              <a:t>UserBean.</a:t>
+            </a:r>
+          </a:p>
+        </p:txBody>
+      </p:sp>
     </p:spTree>
     <p:extLst>
       <p:ext uri="{BB962C8B-B14F-4D97-AF65-F5344CB8AC3E}">
-        <p14:creationId xmlns:p14="http://schemas.microsoft.com/office/powerpoint/2010/main" val="3975899420"/>
+        <p14:creationId xmlns:p14="http://schemas.microsoft.com/office/powerpoint/2010/main" val="2082542765"/>
       </p:ext>
     </p:extLst>
   </p:cSld>
@@ -5543,6 +6046,149 @@
           <p:cNvPr id="2" name="Titolo 1">
             <a:extLst>
               <a:ext uri="{FF2B5EF4-FFF2-40B4-BE49-F238E27FC236}">
+                <a16:creationId xmlns:a16="http://schemas.microsoft.com/office/drawing/2014/main" id="{5374032D-0AD2-49C4-BD1A-734E57568EC3}"/>
+              </a:ext>
+            </a:extLst>
+          </p:cNvPr>
+          <p:cNvSpPr>
+            <a:spLocks noGrp="1"/>
+          </p:cNvSpPr>
+          <p:nvPr>
+            <p:ph type="title"/>
+          </p:nvPr>
+        </p:nvSpPr>
+        <p:spPr>
+          <a:xfrm>
+            <a:off x="1086394" y="2272302"/>
+            <a:ext cx="10515600" cy="1325563"/>
+          </a:xfrm>
+        </p:spPr>
+        <p:txBody>
+          <a:bodyPr>
+            <a:normAutofit/>
+          </a:bodyPr>
+          <a:lstStyle/>
+          <a:p>
+            <a:r>
+              <a:rPr lang="it-IT" sz="6000" dirty="0">
+                <a:solidFill>
+                  <a:schemeClr val="bg1"/>
+                </a:solidFill>
+              </a:rPr>
+              <a:t>MODELLO RELAZIONALE DEL DB</a:t>
+            </a:r>
+          </a:p>
+        </p:txBody>
+      </p:sp>
+    </p:spTree>
+    <p:extLst>
+      <p:ext uri="{BB962C8B-B14F-4D97-AF65-F5344CB8AC3E}">
+        <p14:creationId xmlns:p14="http://schemas.microsoft.com/office/powerpoint/2010/main" val="3547225006"/>
+      </p:ext>
+    </p:extLst>
+  </p:cSld>
+  <p:clrMapOvr>
+    <a:masterClrMapping/>
+  </p:clrMapOvr>
+</p:sld>
+</file>
+
+<file path=ppt/slides/slide21.xml><?xml version="1.0" encoding="utf-8"?>
+<p:sld xmlns:a="http://schemas.openxmlformats.org/drawingml/2006/main" xmlns:r="http://schemas.openxmlformats.org/officeDocument/2006/relationships" xmlns:p="http://schemas.openxmlformats.org/presentationml/2006/main">
+  <p:cSld>
+    <p:spTree>
+      <p:nvGrpSpPr>
+        <p:cNvPr id="1" name=""/>
+        <p:cNvGrpSpPr/>
+        <p:nvPr/>
+      </p:nvGrpSpPr>
+      <p:grpSpPr>
+        <a:xfrm>
+          <a:off x="0" y="0"/>
+          <a:ext cx="0" cy="0"/>
+          <a:chOff x="0" y="0"/>
+          <a:chExt cx="0" cy="0"/>
+        </a:xfrm>
+      </p:grpSpPr>
+      <p:pic>
+        <p:nvPicPr>
+          <p:cNvPr id="3" name="Immagine 2">
+            <a:extLst>
+              <a:ext uri="{FF2B5EF4-FFF2-40B4-BE49-F238E27FC236}">
+                <a16:creationId xmlns:a16="http://schemas.microsoft.com/office/drawing/2014/main" id="{28EBF6A9-865C-4379-B696-7DD5CC9F6239}"/>
+              </a:ext>
+            </a:extLst>
+          </p:cNvPr>
+          <p:cNvPicPr>
+            <a:picLocks noChangeAspect="1"/>
+          </p:cNvPicPr>
+          <p:nvPr/>
+        </p:nvPicPr>
+        <p:blipFill>
+          <a:blip r:embed="rId2">
+            <a:extLst>
+              <a:ext uri="{28A0092B-C50C-407E-A947-70E740481C1C}">
+                <a14:useLocalDpi xmlns:a14="http://schemas.microsoft.com/office/drawing/2010/main" val="0"/>
+              </a:ext>
+            </a:extLst>
+          </a:blip>
+          <a:stretch>
+            <a:fillRect/>
+          </a:stretch>
+        </p:blipFill>
+        <p:spPr>
+          <a:xfrm>
+            <a:off x="193964" y="138545"/>
+            <a:ext cx="11998036" cy="6354619"/>
+          </a:xfrm>
+          <a:prstGeom prst="rect">
+            <a:avLst/>
+          </a:prstGeom>
+        </p:spPr>
+      </p:pic>
+    </p:spTree>
+    <p:extLst>
+      <p:ext uri="{BB962C8B-B14F-4D97-AF65-F5344CB8AC3E}">
+        <p14:creationId xmlns:p14="http://schemas.microsoft.com/office/powerpoint/2010/main" val="3975899420"/>
+      </p:ext>
+    </p:extLst>
+  </p:cSld>
+  <p:clrMapOvr>
+    <a:masterClrMapping/>
+  </p:clrMapOvr>
+</p:sld>
+</file>
+
+<file path=ppt/slides/slide22.xml><?xml version="1.0" encoding="utf-8"?>
+<p:sld xmlns:a="http://schemas.openxmlformats.org/drawingml/2006/main" xmlns:r="http://schemas.openxmlformats.org/officeDocument/2006/relationships" xmlns:p="http://schemas.openxmlformats.org/presentationml/2006/main">
+  <p:cSld>
+    <p:bg>
+      <p:bgPr>
+        <a:solidFill>
+          <a:schemeClr val="tx1"/>
+        </a:solidFill>
+        <a:effectLst/>
+      </p:bgPr>
+    </p:bg>
+    <p:spTree>
+      <p:nvGrpSpPr>
+        <p:cNvPr id="1" name=""/>
+        <p:cNvGrpSpPr/>
+        <p:nvPr/>
+      </p:nvGrpSpPr>
+      <p:grpSpPr>
+        <a:xfrm>
+          <a:off x="0" y="0"/>
+          <a:ext cx="0" cy="0"/>
+          <a:chOff x="0" y="0"/>
+          <a:chExt cx="0" cy="0"/>
+        </a:xfrm>
+      </p:grpSpPr>
+      <p:sp>
+        <p:nvSpPr>
+          <p:cNvPr id="2" name="Titolo 1">
+            <a:extLst>
+              <a:ext uri="{FF2B5EF4-FFF2-40B4-BE49-F238E27FC236}">
                 <a16:creationId xmlns:a16="http://schemas.microsoft.com/office/drawing/2014/main" id="{B0BD84F7-B60C-4730-8D61-886CBE08F08C}"/>
               </a:ext>
             </a:extLst>
@@ -5590,7 +6236,7 @@
 </p:sld>
 </file>
 
-<file path=ppt/slides/slide21.xml><?xml version="1.0" encoding="utf-8"?>
+<file path=ppt/slides/slide23.xml><?xml version="1.0" encoding="utf-8"?>
 <p:sld xmlns:a="http://schemas.openxmlformats.org/drawingml/2006/main" xmlns:r="http://schemas.openxmlformats.org/officeDocument/2006/relationships" xmlns:p="http://schemas.openxmlformats.org/presentationml/2006/main">
   <p:cSld>
     <p:bg>
@@ -6923,41 +7569,6 @@
           </a:prstGeom>
         </p:spPr>
       </p:pic>
-      <p:sp>
-        <p:nvSpPr>
-          <p:cNvPr id="6" name="CasellaDiTesto 5">
-            <a:extLst>
-              <a:ext uri="{FF2B5EF4-FFF2-40B4-BE49-F238E27FC236}">
-                <a16:creationId xmlns:a16="http://schemas.microsoft.com/office/drawing/2014/main" id="{8A590DDC-CF59-453E-8CA9-2F2005E892C3}"/>
-              </a:ext>
-            </a:extLst>
-          </p:cNvPr>
-          <p:cNvSpPr txBox="1"/>
-          <p:nvPr/>
-        </p:nvSpPr>
-        <p:spPr>
-          <a:xfrm>
-            <a:off x="3512634" y="6488668"/>
-            <a:ext cx="4638908" cy="369332"/>
-          </a:xfrm>
-          <a:prstGeom prst="rect">
-            <a:avLst/>
-          </a:prstGeom>
-          <a:noFill/>
-        </p:spPr>
-        <p:txBody>
-          <a:bodyPr wrap="square" rtlCol="0">
-            <a:spAutoFit/>
-          </a:bodyPr>
-          <a:lstStyle/>
-          <a:p>
-            <a:r>
-              <a:rPr lang="it-IT" dirty="0"/>
-              <a:t>DA MODIFICARE</a:t>
-            </a:r>
-          </a:p>
-        </p:txBody>
-      </p:sp>
     </p:spTree>
     <p:extLst>
       <p:ext uri="{BB962C8B-B14F-4D97-AF65-F5344CB8AC3E}">
